--- a/ONLINE COMPANY EXPENSE RECORDING WEBSITE BASED ON MULTI-COMPANY.pptx
+++ b/ONLINE COMPANY EXPENSE RECORDING WEBSITE BASED ON MULTI-COMPANY.pptx
@@ -17,7 +17,20 @@
     <p:sldId id="319" r:id="rId14"/>
     <p:sldId id="320" r:id="rId15"/>
     <p:sldId id="321" r:id="rId16"/>
-    <p:sldId id="312" r:id="rId17"/>
+    <p:sldId id="322" r:id="rId17"/>
+    <p:sldId id="324" r:id="rId18"/>
+    <p:sldId id="323" r:id="rId19"/>
+    <p:sldId id="326" r:id="rId20"/>
+    <p:sldId id="325" r:id="rId21"/>
+    <p:sldId id="327" r:id="rId22"/>
+    <p:sldId id="328" r:id="rId23"/>
+    <p:sldId id="333" r:id="rId24"/>
+    <p:sldId id="332" r:id="rId25"/>
+    <p:sldId id="334" r:id="rId26"/>
+    <p:sldId id="335" r:id="rId27"/>
+    <p:sldId id="337" r:id="rId28"/>
+    <p:sldId id="336" r:id="rId29"/>
+    <p:sldId id="331" r:id="rId30"/>
   </p:sldIdLst>
   <p:sldSz cx="12192000" cy="6858000"/>
   <p:notesSz cx="6858000" cy="9144000"/>
@@ -124,3867 +137,6 @@
 </p:presentation>
 </file>
 
-<file path=ppt/diagrams/colors1.xml><?xml version="1.0" encoding="utf-8"?>
-<dgm:colorsDef xmlns:dgm="http://schemas.openxmlformats.org/drawingml/2006/diagram" xmlns:a="http://schemas.openxmlformats.org/drawingml/2006/main" uniqueId="urn:microsoft.com/office/officeart/2005/8/colors/accent1_2">
-  <dgm:title val=""/>
-  <dgm:desc val=""/>
-  <dgm:catLst>
-    <dgm:cat type="accent1" pri="11200"/>
-  </dgm:catLst>
-  <dgm:styleLbl name="node0">
-    <dgm:fillClrLst meth="repeat">
-      <a:schemeClr val="accent1"/>
-    </dgm:fillClrLst>
-    <dgm:linClrLst meth="repeat">
-      <a:schemeClr val="lt1"/>
-    </dgm:linClrLst>
-    <dgm:effectClrLst/>
-    <dgm:txLinClrLst/>
-    <dgm:txFillClrLst/>
-    <dgm:txEffectClrLst/>
-  </dgm:styleLbl>
-  <dgm:styleLbl name="alignNode1">
-    <dgm:fillClrLst meth="repeat">
-      <a:schemeClr val="accent1"/>
-    </dgm:fillClrLst>
-    <dgm:linClrLst meth="repeat">
-      <a:schemeClr val="accent1"/>
-    </dgm:linClrLst>
-    <dgm:effectClrLst/>
-    <dgm:txLinClrLst/>
-    <dgm:txFillClrLst/>
-    <dgm:txEffectClrLst/>
-  </dgm:styleLbl>
-  <dgm:styleLbl name="node1">
-    <dgm:fillClrLst meth="repeat">
-      <a:schemeClr val="accent1"/>
-    </dgm:fillClrLst>
-    <dgm:linClrLst meth="repeat">
-      <a:schemeClr val="lt1"/>
-    </dgm:linClrLst>
-    <dgm:effectClrLst/>
-    <dgm:txLinClrLst/>
-    <dgm:txFillClrLst/>
-    <dgm:txEffectClrLst/>
-  </dgm:styleLbl>
-  <dgm:styleLbl name="lnNode1">
-    <dgm:fillClrLst meth="repeat">
-      <a:schemeClr val="accent1"/>
-    </dgm:fillClrLst>
-    <dgm:linClrLst meth="repeat">
-      <a:schemeClr val="lt1"/>
-    </dgm:linClrLst>
-    <dgm:effectClrLst/>
-    <dgm:txLinClrLst/>
-    <dgm:txFillClrLst/>
-    <dgm:txEffectClrLst/>
-  </dgm:styleLbl>
-  <dgm:styleLbl name="vennNode1">
-    <dgm:fillClrLst meth="repeat">
-      <a:schemeClr val="accent1">
-        <a:alpha val="50000"/>
-      </a:schemeClr>
-    </dgm:fillClrLst>
-    <dgm:linClrLst meth="repeat">
-      <a:schemeClr val="lt1"/>
-    </dgm:linClrLst>
-    <dgm:effectClrLst/>
-    <dgm:txLinClrLst/>
-    <dgm:txFillClrLst/>
-    <dgm:txEffectClrLst/>
-  </dgm:styleLbl>
-  <dgm:styleLbl name="node2">
-    <dgm:fillClrLst meth="repeat">
-      <a:schemeClr val="accent1"/>
-    </dgm:fillClrLst>
-    <dgm:linClrLst meth="repeat">
-      <a:schemeClr val="lt1"/>
-    </dgm:linClrLst>
-    <dgm:effectClrLst/>
-    <dgm:txLinClrLst/>
-    <dgm:txFillClrLst/>
-    <dgm:txEffectClrLst/>
-  </dgm:styleLbl>
-  <dgm:styleLbl name="node3">
-    <dgm:fillClrLst meth="repeat">
-      <a:schemeClr val="accent1"/>
-    </dgm:fillClrLst>
-    <dgm:linClrLst meth="repeat">
-      <a:schemeClr val="lt1"/>
-    </dgm:linClrLst>
-    <dgm:effectClrLst/>
-    <dgm:txLinClrLst/>
-    <dgm:txFillClrLst/>
-    <dgm:txEffectClrLst/>
-  </dgm:styleLbl>
-  <dgm:styleLbl name="node4">
-    <dgm:fillClrLst meth="repeat">
-      <a:schemeClr val="accent1"/>
-    </dgm:fillClrLst>
-    <dgm:linClrLst meth="repeat">
-      <a:schemeClr val="lt1"/>
-    </dgm:linClrLst>
-    <dgm:effectClrLst/>
-    <dgm:txLinClrLst/>
-    <dgm:txFillClrLst/>
-    <dgm:txEffectClrLst/>
-  </dgm:styleLbl>
-  <dgm:styleLbl name="fgImgPlace1">
-    <dgm:fillClrLst meth="repeat">
-      <a:schemeClr val="accent1">
-        <a:tint val="50000"/>
-      </a:schemeClr>
-    </dgm:fillClrLst>
-    <dgm:linClrLst meth="repeat">
-      <a:schemeClr val="lt1"/>
-    </dgm:linClrLst>
-    <dgm:effectClrLst/>
-    <dgm:txLinClrLst/>
-    <dgm:txFillClrLst meth="repeat">
-      <a:schemeClr val="lt1"/>
-    </dgm:txFillClrLst>
-    <dgm:txEffectClrLst/>
-  </dgm:styleLbl>
-  <dgm:styleLbl name="alignImgPlace1">
-    <dgm:fillClrLst meth="repeat">
-      <a:schemeClr val="accent1">
-        <a:tint val="50000"/>
-      </a:schemeClr>
-    </dgm:fillClrLst>
-    <dgm:linClrLst meth="repeat">
-      <a:schemeClr val="lt1"/>
-    </dgm:linClrLst>
-    <dgm:effectClrLst/>
-    <dgm:txLinClrLst/>
-    <dgm:txFillClrLst meth="repeat">
-      <a:schemeClr val="lt1"/>
-    </dgm:txFillClrLst>
-    <dgm:txEffectClrLst/>
-  </dgm:styleLbl>
-  <dgm:styleLbl name="bgImgPlace1">
-    <dgm:fillClrLst meth="repeat">
-      <a:schemeClr val="accent1">
-        <a:tint val="50000"/>
-      </a:schemeClr>
-    </dgm:fillClrLst>
-    <dgm:linClrLst meth="repeat">
-      <a:schemeClr val="lt1"/>
-    </dgm:linClrLst>
-    <dgm:effectClrLst/>
-    <dgm:txLinClrLst/>
-    <dgm:txFillClrLst meth="repeat">
-      <a:schemeClr val="lt1"/>
-    </dgm:txFillClrLst>
-    <dgm:txEffectClrLst/>
-  </dgm:styleLbl>
-  <dgm:styleLbl name="sibTrans2D1">
-    <dgm:fillClrLst meth="repeat">
-      <a:schemeClr val="accent1">
-        <a:tint val="60000"/>
-      </a:schemeClr>
-    </dgm:fillClrLst>
-    <dgm:linClrLst meth="repeat">
-      <a:schemeClr val="accent1">
-        <a:tint val="60000"/>
-      </a:schemeClr>
-    </dgm:linClrLst>
-    <dgm:effectClrLst/>
-    <dgm:txLinClrLst/>
-    <dgm:txFillClrLst/>
-    <dgm:txEffectClrLst/>
-  </dgm:styleLbl>
-  <dgm:styleLbl name="fgSibTrans2D1">
-    <dgm:fillClrLst meth="repeat">
-      <a:schemeClr val="accent1">
-        <a:tint val="60000"/>
-      </a:schemeClr>
-    </dgm:fillClrLst>
-    <dgm:linClrLst meth="repeat">
-      <a:schemeClr val="accent1">
-        <a:tint val="60000"/>
-      </a:schemeClr>
-    </dgm:linClrLst>
-    <dgm:effectClrLst/>
-    <dgm:txLinClrLst/>
-    <dgm:txFillClrLst/>
-    <dgm:txEffectClrLst/>
-  </dgm:styleLbl>
-  <dgm:styleLbl name="bgSibTrans2D1">
-    <dgm:fillClrLst meth="repeat">
-      <a:schemeClr val="accent1">
-        <a:tint val="60000"/>
-      </a:schemeClr>
-    </dgm:fillClrLst>
-    <dgm:linClrLst meth="repeat">
-      <a:schemeClr val="accent1">
-        <a:tint val="60000"/>
-      </a:schemeClr>
-    </dgm:linClrLst>
-    <dgm:effectClrLst/>
-    <dgm:txLinClrLst/>
-    <dgm:txFillClrLst/>
-    <dgm:txEffectClrLst/>
-  </dgm:styleLbl>
-  <dgm:styleLbl name="sibTrans1D1">
-    <dgm:fillClrLst meth="repeat">
-      <a:schemeClr val="accent1"/>
-    </dgm:fillClrLst>
-    <dgm:linClrLst meth="repeat">
-      <a:schemeClr val="accent1"/>
-    </dgm:linClrLst>
-    <dgm:effectClrLst/>
-    <dgm:txLinClrLst/>
-    <dgm:txFillClrLst meth="repeat">
-      <a:schemeClr val="tx1"/>
-    </dgm:txFillClrLst>
-    <dgm:txEffectClrLst/>
-  </dgm:styleLbl>
-  <dgm:styleLbl name="callout">
-    <dgm:fillClrLst meth="repeat">
-      <a:schemeClr val="accent1"/>
-    </dgm:fillClrLst>
-    <dgm:linClrLst meth="repeat">
-      <a:schemeClr val="accent1">
-        <a:tint val="50000"/>
-      </a:schemeClr>
-    </dgm:linClrLst>
-    <dgm:effectClrLst/>
-    <dgm:txLinClrLst/>
-    <dgm:txFillClrLst meth="repeat">
-      <a:schemeClr val="tx1"/>
-    </dgm:txFillClrLst>
-    <dgm:txEffectClrLst/>
-  </dgm:styleLbl>
-  <dgm:styleLbl name="asst0">
-    <dgm:fillClrLst meth="repeat">
-      <a:schemeClr val="accent1"/>
-    </dgm:fillClrLst>
-    <dgm:linClrLst meth="repeat">
-      <a:schemeClr val="lt1"/>
-    </dgm:linClrLst>
-    <dgm:effectClrLst/>
-    <dgm:txLinClrLst/>
-    <dgm:txFillClrLst/>
-    <dgm:txEffectClrLst/>
-  </dgm:styleLbl>
-  <dgm:styleLbl name="asst1">
-    <dgm:fillClrLst meth="repeat">
-      <a:schemeClr val="accent1"/>
-    </dgm:fillClrLst>
-    <dgm:linClrLst meth="repeat">
-      <a:schemeClr val="lt1"/>
-    </dgm:linClrLst>
-    <dgm:effectClrLst/>
-    <dgm:txLinClrLst/>
-    <dgm:txFillClrLst/>
-    <dgm:txEffectClrLst/>
-  </dgm:styleLbl>
-  <dgm:styleLbl name="asst2">
-    <dgm:fillClrLst meth="repeat">
-      <a:schemeClr val="accent1"/>
-    </dgm:fillClrLst>
-    <dgm:linClrLst meth="repeat">
-      <a:schemeClr val="lt1"/>
-    </dgm:linClrLst>
-    <dgm:effectClrLst/>
-    <dgm:txLinClrLst/>
-    <dgm:txFillClrLst/>
-    <dgm:txEffectClrLst/>
-  </dgm:styleLbl>
-  <dgm:styleLbl name="asst3">
-    <dgm:fillClrLst meth="repeat">
-      <a:schemeClr val="accent1"/>
-    </dgm:fillClrLst>
-    <dgm:linClrLst meth="repeat">
-      <a:schemeClr val="lt1"/>
-    </dgm:linClrLst>
-    <dgm:effectClrLst/>
-    <dgm:txLinClrLst/>
-    <dgm:txFillClrLst/>
-    <dgm:txEffectClrLst/>
-  </dgm:styleLbl>
-  <dgm:styleLbl name="asst4">
-    <dgm:fillClrLst meth="repeat">
-      <a:schemeClr val="accent1"/>
-    </dgm:fillClrLst>
-    <dgm:linClrLst meth="repeat">
-      <a:schemeClr val="lt1"/>
-    </dgm:linClrLst>
-    <dgm:effectClrLst/>
-    <dgm:txLinClrLst/>
-    <dgm:txFillClrLst/>
-    <dgm:txEffectClrLst/>
-  </dgm:styleLbl>
-  <dgm:styleLbl name="parChTrans2D1">
-    <dgm:fillClrLst meth="repeat">
-      <a:schemeClr val="accent1">
-        <a:tint val="60000"/>
-      </a:schemeClr>
-    </dgm:fillClrLst>
-    <dgm:linClrLst meth="repeat">
-      <a:schemeClr val="accent1">
-        <a:tint val="60000"/>
-      </a:schemeClr>
-    </dgm:linClrLst>
-    <dgm:effectClrLst/>
-    <dgm:txLinClrLst/>
-    <dgm:txFillClrLst meth="repeat">
-      <a:schemeClr val="lt1"/>
-    </dgm:txFillClrLst>
-    <dgm:txEffectClrLst/>
-  </dgm:styleLbl>
-  <dgm:styleLbl name="parChTrans2D2">
-    <dgm:fillClrLst meth="repeat">
-      <a:schemeClr val="accent1"/>
-    </dgm:fillClrLst>
-    <dgm:linClrLst meth="repeat">
-      <a:schemeClr val="accent1"/>
-    </dgm:linClrLst>
-    <dgm:effectClrLst/>
-    <dgm:txLinClrLst/>
-    <dgm:txFillClrLst meth="repeat">
-      <a:schemeClr val="lt1"/>
-    </dgm:txFillClrLst>
-    <dgm:txEffectClrLst/>
-  </dgm:styleLbl>
-  <dgm:styleLbl name="parChTrans2D3">
-    <dgm:fillClrLst meth="repeat">
-      <a:schemeClr val="accent1"/>
-    </dgm:fillClrLst>
-    <dgm:linClrLst meth="repeat">
-      <a:schemeClr val="accent1"/>
-    </dgm:linClrLst>
-    <dgm:effectClrLst/>
-    <dgm:txLinClrLst/>
-    <dgm:txFillClrLst meth="repeat">
-      <a:schemeClr val="lt1"/>
-    </dgm:txFillClrLst>
-    <dgm:txEffectClrLst/>
-  </dgm:styleLbl>
-  <dgm:styleLbl name="parChTrans2D4">
-    <dgm:fillClrLst meth="repeat">
-      <a:schemeClr val="accent1"/>
-    </dgm:fillClrLst>
-    <dgm:linClrLst meth="repeat">
-      <a:schemeClr val="accent1"/>
-    </dgm:linClrLst>
-    <dgm:effectClrLst/>
-    <dgm:txLinClrLst/>
-    <dgm:txFillClrLst meth="repeat">
-      <a:schemeClr val="lt1"/>
-    </dgm:txFillClrLst>
-    <dgm:txEffectClrLst/>
-  </dgm:styleLbl>
-  <dgm:styleLbl name="parChTrans1D1">
-    <dgm:fillClrLst meth="repeat">
-      <a:schemeClr val="accent1"/>
-    </dgm:fillClrLst>
-    <dgm:linClrLst meth="repeat">
-      <a:schemeClr val="accent1">
-        <a:shade val="60000"/>
-      </a:schemeClr>
-    </dgm:linClrLst>
-    <dgm:effectClrLst/>
-    <dgm:txLinClrLst/>
-    <dgm:txFillClrLst meth="repeat">
-      <a:schemeClr val="tx1"/>
-    </dgm:txFillClrLst>
-    <dgm:txEffectClrLst/>
-  </dgm:styleLbl>
-  <dgm:styleLbl name="parChTrans1D2">
-    <dgm:fillClrLst meth="repeat">
-      <a:schemeClr val="accent1"/>
-    </dgm:fillClrLst>
-    <dgm:linClrLst meth="repeat">
-      <a:schemeClr val="accent1">
-        <a:shade val="60000"/>
-      </a:schemeClr>
-    </dgm:linClrLst>
-    <dgm:effectClrLst/>
-    <dgm:txLinClrLst/>
-    <dgm:txFillClrLst meth="repeat">
-      <a:schemeClr val="tx1"/>
-    </dgm:txFillClrLst>
-    <dgm:txEffectClrLst/>
-  </dgm:styleLbl>
-  <dgm:styleLbl name="parChTrans1D3">
-    <dgm:fillClrLst meth="repeat">
-      <a:schemeClr val="accent1"/>
-    </dgm:fillClrLst>
-    <dgm:linClrLst meth="repeat">
-      <a:schemeClr val="accent1">
-        <a:shade val="80000"/>
-      </a:schemeClr>
-    </dgm:linClrLst>
-    <dgm:effectClrLst/>
-    <dgm:txLinClrLst/>
-    <dgm:txFillClrLst meth="repeat">
-      <a:schemeClr val="tx1"/>
-    </dgm:txFillClrLst>
-    <dgm:txEffectClrLst/>
-  </dgm:styleLbl>
-  <dgm:styleLbl name="parChTrans1D4">
-    <dgm:fillClrLst meth="repeat">
-      <a:schemeClr val="accent1"/>
-    </dgm:fillClrLst>
-    <dgm:linClrLst meth="repeat">
-      <a:schemeClr val="accent1">
-        <a:shade val="80000"/>
-      </a:schemeClr>
-    </dgm:linClrLst>
-    <dgm:effectClrLst/>
-    <dgm:txLinClrLst/>
-    <dgm:txFillClrLst meth="repeat">
-      <a:schemeClr val="tx1"/>
-    </dgm:txFillClrLst>
-    <dgm:txEffectClrLst/>
-  </dgm:styleLbl>
-  <dgm:styleLbl name="fgAcc1">
-    <dgm:fillClrLst meth="repeat">
-      <a:schemeClr val="lt1">
-        <a:alpha val="90000"/>
-      </a:schemeClr>
-    </dgm:fillClrLst>
-    <dgm:linClrLst meth="repeat">
-      <a:schemeClr val="accent1"/>
-    </dgm:linClrLst>
-    <dgm:effectClrLst/>
-    <dgm:txLinClrLst/>
-    <dgm:txFillClrLst meth="repeat">
-      <a:schemeClr val="dk1"/>
-    </dgm:txFillClrLst>
-    <dgm:txEffectClrLst/>
-  </dgm:styleLbl>
-  <dgm:styleLbl name="conFgAcc1">
-    <dgm:fillClrLst meth="repeat">
-      <a:schemeClr val="lt1">
-        <a:alpha val="90000"/>
-      </a:schemeClr>
-    </dgm:fillClrLst>
-    <dgm:linClrLst meth="repeat">
-      <a:schemeClr val="accent1"/>
-    </dgm:linClrLst>
-    <dgm:effectClrLst/>
-    <dgm:txLinClrLst/>
-    <dgm:txFillClrLst meth="repeat">
-      <a:schemeClr val="dk1"/>
-    </dgm:txFillClrLst>
-    <dgm:txEffectClrLst/>
-  </dgm:styleLbl>
-  <dgm:styleLbl name="alignAcc1">
-    <dgm:fillClrLst meth="repeat">
-      <a:schemeClr val="lt1">
-        <a:alpha val="90000"/>
-      </a:schemeClr>
-    </dgm:fillClrLst>
-    <dgm:linClrLst meth="repeat">
-      <a:schemeClr val="accent1"/>
-    </dgm:linClrLst>
-    <dgm:effectClrLst/>
-    <dgm:txLinClrLst/>
-    <dgm:txFillClrLst meth="repeat">
-      <a:schemeClr val="dk1"/>
-    </dgm:txFillClrLst>
-    <dgm:txEffectClrLst/>
-  </dgm:styleLbl>
-  <dgm:styleLbl name="trAlignAcc1">
-    <dgm:fillClrLst meth="repeat">
-      <a:schemeClr val="lt1">
-        <a:alpha val="40000"/>
-      </a:schemeClr>
-    </dgm:fillClrLst>
-    <dgm:linClrLst meth="repeat">
-      <a:schemeClr val="accent1"/>
-    </dgm:linClrLst>
-    <dgm:effectClrLst/>
-    <dgm:txLinClrLst/>
-    <dgm:txFillClrLst meth="repeat">
-      <a:schemeClr val="dk1"/>
-    </dgm:txFillClrLst>
-    <dgm:txEffectClrLst/>
-  </dgm:styleLbl>
-  <dgm:styleLbl name="bgAcc1">
-    <dgm:fillClrLst meth="repeat">
-      <a:schemeClr val="lt1">
-        <a:alpha val="90000"/>
-      </a:schemeClr>
-    </dgm:fillClrLst>
-    <dgm:linClrLst meth="repeat">
-      <a:schemeClr val="accent1"/>
-    </dgm:linClrLst>
-    <dgm:effectClrLst/>
-    <dgm:txLinClrLst/>
-    <dgm:txFillClrLst meth="repeat">
-      <a:schemeClr val="dk1"/>
-    </dgm:txFillClrLst>
-    <dgm:txEffectClrLst/>
-  </dgm:styleLbl>
-  <dgm:styleLbl name="solidFgAcc1">
-    <dgm:fillClrLst meth="repeat">
-      <a:schemeClr val="lt1"/>
-    </dgm:fillClrLst>
-    <dgm:linClrLst meth="repeat">
-      <a:schemeClr val="accent1"/>
-    </dgm:linClrLst>
-    <dgm:effectClrLst/>
-    <dgm:txLinClrLst/>
-    <dgm:txFillClrLst meth="repeat">
-      <a:schemeClr val="dk1"/>
-    </dgm:txFillClrLst>
-    <dgm:txEffectClrLst/>
-  </dgm:styleLbl>
-  <dgm:styleLbl name="solidAlignAcc1">
-    <dgm:fillClrLst meth="repeat">
-      <a:schemeClr val="lt1"/>
-    </dgm:fillClrLst>
-    <dgm:linClrLst meth="repeat">
-      <a:schemeClr val="accent1"/>
-    </dgm:linClrLst>
-    <dgm:effectClrLst/>
-    <dgm:txLinClrLst/>
-    <dgm:txFillClrLst meth="repeat">
-      <a:schemeClr val="dk1"/>
-    </dgm:txFillClrLst>
-    <dgm:txEffectClrLst/>
-  </dgm:styleLbl>
-  <dgm:styleLbl name="solidBgAcc1">
-    <dgm:fillClrLst meth="repeat">
-      <a:schemeClr val="lt1"/>
-    </dgm:fillClrLst>
-    <dgm:linClrLst meth="repeat">
-      <a:schemeClr val="accent1"/>
-    </dgm:linClrLst>
-    <dgm:effectClrLst/>
-    <dgm:txLinClrLst/>
-    <dgm:txFillClrLst meth="repeat">
-      <a:schemeClr val="dk1"/>
-    </dgm:txFillClrLst>
-    <dgm:txEffectClrLst/>
-  </dgm:styleLbl>
-  <dgm:styleLbl name="fgAccFollowNode1">
-    <dgm:fillClrLst meth="repeat">
-      <a:schemeClr val="accent1">
-        <a:alpha val="90000"/>
-        <a:tint val="40000"/>
-      </a:schemeClr>
-    </dgm:fillClrLst>
-    <dgm:linClrLst meth="repeat">
-      <a:schemeClr val="accent1">
-        <a:alpha val="90000"/>
-        <a:tint val="40000"/>
-      </a:schemeClr>
-    </dgm:linClrLst>
-    <dgm:effectClrLst/>
-    <dgm:txLinClrLst/>
-    <dgm:txFillClrLst meth="repeat">
-      <a:schemeClr val="dk1"/>
-    </dgm:txFillClrLst>
-    <dgm:txEffectClrLst/>
-  </dgm:styleLbl>
-  <dgm:styleLbl name="alignAccFollowNode1">
-    <dgm:fillClrLst meth="repeat">
-      <a:schemeClr val="accent1">
-        <a:alpha val="90000"/>
-        <a:tint val="40000"/>
-      </a:schemeClr>
-    </dgm:fillClrLst>
-    <dgm:linClrLst meth="repeat">
-      <a:schemeClr val="accent1">
-        <a:alpha val="90000"/>
-        <a:tint val="40000"/>
-      </a:schemeClr>
-    </dgm:linClrLst>
-    <dgm:effectClrLst/>
-    <dgm:txLinClrLst/>
-    <dgm:txFillClrLst meth="repeat">
-      <a:schemeClr val="dk1"/>
-    </dgm:txFillClrLst>
-    <dgm:txEffectClrLst/>
-  </dgm:styleLbl>
-  <dgm:styleLbl name="bgAccFollowNode1">
-    <dgm:fillClrLst meth="repeat">
-      <a:schemeClr val="accent1">
-        <a:alpha val="90000"/>
-        <a:tint val="40000"/>
-      </a:schemeClr>
-    </dgm:fillClrLst>
-    <dgm:linClrLst meth="repeat">
-      <a:schemeClr val="accent1">
-        <a:alpha val="90000"/>
-        <a:tint val="40000"/>
-      </a:schemeClr>
-    </dgm:linClrLst>
-    <dgm:effectClrLst/>
-    <dgm:txLinClrLst/>
-    <dgm:txFillClrLst meth="repeat">
-      <a:schemeClr val="dk1"/>
-    </dgm:txFillClrLst>
-    <dgm:txEffectClrLst/>
-  </dgm:styleLbl>
-  <dgm:styleLbl name="fgAcc0">
-    <dgm:fillClrLst meth="repeat">
-      <a:schemeClr val="lt1">
-        <a:alpha val="90000"/>
-      </a:schemeClr>
-    </dgm:fillClrLst>
-    <dgm:linClrLst meth="repeat">
-      <a:schemeClr val="accent1"/>
-    </dgm:linClrLst>
-    <dgm:effectClrLst/>
-    <dgm:txLinClrLst/>
-    <dgm:txFillClrLst meth="repeat">
-      <a:schemeClr val="dk1"/>
-    </dgm:txFillClrLst>
-    <dgm:txEffectClrLst/>
-  </dgm:styleLbl>
-  <dgm:styleLbl name="fgAcc2">
-    <dgm:fillClrLst meth="repeat">
-      <a:schemeClr val="lt1">
-        <a:alpha val="90000"/>
-      </a:schemeClr>
-    </dgm:fillClrLst>
-    <dgm:linClrLst meth="repeat">
-      <a:schemeClr val="accent1"/>
-    </dgm:linClrLst>
-    <dgm:effectClrLst/>
-    <dgm:txLinClrLst/>
-    <dgm:txFillClrLst meth="repeat">
-      <a:schemeClr val="dk1"/>
-    </dgm:txFillClrLst>
-    <dgm:txEffectClrLst/>
-  </dgm:styleLbl>
-  <dgm:styleLbl name="fgAcc3">
-    <dgm:fillClrLst meth="repeat">
-      <a:schemeClr val="lt1">
-        <a:alpha val="90000"/>
-      </a:schemeClr>
-    </dgm:fillClrLst>
-    <dgm:linClrLst meth="repeat">
-      <a:schemeClr val="accent1"/>
-    </dgm:linClrLst>
-    <dgm:effectClrLst/>
-    <dgm:txLinClrLst/>
-    <dgm:txFillClrLst meth="repeat">
-      <a:schemeClr val="dk1"/>
-    </dgm:txFillClrLst>
-    <dgm:txEffectClrLst/>
-  </dgm:styleLbl>
-  <dgm:styleLbl name="fgAcc4">
-    <dgm:fillClrLst meth="repeat">
-      <a:schemeClr val="lt1">
-        <a:alpha val="90000"/>
-      </a:schemeClr>
-    </dgm:fillClrLst>
-    <dgm:linClrLst meth="repeat">
-      <a:schemeClr val="accent1"/>
-    </dgm:linClrLst>
-    <dgm:effectClrLst/>
-    <dgm:txLinClrLst/>
-    <dgm:txFillClrLst meth="repeat">
-      <a:schemeClr val="dk1"/>
-    </dgm:txFillClrLst>
-    <dgm:txEffectClrLst/>
-  </dgm:styleLbl>
-  <dgm:styleLbl name="bgShp">
-    <dgm:fillClrLst meth="repeat">
-      <a:schemeClr val="accent1">
-        <a:tint val="40000"/>
-      </a:schemeClr>
-    </dgm:fillClrLst>
-    <dgm:linClrLst meth="repeat">
-      <a:schemeClr val="accent1"/>
-    </dgm:linClrLst>
-    <dgm:effectClrLst/>
-    <dgm:txLinClrLst/>
-    <dgm:txFillClrLst meth="repeat">
-      <a:schemeClr val="dk1"/>
-    </dgm:txFillClrLst>
-    <dgm:txEffectClrLst/>
-  </dgm:styleLbl>
-  <dgm:styleLbl name="dkBgShp">
-    <dgm:fillClrLst meth="repeat">
-      <a:schemeClr val="accent1">
-        <a:shade val="80000"/>
-      </a:schemeClr>
-    </dgm:fillClrLst>
-    <dgm:linClrLst meth="repeat">
-      <a:schemeClr val="accent1"/>
-    </dgm:linClrLst>
-    <dgm:effectClrLst/>
-    <dgm:txLinClrLst/>
-    <dgm:txFillClrLst meth="repeat">
-      <a:schemeClr val="lt1"/>
-    </dgm:txFillClrLst>
-    <dgm:txEffectClrLst/>
-  </dgm:styleLbl>
-  <dgm:styleLbl name="trBgShp">
-    <dgm:fillClrLst meth="repeat">
-      <a:schemeClr val="accent1">
-        <a:tint val="50000"/>
-        <a:alpha val="40000"/>
-      </a:schemeClr>
-    </dgm:fillClrLst>
-    <dgm:linClrLst meth="repeat">
-      <a:schemeClr val="accent1"/>
-    </dgm:linClrLst>
-    <dgm:effectClrLst/>
-    <dgm:txLinClrLst/>
-    <dgm:txFillClrLst meth="repeat">
-      <a:schemeClr val="lt1"/>
-    </dgm:txFillClrLst>
-    <dgm:txEffectClrLst/>
-  </dgm:styleLbl>
-  <dgm:styleLbl name="fgShp">
-    <dgm:fillClrLst meth="repeat">
-      <a:schemeClr val="accent1">
-        <a:tint val="60000"/>
-      </a:schemeClr>
-    </dgm:fillClrLst>
-    <dgm:linClrLst meth="repeat">
-      <a:schemeClr val="lt1"/>
-    </dgm:linClrLst>
-    <dgm:effectClrLst/>
-    <dgm:txLinClrLst/>
-    <dgm:txFillClrLst meth="repeat">
-      <a:schemeClr val="dk1"/>
-    </dgm:txFillClrLst>
-    <dgm:txEffectClrLst/>
-  </dgm:styleLbl>
-  <dgm:styleLbl name="revTx">
-    <dgm:fillClrLst meth="repeat">
-      <a:schemeClr val="lt1">
-        <a:alpha val="0"/>
-      </a:schemeClr>
-    </dgm:fillClrLst>
-    <dgm:linClrLst meth="repeat">
-      <a:schemeClr val="dk1">
-        <a:alpha val="0"/>
-      </a:schemeClr>
-    </dgm:linClrLst>
-    <dgm:effectClrLst/>
-    <dgm:txLinClrLst/>
-    <dgm:txFillClrLst meth="repeat">
-      <a:schemeClr val="tx1"/>
-    </dgm:txFillClrLst>
-    <dgm:txEffectClrLst/>
-  </dgm:styleLbl>
-</dgm:colorsDef>
-</file>
-
-<file path=ppt/diagrams/data1.xml><?xml version="1.0" encoding="utf-8"?>
-<dgm:dataModel xmlns:dgm="http://schemas.openxmlformats.org/drawingml/2006/diagram" xmlns:a="http://schemas.openxmlformats.org/drawingml/2006/main">
-  <dgm:ptLst>
-    <dgm:pt modelId="{A86DFA04-31EF-49B6-AFAE-2287858E0303}" type="doc">
-      <dgm:prSet loTypeId="urn:microsoft.com/office/officeart/2016/7/layout/RoundedRectangleTimeline" loCatId="process" qsTypeId="urn:microsoft.com/office/officeart/2005/8/quickstyle/simple1" qsCatId="simple" csTypeId="urn:microsoft.com/office/officeart/2005/8/colors/accent1_2" csCatId="accent1" phldr="1"/>
-      <dgm:spPr/>
-      <dgm:t>
-        <a:bodyPr/>
-        <a:lstStyle/>
-        <a:p>
-          <a:endParaRPr lang="en-US"/>
-        </a:p>
-      </dgm:t>
-    </dgm:pt>
-    <dgm:pt modelId="{9B50AE85-DEA1-41F3-9C2C-24A18069C473}">
-      <dgm:prSet/>
-      <dgm:spPr/>
-      <dgm:t>
-        <a:bodyPr/>
-        <a:lstStyle/>
-        <a:p>
-          <a:r>
-            <a:rPr lang="en-US" dirty="0"/>
-            <a:t>2017</a:t>
-          </a:r>
-        </a:p>
-      </dgm:t>
-    </dgm:pt>
-    <dgm:pt modelId="{20A9B789-9B22-478C-970C-71496754809B}" type="parTrans" cxnId="{A4CE7A9B-B015-4E32-A86C-C3A08970D2FB}">
-      <dgm:prSet/>
-      <dgm:spPr/>
-      <dgm:t>
-        <a:bodyPr/>
-        <a:lstStyle/>
-        <a:p>
-          <a:pPr algn="l"/>
-          <a:endParaRPr lang="en-US"/>
-        </a:p>
-      </dgm:t>
-    </dgm:pt>
-    <dgm:pt modelId="{12A4AEA8-BC1D-4ADD-8236-A533A455F22E}" type="sibTrans" cxnId="{A4CE7A9B-B015-4E32-A86C-C3A08970D2FB}">
-      <dgm:prSet/>
-      <dgm:spPr/>
-      <dgm:t>
-        <a:bodyPr/>
-        <a:lstStyle/>
-        <a:p>
-          <a:endParaRPr lang="en-US"/>
-        </a:p>
-      </dgm:t>
-    </dgm:pt>
-    <dgm:pt modelId="{82968BA3-DFCC-4B51-ABB1-F1F4791698B0}">
-      <dgm:prSet/>
-      <dgm:spPr/>
-      <dgm:t>
-        <a:bodyPr/>
-        <a:lstStyle/>
-        <a:p>
-          <a:r>
-            <a:rPr lang="en-US" dirty="0"/>
-            <a:t>Lorem ipsum dolor sit amet</a:t>
-          </a:r>
-        </a:p>
-      </dgm:t>
-    </dgm:pt>
-    <dgm:pt modelId="{B474C1A9-9141-4567-8AA6-A8446206794E}" type="parTrans" cxnId="{E50EA410-61F4-443F-B045-5AC0708EA191}">
-      <dgm:prSet/>
-      <dgm:spPr/>
-      <dgm:t>
-        <a:bodyPr/>
-        <a:lstStyle/>
-        <a:p>
-          <a:pPr algn="l"/>
-          <a:endParaRPr lang="en-US"/>
-        </a:p>
-      </dgm:t>
-    </dgm:pt>
-    <dgm:pt modelId="{8BC987EC-BEB5-4480-B241-99E630336DA8}" type="sibTrans" cxnId="{E50EA410-61F4-443F-B045-5AC0708EA191}">
-      <dgm:prSet/>
-      <dgm:spPr/>
-      <dgm:t>
-        <a:bodyPr/>
-        <a:lstStyle/>
-        <a:p>
-          <a:endParaRPr lang="en-US"/>
-        </a:p>
-      </dgm:t>
-    </dgm:pt>
-    <dgm:pt modelId="{B157653D-2397-47E3-94A8-8E8B13726408}">
-      <dgm:prSet/>
-      <dgm:spPr/>
-      <dgm:t>
-        <a:bodyPr/>
-        <a:lstStyle/>
-        <a:p>
-          <a:r>
-            <a:rPr lang="en-US" dirty="0"/>
-            <a:t>2018</a:t>
-          </a:r>
-        </a:p>
-      </dgm:t>
-    </dgm:pt>
-    <dgm:pt modelId="{7C340691-872A-42EE-977C-5B833001E6A0}" type="parTrans" cxnId="{950692EB-01A7-4BA3-A03C-6D1E2A5F26EE}">
-      <dgm:prSet/>
-      <dgm:spPr/>
-      <dgm:t>
-        <a:bodyPr/>
-        <a:lstStyle/>
-        <a:p>
-          <a:pPr algn="l"/>
-          <a:endParaRPr lang="en-US"/>
-        </a:p>
-      </dgm:t>
-    </dgm:pt>
-    <dgm:pt modelId="{C11CD3A4-ED92-4609-A589-8DA6272582F8}" type="sibTrans" cxnId="{950692EB-01A7-4BA3-A03C-6D1E2A5F26EE}">
-      <dgm:prSet/>
-      <dgm:spPr/>
-      <dgm:t>
-        <a:bodyPr/>
-        <a:lstStyle/>
-        <a:p>
-          <a:endParaRPr lang="en-US"/>
-        </a:p>
-      </dgm:t>
-    </dgm:pt>
-    <dgm:pt modelId="{CFC6C321-565B-4736-9600-0849B35804F7}">
-      <dgm:prSet/>
-      <dgm:spPr/>
-      <dgm:t>
-        <a:bodyPr/>
-        <a:lstStyle/>
-        <a:p>
-          <a:r>
-            <a:rPr lang="en-US" dirty="0"/>
-            <a:t>Lorem ipsum dolor sit amet</a:t>
-          </a:r>
-        </a:p>
-      </dgm:t>
-    </dgm:pt>
-    <dgm:pt modelId="{E16317D1-6F50-4823-97B7-A2996F0FE94D}" type="parTrans" cxnId="{1CBB0F56-2A16-469E-B30F-2E05729C9C4B}">
-      <dgm:prSet/>
-      <dgm:spPr/>
-      <dgm:t>
-        <a:bodyPr/>
-        <a:lstStyle/>
-        <a:p>
-          <a:pPr algn="l"/>
-          <a:endParaRPr lang="en-US"/>
-        </a:p>
-      </dgm:t>
-    </dgm:pt>
-    <dgm:pt modelId="{E552DB50-1B67-4762-89F9-7D3490111E2B}" type="sibTrans" cxnId="{1CBB0F56-2A16-469E-B30F-2E05729C9C4B}">
-      <dgm:prSet/>
-      <dgm:spPr/>
-      <dgm:t>
-        <a:bodyPr/>
-        <a:lstStyle/>
-        <a:p>
-          <a:endParaRPr lang="en-US"/>
-        </a:p>
-      </dgm:t>
-    </dgm:pt>
-    <dgm:pt modelId="{501DC69F-43F9-4B1E-BE22-6D9FA0AFC528}">
-      <dgm:prSet/>
-      <dgm:spPr/>
-      <dgm:t>
-        <a:bodyPr/>
-        <a:lstStyle/>
-        <a:p>
-          <a:r>
-            <a:rPr lang="en-US" dirty="0"/>
-            <a:t>2019</a:t>
-          </a:r>
-        </a:p>
-      </dgm:t>
-    </dgm:pt>
-    <dgm:pt modelId="{D662275D-EF71-4EF0-8C53-5B09830A2AA4}" type="parTrans" cxnId="{A1DD0BFE-1A98-40AA-BB60-9659ADA72CA3}">
-      <dgm:prSet/>
-      <dgm:spPr/>
-      <dgm:t>
-        <a:bodyPr/>
-        <a:lstStyle/>
-        <a:p>
-          <a:pPr algn="l"/>
-          <a:endParaRPr lang="en-US"/>
-        </a:p>
-      </dgm:t>
-    </dgm:pt>
-    <dgm:pt modelId="{05A1C2F3-0854-4F17-AD49-F6E4F5029DC1}" type="sibTrans" cxnId="{A1DD0BFE-1A98-40AA-BB60-9659ADA72CA3}">
-      <dgm:prSet/>
-      <dgm:spPr/>
-      <dgm:t>
-        <a:bodyPr/>
-        <a:lstStyle/>
-        <a:p>
-          <a:endParaRPr lang="en-US"/>
-        </a:p>
-      </dgm:t>
-    </dgm:pt>
-    <dgm:pt modelId="{44097D21-977F-4452-AE35-C129A16A3F89}">
-      <dgm:prSet/>
-      <dgm:spPr/>
-      <dgm:t>
-        <a:bodyPr/>
-        <a:lstStyle/>
-        <a:p>
-          <a:r>
-            <a:rPr lang="en-US" dirty="0"/>
-            <a:t>Lorem ipsum dolor sit amet</a:t>
-          </a:r>
-        </a:p>
-      </dgm:t>
-    </dgm:pt>
-    <dgm:pt modelId="{5FFA1078-907B-401E-8F53-8B5E1527C8B3}" type="parTrans" cxnId="{F88F4232-77DC-40B9-BB0F-3421FBFA38E2}">
-      <dgm:prSet/>
-      <dgm:spPr/>
-      <dgm:t>
-        <a:bodyPr/>
-        <a:lstStyle/>
-        <a:p>
-          <a:pPr algn="l"/>
-          <a:endParaRPr lang="en-US"/>
-        </a:p>
-      </dgm:t>
-    </dgm:pt>
-    <dgm:pt modelId="{EB2757D3-D785-439B-8033-3912AFC7CDAA}" type="sibTrans" cxnId="{F88F4232-77DC-40B9-BB0F-3421FBFA38E2}">
-      <dgm:prSet/>
-      <dgm:spPr/>
-      <dgm:t>
-        <a:bodyPr/>
-        <a:lstStyle/>
-        <a:p>
-          <a:endParaRPr lang="en-US"/>
-        </a:p>
-      </dgm:t>
-    </dgm:pt>
-    <dgm:pt modelId="{AE7358A2-3D9A-4A4C-BBED-5424660EAD51}">
-      <dgm:prSet/>
-      <dgm:spPr/>
-      <dgm:t>
-        <a:bodyPr/>
-        <a:lstStyle/>
-        <a:p>
-          <a:r>
-            <a:rPr lang="en-US" dirty="0"/>
-            <a:t>2020</a:t>
-          </a:r>
-        </a:p>
-      </dgm:t>
-    </dgm:pt>
-    <dgm:pt modelId="{8A0C3D83-7482-48F5-9A7B-7BCCFFA89D39}" type="parTrans" cxnId="{AB4C7C27-9298-4339-A781-9A16BCBB27E7}">
-      <dgm:prSet/>
-      <dgm:spPr/>
-      <dgm:t>
-        <a:bodyPr/>
-        <a:lstStyle/>
-        <a:p>
-          <a:pPr algn="l"/>
-          <a:endParaRPr lang="en-US"/>
-        </a:p>
-      </dgm:t>
-    </dgm:pt>
-    <dgm:pt modelId="{BCA8377F-58EC-40FD-8F05-DF4E529335AA}" type="sibTrans" cxnId="{AB4C7C27-9298-4339-A781-9A16BCBB27E7}">
-      <dgm:prSet/>
-      <dgm:spPr/>
-      <dgm:t>
-        <a:bodyPr/>
-        <a:lstStyle/>
-        <a:p>
-          <a:endParaRPr lang="en-US"/>
-        </a:p>
-      </dgm:t>
-    </dgm:pt>
-    <dgm:pt modelId="{D8FCE50B-8057-456A-B2A9-965F28038B25}">
-      <dgm:prSet/>
-      <dgm:spPr/>
-      <dgm:t>
-        <a:bodyPr/>
-        <a:lstStyle/>
-        <a:p>
-          <a:r>
-            <a:rPr lang="en-US" dirty="0"/>
-            <a:t>Lorem ipsum dolor sit amet</a:t>
-          </a:r>
-        </a:p>
-      </dgm:t>
-    </dgm:pt>
-    <dgm:pt modelId="{D5DFEBC1-CD5A-4769-8915-305975D67145}" type="parTrans" cxnId="{D3D5DDFE-3C40-4FB4-A2D6-AF320BE8808D}">
-      <dgm:prSet/>
-      <dgm:spPr/>
-      <dgm:t>
-        <a:bodyPr/>
-        <a:lstStyle/>
-        <a:p>
-          <a:pPr algn="l"/>
-          <a:endParaRPr lang="en-US"/>
-        </a:p>
-      </dgm:t>
-    </dgm:pt>
-    <dgm:pt modelId="{338B3E43-3652-4902-AE82-69646DE76CA7}" type="sibTrans" cxnId="{D3D5DDFE-3C40-4FB4-A2D6-AF320BE8808D}">
-      <dgm:prSet/>
-      <dgm:spPr/>
-      <dgm:t>
-        <a:bodyPr/>
-        <a:lstStyle/>
-        <a:p>
-          <a:endParaRPr lang="en-US"/>
-        </a:p>
-      </dgm:t>
-    </dgm:pt>
-    <dgm:pt modelId="{EBEA9F54-7364-45F9-829B-BF1EB38AEB12}" type="pres">
-      <dgm:prSet presAssocID="{A86DFA04-31EF-49B6-AFAE-2287858E0303}" presName="Name0" presStyleCnt="0">
-        <dgm:presLayoutVars>
-          <dgm:chMax/>
-          <dgm:chPref/>
-          <dgm:animLvl val="lvl"/>
-        </dgm:presLayoutVars>
-      </dgm:prSet>
-      <dgm:spPr/>
-    </dgm:pt>
-    <dgm:pt modelId="{E5ACC412-2FBD-44C2-9121-B3EB973E5C66}" type="pres">
-      <dgm:prSet presAssocID="{9B50AE85-DEA1-41F3-9C2C-24A18069C473}" presName="composite1" presStyleCnt="0"/>
-      <dgm:spPr/>
-    </dgm:pt>
-    <dgm:pt modelId="{DF71F57E-D542-4163-95B1-92B1B114497F}" type="pres">
-      <dgm:prSet presAssocID="{9B50AE85-DEA1-41F3-9C2C-24A18069C473}" presName="parent1" presStyleLbl="alignNode1" presStyleIdx="0" presStyleCnt="4">
-        <dgm:presLayoutVars>
-          <dgm:chMax val="1"/>
-          <dgm:chPref val="1"/>
-          <dgm:bulletEnabled val="1"/>
-        </dgm:presLayoutVars>
-      </dgm:prSet>
-      <dgm:spPr/>
-    </dgm:pt>
-    <dgm:pt modelId="{C0317DA2-D763-4621-9680-990E0F78E293}" type="pres">
-      <dgm:prSet presAssocID="{9B50AE85-DEA1-41F3-9C2C-24A18069C473}" presName="Childtext1" presStyleLbl="revTx" presStyleIdx="0" presStyleCnt="4">
-        <dgm:presLayoutVars>
-          <dgm:bulletEnabled val="1"/>
-        </dgm:presLayoutVars>
-      </dgm:prSet>
-      <dgm:spPr/>
-    </dgm:pt>
-    <dgm:pt modelId="{6898D4C1-54F6-4DA4-9607-F444437C8E6E}" type="pres">
-      <dgm:prSet presAssocID="{9B50AE85-DEA1-41F3-9C2C-24A18069C473}" presName="ConnectLine1" presStyleLbl="sibTrans1D1" presStyleIdx="0" presStyleCnt="4"/>
-      <dgm:spPr>
-        <a:noFill/>
-        <a:ln w="12700" cap="flat" cmpd="sng" algn="ctr">
-          <a:solidFill>
-            <a:schemeClr val="accent1">
-              <a:hueOff val="0"/>
-              <a:satOff val="0"/>
-              <a:lumOff val="0"/>
-              <a:alphaOff val="0"/>
-            </a:schemeClr>
-          </a:solidFill>
-          <a:prstDash val="dash"/>
-        </a:ln>
-        <a:effectLst/>
-      </dgm:spPr>
-    </dgm:pt>
-    <dgm:pt modelId="{D73D486C-1D43-4208-9FD9-CC7C2550C1E8}" type="pres">
-      <dgm:prSet presAssocID="{9B50AE85-DEA1-41F3-9C2C-24A18069C473}" presName="ConnectLineEnd1" presStyleLbl="lnNode1" presStyleIdx="0" presStyleCnt="4"/>
-      <dgm:spPr/>
-    </dgm:pt>
-    <dgm:pt modelId="{4E7CBB81-AC5E-4EE7-85AC-B9C4581F507F}" type="pres">
-      <dgm:prSet presAssocID="{9B50AE85-DEA1-41F3-9C2C-24A18069C473}" presName="EmptyPane1" presStyleCnt="0"/>
-      <dgm:spPr/>
-    </dgm:pt>
-    <dgm:pt modelId="{CDBD900D-671A-4B7A-AEE1-255109BAB918}" type="pres">
-      <dgm:prSet presAssocID="{12A4AEA8-BC1D-4ADD-8236-A533A455F22E}" presName="spaceBetweenRectangles1" presStyleCnt="0"/>
-      <dgm:spPr/>
-    </dgm:pt>
-    <dgm:pt modelId="{53484DED-F74E-4B4E-9E8B-3F206A29DEDD}" type="pres">
-      <dgm:prSet presAssocID="{B157653D-2397-47E3-94A8-8E8B13726408}" presName="composite1" presStyleCnt="0"/>
-      <dgm:spPr/>
-    </dgm:pt>
-    <dgm:pt modelId="{C0D22B8F-54BF-4FAE-9F7C-B58FA74468D0}" type="pres">
-      <dgm:prSet presAssocID="{B157653D-2397-47E3-94A8-8E8B13726408}" presName="parent1" presStyleLbl="alignNode1" presStyleIdx="1" presStyleCnt="4">
-        <dgm:presLayoutVars>
-          <dgm:chMax val="1"/>
-          <dgm:chPref val="1"/>
-          <dgm:bulletEnabled val="1"/>
-        </dgm:presLayoutVars>
-      </dgm:prSet>
-      <dgm:spPr/>
-    </dgm:pt>
-    <dgm:pt modelId="{E1F35975-00CA-4B74-AB7C-CD8812C99AEF}" type="pres">
-      <dgm:prSet presAssocID="{B157653D-2397-47E3-94A8-8E8B13726408}" presName="Childtext1" presStyleLbl="revTx" presStyleIdx="1" presStyleCnt="4">
-        <dgm:presLayoutVars>
-          <dgm:bulletEnabled val="1"/>
-        </dgm:presLayoutVars>
-      </dgm:prSet>
-      <dgm:spPr/>
-    </dgm:pt>
-    <dgm:pt modelId="{152FB453-AA1C-4C6D-86AE-2A7A4BF73B8B}" type="pres">
-      <dgm:prSet presAssocID="{B157653D-2397-47E3-94A8-8E8B13726408}" presName="ConnectLine1" presStyleLbl="sibTrans1D1" presStyleIdx="1" presStyleCnt="4"/>
-      <dgm:spPr>
-        <a:noFill/>
-        <a:ln w="12700" cap="flat" cmpd="sng" algn="ctr">
-          <a:solidFill>
-            <a:schemeClr val="accent1">
-              <a:hueOff val="0"/>
-              <a:satOff val="0"/>
-              <a:lumOff val="0"/>
-              <a:alphaOff val="0"/>
-            </a:schemeClr>
-          </a:solidFill>
-          <a:prstDash val="dash"/>
-        </a:ln>
-        <a:effectLst/>
-      </dgm:spPr>
-    </dgm:pt>
-    <dgm:pt modelId="{BC9CEA29-8429-48CF-B30A-81626D4345E2}" type="pres">
-      <dgm:prSet presAssocID="{B157653D-2397-47E3-94A8-8E8B13726408}" presName="ConnectLineEnd1" presStyleLbl="lnNode1" presStyleIdx="1" presStyleCnt="4"/>
-      <dgm:spPr/>
-    </dgm:pt>
-    <dgm:pt modelId="{F432CF4A-CFEA-4E45-BD59-26AD14D60A5D}" type="pres">
-      <dgm:prSet presAssocID="{B157653D-2397-47E3-94A8-8E8B13726408}" presName="EmptyPane1" presStyleCnt="0"/>
-      <dgm:spPr/>
-    </dgm:pt>
-    <dgm:pt modelId="{54C24B14-3382-4169-9932-5867C1A9873B}" type="pres">
-      <dgm:prSet presAssocID="{C11CD3A4-ED92-4609-A589-8DA6272582F8}" presName="spaceBetweenRectangles1" presStyleCnt="0"/>
-      <dgm:spPr/>
-    </dgm:pt>
-    <dgm:pt modelId="{06FAD99D-5FF8-4EBB-A5FB-F041578F76D4}" type="pres">
-      <dgm:prSet presAssocID="{501DC69F-43F9-4B1E-BE22-6D9FA0AFC528}" presName="composite1" presStyleCnt="0"/>
-      <dgm:spPr/>
-    </dgm:pt>
-    <dgm:pt modelId="{70073129-181E-4CDA-8814-F1E5000C8C53}" type="pres">
-      <dgm:prSet presAssocID="{501DC69F-43F9-4B1E-BE22-6D9FA0AFC528}" presName="parent1" presStyleLbl="alignNode1" presStyleIdx="2" presStyleCnt="4">
-        <dgm:presLayoutVars>
-          <dgm:chMax val="1"/>
-          <dgm:chPref val="1"/>
-          <dgm:bulletEnabled val="1"/>
-        </dgm:presLayoutVars>
-      </dgm:prSet>
-      <dgm:spPr/>
-    </dgm:pt>
-    <dgm:pt modelId="{5A20FA73-3A21-4484-9105-C650E9C6EB1C}" type="pres">
-      <dgm:prSet presAssocID="{501DC69F-43F9-4B1E-BE22-6D9FA0AFC528}" presName="Childtext1" presStyleLbl="revTx" presStyleIdx="2" presStyleCnt="4">
-        <dgm:presLayoutVars>
-          <dgm:bulletEnabled val="1"/>
-        </dgm:presLayoutVars>
-      </dgm:prSet>
-      <dgm:spPr/>
-    </dgm:pt>
-    <dgm:pt modelId="{26F3F9B3-7461-4A61-97B5-AF1F062A6A31}" type="pres">
-      <dgm:prSet presAssocID="{501DC69F-43F9-4B1E-BE22-6D9FA0AFC528}" presName="ConnectLine1" presStyleLbl="sibTrans1D1" presStyleIdx="2" presStyleCnt="4"/>
-      <dgm:spPr>
-        <a:noFill/>
-        <a:ln w="12700" cap="flat" cmpd="sng" algn="ctr">
-          <a:solidFill>
-            <a:schemeClr val="accent1">
-              <a:hueOff val="0"/>
-              <a:satOff val="0"/>
-              <a:lumOff val="0"/>
-              <a:alphaOff val="0"/>
-            </a:schemeClr>
-          </a:solidFill>
-          <a:prstDash val="dash"/>
-        </a:ln>
-        <a:effectLst/>
-      </dgm:spPr>
-    </dgm:pt>
-    <dgm:pt modelId="{6AD3676B-B35C-4F1B-B891-E6A623B39C7E}" type="pres">
-      <dgm:prSet presAssocID="{501DC69F-43F9-4B1E-BE22-6D9FA0AFC528}" presName="ConnectLineEnd1" presStyleLbl="lnNode1" presStyleIdx="2" presStyleCnt="4"/>
-      <dgm:spPr/>
-    </dgm:pt>
-    <dgm:pt modelId="{11B4905D-2274-468C-AF2A-5EB9623228BD}" type="pres">
-      <dgm:prSet presAssocID="{501DC69F-43F9-4B1E-BE22-6D9FA0AFC528}" presName="EmptyPane1" presStyleCnt="0"/>
-      <dgm:spPr/>
-    </dgm:pt>
-    <dgm:pt modelId="{BA5551F3-BB68-446A-8242-9B50C869257A}" type="pres">
-      <dgm:prSet presAssocID="{05A1C2F3-0854-4F17-AD49-F6E4F5029DC1}" presName="spaceBetweenRectangles1" presStyleCnt="0"/>
-      <dgm:spPr/>
-    </dgm:pt>
-    <dgm:pt modelId="{7718219C-0C5B-4CAF-A510-792E6E5E41C1}" type="pres">
-      <dgm:prSet presAssocID="{AE7358A2-3D9A-4A4C-BBED-5424660EAD51}" presName="composite1" presStyleCnt="0"/>
-      <dgm:spPr/>
-    </dgm:pt>
-    <dgm:pt modelId="{FCD37457-9C59-4172-BCA9-F6DD3F8790D5}" type="pres">
-      <dgm:prSet presAssocID="{AE7358A2-3D9A-4A4C-BBED-5424660EAD51}" presName="parent1" presStyleLbl="alignNode1" presStyleIdx="3" presStyleCnt="4">
-        <dgm:presLayoutVars>
-          <dgm:chMax val="1"/>
-          <dgm:chPref val="1"/>
-          <dgm:bulletEnabled val="1"/>
-        </dgm:presLayoutVars>
-      </dgm:prSet>
-      <dgm:spPr/>
-    </dgm:pt>
-    <dgm:pt modelId="{FDB65D9B-1D75-443C-BEF8-109339A014F9}" type="pres">
-      <dgm:prSet presAssocID="{AE7358A2-3D9A-4A4C-BBED-5424660EAD51}" presName="Childtext1" presStyleLbl="revTx" presStyleIdx="3" presStyleCnt="4">
-        <dgm:presLayoutVars>
-          <dgm:bulletEnabled val="1"/>
-        </dgm:presLayoutVars>
-      </dgm:prSet>
-      <dgm:spPr/>
-    </dgm:pt>
-    <dgm:pt modelId="{CA5E20EB-82C1-48EB-94ED-CE7DA89B43C2}" type="pres">
-      <dgm:prSet presAssocID="{AE7358A2-3D9A-4A4C-BBED-5424660EAD51}" presName="ConnectLine1" presStyleLbl="sibTrans1D1" presStyleIdx="3" presStyleCnt="4"/>
-      <dgm:spPr>
-        <a:noFill/>
-        <a:ln w="12700" cap="flat" cmpd="sng" algn="ctr">
-          <a:solidFill>
-            <a:schemeClr val="accent1">
-              <a:hueOff val="0"/>
-              <a:satOff val="0"/>
-              <a:lumOff val="0"/>
-              <a:alphaOff val="0"/>
-            </a:schemeClr>
-          </a:solidFill>
-          <a:prstDash val="dash"/>
-        </a:ln>
-        <a:effectLst/>
-      </dgm:spPr>
-    </dgm:pt>
-    <dgm:pt modelId="{B2DE1D64-24D2-43CD-B852-43FDF8357ACE}" type="pres">
-      <dgm:prSet presAssocID="{AE7358A2-3D9A-4A4C-BBED-5424660EAD51}" presName="ConnectLineEnd1" presStyleLbl="lnNode1" presStyleIdx="3" presStyleCnt="4"/>
-      <dgm:spPr/>
-    </dgm:pt>
-    <dgm:pt modelId="{1683A45D-856A-48E0-985B-FE990DF390D0}" type="pres">
-      <dgm:prSet presAssocID="{AE7358A2-3D9A-4A4C-BBED-5424660EAD51}" presName="EmptyPane1" presStyleCnt="0"/>
-      <dgm:spPr/>
-    </dgm:pt>
-  </dgm:ptLst>
-  <dgm:cxnLst>
-    <dgm:cxn modelId="{E50EA410-61F4-443F-B045-5AC0708EA191}" srcId="{9B50AE85-DEA1-41F3-9C2C-24A18069C473}" destId="{82968BA3-DFCC-4B51-ABB1-F1F4791698B0}" srcOrd="0" destOrd="0" parTransId="{B474C1A9-9141-4567-8AA6-A8446206794E}" sibTransId="{8BC987EC-BEB5-4480-B241-99E630336DA8}"/>
-    <dgm:cxn modelId="{AB4C7C27-9298-4339-A781-9A16BCBB27E7}" srcId="{A86DFA04-31EF-49B6-AFAE-2287858E0303}" destId="{AE7358A2-3D9A-4A4C-BBED-5424660EAD51}" srcOrd="3" destOrd="0" parTransId="{8A0C3D83-7482-48F5-9A7B-7BCCFFA89D39}" sibTransId="{BCA8377F-58EC-40FD-8F05-DF4E529335AA}"/>
-    <dgm:cxn modelId="{CB11D42C-DB01-444C-B889-A695DBB86B77}" type="presOf" srcId="{AE7358A2-3D9A-4A4C-BBED-5424660EAD51}" destId="{FCD37457-9C59-4172-BCA9-F6DD3F8790D5}" srcOrd="0" destOrd="0" presId="urn:microsoft.com/office/officeart/2016/7/layout/RoundedRectangleTimeline"/>
-    <dgm:cxn modelId="{AED1CC2F-C2A3-4A40-80FC-0F8E1651414C}" type="presOf" srcId="{A86DFA04-31EF-49B6-AFAE-2287858E0303}" destId="{EBEA9F54-7364-45F9-829B-BF1EB38AEB12}" srcOrd="0" destOrd="0" presId="urn:microsoft.com/office/officeart/2016/7/layout/RoundedRectangleTimeline"/>
-    <dgm:cxn modelId="{F88F4232-77DC-40B9-BB0F-3421FBFA38E2}" srcId="{501DC69F-43F9-4B1E-BE22-6D9FA0AFC528}" destId="{44097D21-977F-4452-AE35-C129A16A3F89}" srcOrd="0" destOrd="0" parTransId="{5FFA1078-907B-401E-8F53-8B5E1527C8B3}" sibTransId="{EB2757D3-D785-439B-8033-3912AFC7CDAA}"/>
-    <dgm:cxn modelId="{1CBB0F56-2A16-469E-B30F-2E05729C9C4B}" srcId="{B157653D-2397-47E3-94A8-8E8B13726408}" destId="{CFC6C321-565B-4736-9600-0849B35804F7}" srcOrd="0" destOrd="0" parTransId="{E16317D1-6F50-4823-97B7-A2996F0FE94D}" sibTransId="{E552DB50-1B67-4762-89F9-7D3490111E2B}"/>
-    <dgm:cxn modelId="{F227B77C-62FB-4019-A698-57DF493565F1}" type="presOf" srcId="{44097D21-977F-4452-AE35-C129A16A3F89}" destId="{5A20FA73-3A21-4484-9105-C650E9C6EB1C}" srcOrd="0" destOrd="0" presId="urn:microsoft.com/office/officeart/2016/7/layout/RoundedRectangleTimeline"/>
-    <dgm:cxn modelId="{0E1EDA7D-4EF8-4B4A-955C-D5280AB9540D}" type="presOf" srcId="{501DC69F-43F9-4B1E-BE22-6D9FA0AFC528}" destId="{70073129-181E-4CDA-8814-F1E5000C8C53}" srcOrd="0" destOrd="0" presId="urn:microsoft.com/office/officeart/2016/7/layout/RoundedRectangleTimeline"/>
-    <dgm:cxn modelId="{D3EFE38B-1F00-41FD-8745-9CC7FE689B57}" type="presOf" srcId="{9B50AE85-DEA1-41F3-9C2C-24A18069C473}" destId="{DF71F57E-D542-4163-95B1-92B1B114497F}" srcOrd="0" destOrd="0" presId="urn:microsoft.com/office/officeart/2016/7/layout/RoundedRectangleTimeline"/>
-    <dgm:cxn modelId="{20D8CE92-2D07-4A59-B821-9D12C4FCA392}" type="presOf" srcId="{B157653D-2397-47E3-94A8-8E8B13726408}" destId="{C0D22B8F-54BF-4FAE-9F7C-B58FA74468D0}" srcOrd="0" destOrd="0" presId="urn:microsoft.com/office/officeart/2016/7/layout/RoundedRectangleTimeline"/>
-    <dgm:cxn modelId="{07B3E394-924A-4E99-AC7E-5E7641F79E97}" type="presOf" srcId="{CFC6C321-565B-4736-9600-0849B35804F7}" destId="{E1F35975-00CA-4B74-AB7C-CD8812C99AEF}" srcOrd="0" destOrd="0" presId="urn:microsoft.com/office/officeart/2016/7/layout/RoundedRectangleTimeline"/>
-    <dgm:cxn modelId="{A4CE7A9B-B015-4E32-A86C-C3A08970D2FB}" srcId="{A86DFA04-31EF-49B6-AFAE-2287858E0303}" destId="{9B50AE85-DEA1-41F3-9C2C-24A18069C473}" srcOrd="0" destOrd="0" parTransId="{20A9B789-9B22-478C-970C-71496754809B}" sibTransId="{12A4AEA8-BC1D-4ADD-8236-A533A455F22E}"/>
-    <dgm:cxn modelId="{5DBC27B7-7C55-4CB3-A369-73EC8627A58A}" type="presOf" srcId="{D8FCE50B-8057-456A-B2A9-965F28038B25}" destId="{FDB65D9B-1D75-443C-BEF8-109339A014F9}" srcOrd="0" destOrd="0" presId="urn:microsoft.com/office/officeart/2016/7/layout/RoundedRectangleTimeline"/>
-    <dgm:cxn modelId="{950692EB-01A7-4BA3-A03C-6D1E2A5F26EE}" srcId="{A86DFA04-31EF-49B6-AFAE-2287858E0303}" destId="{B157653D-2397-47E3-94A8-8E8B13726408}" srcOrd="1" destOrd="0" parTransId="{7C340691-872A-42EE-977C-5B833001E6A0}" sibTransId="{C11CD3A4-ED92-4609-A589-8DA6272582F8}"/>
-    <dgm:cxn modelId="{A1DD0BFE-1A98-40AA-BB60-9659ADA72CA3}" srcId="{A86DFA04-31EF-49B6-AFAE-2287858E0303}" destId="{501DC69F-43F9-4B1E-BE22-6D9FA0AFC528}" srcOrd="2" destOrd="0" parTransId="{D662275D-EF71-4EF0-8C53-5B09830A2AA4}" sibTransId="{05A1C2F3-0854-4F17-AD49-F6E4F5029DC1}"/>
-    <dgm:cxn modelId="{D9D51CFE-E223-4A82-83D4-CCF2F6A69193}" type="presOf" srcId="{82968BA3-DFCC-4B51-ABB1-F1F4791698B0}" destId="{C0317DA2-D763-4621-9680-990E0F78E293}" srcOrd="0" destOrd="0" presId="urn:microsoft.com/office/officeart/2016/7/layout/RoundedRectangleTimeline"/>
-    <dgm:cxn modelId="{D3D5DDFE-3C40-4FB4-A2D6-AF320BE8808D}" srcId="{AE7358A2-3D9A-4A4C-BBED-5424660EAD51}" destId="{D8FCE50B-8057-456A-B2A9-965F28038B25}" srcOrd="0" destOrd="0" parTransId="{D5DFEBC1-CD5A-4769-8915-305975D67145}" sibTransId="{338B3E43-3652-4902-AE82-69646DE76CA7}"/>
-    <dgm:cxn modelId="{0B356D49-6E5B-4D1B-9DF3-8C8796EB99C0}" type="presParOf" srcId="{EBEA9F54-7364-45F9-829B-BF1EB38AEB12}" destId="{E5ACC412-2FBD-44C2-9121-B3EB973E5C66}" srcOrd="0" destOrd="0" presId="urn:microsoft.com/office/officeart/2016/7/layout/RoundedRectangleTimeline"/>
-    <dgm:cxn modelId="{98BC8EED-0ABE-422F-B29A-3ED95FF46EFB}" type="presParOf" srcId="{E5ACC412-2FBD-44C2-9121-B3EB973E5C66}" destId="{DF71F57E-D542-4163-95B1-92B1B114497F}" srcOrd="0" destOrd="0" presId="urn:microsoft.com/office/officeart/2016/7/layout/RoundedRectangleTimeline"/>
-    <dgm:cxn modelId="{3E6A0A2E-7FD7-4D2A-9BE8-7BD77F03C14F}" type="presParOf" srcId="{E5ACC412-2FBD-44C2-9121-B3EB973E5C66}" destId="{C0317DA2-D763-4621-9680-990E0F78E293}" srcOrd="1" destOrd="0" presId="urn:microsoft.com/office/officeart/2016/7/layout/RoundedRectangleTimeline"/>
-    <dgm:cxn modelId="{0B3596E0-515C-452C-9014-28FFDCCDDC30}" type="presParOf" srcId="{E5ACC412-2FBD-44C2-9121-B3EB973E5C66}" destId="{6898D4C1-54F6-4DA4-9607-F444437C8E6E}" srcOrd="2" destOrd="0" presId="urn:microsoft.com/office/officeart/2016/7/layout/RoundedRectangleTimeline"/>
-    <dgm:cxn modelId="{A9CDED32-40A9-4681-998E-34C3D4205E5A}" type="presParOf" srcId="{E5ACC412-2FBD-44C2-9121-B3EB973E5C66}" destId="{D73D486C-1D43-4208-9FD9-CC7C2550C1E8}" srcOrd="3" destOrd="0" presId="urn:microsoft.com/office/officeart/2016/7/layout/RoundedRectangleTimeline"/>
-    <dgm:cxn modelId="{DD500D97-82E3-4291-AEFC-BB11144A370A}" type="presParOf" srcId="{E5ACC412-2FBD-44C2-9121-B3EB973E5C66}" destId="{4E7CBB81-AC5E-4EE7-85AC-B9C4581F507F}" srcOrd="4" destOrd="0" presId="urn:microsoft.com/office/officeart/2016/7/layout/RoundedRectangleTimeline"/>
-    <dgm:cxn modelId="{98F4C3E3-20C5-4A44-BEE5-9E6A1994D4A9}" type="presParOf" srcId="{EBEA9F54-7364-45F9-829B-BF1EB38AEB12}" destId="{CDBD900D-671A-4B7A-AEE1-255109BAB918}" srcOrd="1" destOrd="0" presId="urn:microsoft.com/office/officeart/2016/7/layout/RoundedRectangleTimeline"/>
-    <dgm:cxn modelId="{906CE25D-DEB5-4FF4-B3E7-B535A09C4800}" type="presParOf" srcId="{EBEA9F54-7364-45F9-829B-BF1EB38AEB12}" destId="{53484DED-F74E-4B4E-9E8B-3F206A29DEDD}" srcOrd="2" destOrd="0" presId="urn:microsoft.com/office/officeart/2016/7/layout/RoundedRectangleTimeline"/>
-    <dgm:cxn modelId="{C121F15A-106A-4BA1-8EB3-21EE5F076F38}" type="presParOf" srcId="{53484DED-F74E-4B4E-9E8B-3F206A29DEDD}" destId="{C0D22B8F-54BF-4FAE-9F7C-B58FA74468D0}" srcOrd="0" destOrd="0" presId="urn:microsoft.com/office/officeart/2016/7/layout/RoundedRectangleTimeline"/>
-    <dgm:cxn modelId="{FCB5CE0B-9A2C-4322-BFF2-92950AB09EDC}" type="presParOf" srcId="{53484DED-F74E-4B4E-9E8B-3F206A29DEDD}" destId="{E1F35975-00CA-4B74-AB7C-CD8812C99AEF}" srcOrd="1" destOrd="0" presId="urn:microsoft.com/office/officeart/2016/7/layout/RoundedRectangleTimeline"/>
-    <dgm:cxn modelId="{8E1DD684-43F5-420F-BDC1-6AC747B39489}" type="presParOf" srcId="{53484DED-F74E-4B4E-9E8B-3F206A29DEDD}" destId="{152FB453-AA1C-4C6D-86AE-2A7A4BF73B8B}" srcOrd="2" destOrd="0" presId="urn:microsoft.com/office/officeart/2016/7/layout/RoundedRectangleTimeline"/>
-    <dgm:cxn modelId="{1FE8405A-8A3D-49CC-8443-BD7EDEE12D2D}" type="presParOf" srcId="{53484DED-F74E-4B4E-9E8B-3F206A29DEDD}" destId="{BC9CEA29-8429-48CF-B30A-81626D4345E2}" srcOrd="3" destOrd="0" presId="urn:microsoft.com/office/officeart/2016/7/layout/RoundedRectangleTimeline"/>
-    <dgm:cxn modelId="{61A8D5D7-F9FB-46B1-9FA0-B816AAA1D2DF}" type="presParOf" srcId="{53484DED-F74E-4B4E-9E8B-3F206A29DEDD}" destId="{F432CF4A-CFEA-4E45-BD59-26AD14D60A5D}" srcOrd="4" destOrd="0" presId="urn:microsoft.com/office/officeart/2016/7/layout/RoundedRectangleTimeline"/>
-    <dgm:cxn modelId="{D5ECEB2B-0737-441C-8D3C-9681F5E73DC1}" type="presParOf" srcId="{EBEA9F54-7364-45F9-829B-BF1EB38AEB12}" destId="{54C24B14-3382-4169-9932-5867C1A9873B}" srcOrd="3" destOrd="0" presId="urn:microsoft.com/office/officeart/2016/7/layout/RoundedRectangleTimeline"/>
-    <dgm:cxn modelId="{CF6F7C5C-0411-483A-A51D-C5061F50E19E}" type="presParOf" srcId="{EBEA9F54-7364-45F9-829B-BF1EB38AEB12}" destId="{06FAD99D-5FF8-4EBB-A5FB-F041578F76D4}" srcOrd="4" destOrd="0" presId="urn:microsoft.com/office/officeart/2016/7/layout/RoundedRectangleTimeline"/>
-    <dgm:cxn modelId="{6DE8BD68-D816-4BB5-B98A-4916CB4E16C2}" type="presParOf" srcId="{06FAD99D-5FF8-4EBB-A5FB-F041578F76D4}" destId="{70073129-181E-4CDA-8814-F1E5000C8C53}" srcOrd="0" destOrd="0" presId="urn:microsoft.com/office/officeart/2016/7/layout/RoundedRectangleTimeline"/>
-    <dgm:cxn modelId="{FC7F0BC7-3290-407D-96E2-0249574595BF}" type="presParOf" srcId="{06FAD99D-5FF8-4EBB-A5FB-F041578F76D4}" destId="{5A20FA73-3A21-4484-9105-C650E9C6EB1C}" srcOrd="1" destOrd="0" presId="urn:microsoft.com/office/officeart/2016/7/layout/RoundedRectangleTimeline"/>
-    <dgm:cxn modelId="{9EFF1E54-9709-46E0-8DD5-6979BDD49FC7}" type="presParOf" srcId="{06FAD99D-5FF8-4EBB-A5FB-F041578F76D4}" destId="{26F3F9B3-7461-4A61-97B5-AF1F062A6A31}" srcOrd="2" destOrd="0" presId="urn:microsoft.com/office/officeart/2016/7/layout/RoundedRectangleTimeline"/>
-    <dgm:cxn modelId="{418CB3FB-CBCA-4137-A09E-CDF1B736ED1D}" type="presParOf" srcId="{06FAD99D-5FF8-4EBB-A5FB-F041578F76D4}" destId="{6AD3676B-B35C-4F1B-B891-E6A623B39C7E}" srcOrd="3" destOrd="0" presId="urn:microsoft.com/office/officeart/2016/7/layout/RoundedRectangleTimeline"/>
-    <dgm:cxn modelId="{0F49EE4B-8FEC-4562-A000-799C3B79D0E9}" type="presParOf" srcId="{06FAD99D-5FF8-4EBB-A5FB-F041578F76D4}" destId="{11B4905D-2274-468C-AF2A-5EB9623228BD}" srcOrd="4" destOrd="0" presId="urn:microsoft.com/office/officeart/2016/7/layout/RoundedRectangleTimeline"/>
-    <dgm:cxn modelId="{967039AD-4C84-4678-8B8C-2DA21E4046F6}" type="presParOf" srcId="{EBEA9F54-7364-45F9-829B-BF1EB38AEB12}" destId="{BA5551F3-BB68-446A-8242-9B50C869257A}" srcOrd="5" destOrd="0" presId="urn:microsoft.com/office/officeart/2016/7/layout/RoundedRectangleTimeline"/>
-    <dgm:cxn modelId="{4259DB30-9CB9-446A-BEBB-F0D0DC2CF7CA}" type="presParOf" srcId="{EBEA9F54-7364-45F9-829B-BF1EB38AEB12}" destId="{7718219C-0C5B-4CAF-A510-792E6E5E41C1}" srcOrd="6" destOrd="0" presId="urn:microsoft.com/office/officeart/2016/7/layout/RoundedRectangleTimeline"/>
-    <dgm:cxn modelId="{A0642DD3-4108-4308-ADA5-3CB1376143A9}" type="presParOf" srcId="{7718219C-0C5B-4CAF-A510-792E6E5E41C1}" destId="{FCD37457-9C59-4172-BCA9-F6DD3F8790D5}" srcOrd="0" destOrd="0" presId="urn:microsoft.com/office/officeart/2016/7/layout/RoundedRectangleTimeline"/>
-    <dgm:cxn modelId="{1858F90E-D062-4353-990F-7C78AD26B79D}" type="presParOf" srcId="{7718219C-0C5B-4CAF-A510-792E6E5E41C1}" destId="{FDB65D9B-1D75-443C-BEF8-109339A014F9}" srcOrd="1" destOrd="0" presId="urn:microsoft.com/office/officeart/2016/7/layout/RoundedRectangleTimeline"/>
-    <dgm:cxn modelId="{B78592F3-E2E2-4E70-8D4E-C472E028C230}" type="presParOf" srcId="{7718219C-0C5B-4CAF-A510-792E6E5E41C1}" destId="{CA5E20EB-82C1-48EB-94ED-CE7DA89B43C2}" srcOrd="2" destOrd="0" presId="urn:microsoft.com/office/officeart/2016/7/layout/RoundedRectangleTimeline"/>
-    <dgm:cxn modelId="{3E477D7B-DB26-495D-B262-9494341F0913}" type="presParOf" srcId="{7718219C-0C5B-4CAF-A510-792E6E5E41C1}" destId="{B2DE1D64-24D2-43CD-B852-43FDF8357ACE}" srcOrd="3" destOrd="0" presId="urn:microsoft.com/office/officeart/2016/7/layout/RoundedRectangleTimeline"/>
-    <dgm:cxn modelId="{F411EEC1-EA16-47BA-8DFC-4896B731C2F6}" type="presParOf" srcId="{7718219C-0C5B-4CAF-A510-792E6E5E41C1}" destId="{1683A45D-856A-48E0-985B-FE990DF390D0}" srcOrd="4" destOrd="0" presId="urn:microsoft.com/office/officeart/2016/7/layout/RoundedRectangleTimeline"/>
-  </dgm:cxnLst>
-  <dgm:bg/>
-  <dgm:whole/>
-  <dgm:extLst>
-    <a:ext uri="http://schemas.microsoft.com/office/drawing/2008/diagram">
-      <dsp:dataModelExt xmlns:dsp="http://schemas.microsoft.com/office/drawing/2008/diagram" relId="rId6" minVer="http://schemas.openxmlformats.org/drawingml/2006/diagram"/>
-    </a:ext>
-  </dgm:extLst>
-</dgm:dataModel>
-</file>
-
-<file path=ppt/diagrams/drawing1.xml><?xml version="1.0" encoding="utf-8"?>
-<dsp:drawing xmlns:dgm="http://schemas.openxmlformats.org/drawingml/2006/diagram" xmlns:dsp="http://schemas.microsoft.com/office/drawing/2008/diagram" xmlns:a="http://schemas.openxmlformats.org/drawingml/2006/main">
-  <dsp:spTree>
-    <dsp:nvGrpSpPr>
-      <dsp:cNvPr id="0" name=""/>
-      <dsp:cNvGrpSpPr/>
-    </dsp:nvGrpSpPr>
-    <dsp:grpSpPr/>
-    <dsp:sp modelId="{DF71F57E-D542-4163-95B1-92B1B114497F}">
-      <dsp:nvSpPr>
-        <dsp:cNvPr id="0" name=""/>
-        <dsp:cNvSpPr/>
-      </dsp:nvSpPr>
-      <dsp:spPr>
-        <a:xfrm rot="16200000">
-          <a:off x="1608733" y="815985"/>
-          <a:ext cx="378608" cy="2154108"/>
-        </a:xfrm>
-        <a:prstGeom prst="round2SameRect">
-          <a:avLst/>
-        </a:prstGeom>
-        <a:solidFill>
-          <a:schemeClr val="accent1">
-            <a:hueOff val="0"/>
-            <a:satOff val="0"/>
-            <a:lumOff val="0"/>
-            <a:alphaOff val="0"/>
-          </a:schemeClr>
-        </a:solidFill>
-        <a:ln w="15875" cap="flat" cmpd="sng" algn="ctr">
-          <a:solidFill>
-            <a:schemeClr val="accent1">
-              <a:hueOff val="0"/>
-              <a:satOff val="0"/>
-              <a:lumOff val="0"/>
-              <a:alphaOff val="0"/>
-            </a:schemeClr>
-          </a:solidFill>
-          <a:prstDash val="solid"/>
-        </a:ln>
-        <a:effectLst/>
-      </dsp:spPr>
-      <dsp:style>
-        <a:lnRef idx="2">
-          <a:scrgbClr r="0" g="0" b="0"/>
-        </a:lnRef>
-        <a:fillRef idx="1">
-          <a:scrgbClr r="0" g="0" b="0"/>
-        </a:fillRef>
-        <a:effectRef idx="0">
-          <a:scrgbClr r="0" g="0" b="0"/>
-        </a:effectRef>
-        <a:fontRef idx="minor">
-          <a:schemeClr val="lt1"/>
-        </a:fontRef>
-      </dsp:style>
-      <dsp:txBody>
-        <a:bodyPr spcFirstLastPara="0" vert="horz" wrap="square" lIns="91440" tIns="91440" rIns="91440" bIns="91440" numCol="1" spcCol="1270" anchor="ctr" anchorCtr="1">
-          <a:noAutofit/>
-        </a:bodyPr>
-        <a:lstStyle/>
-        <a:p>
-          <a:pPr marL="0" lvl="0" indent="0" algn="ctr" defTabSz="533400">
-            <a:lnSpc>
-              <a:spcPct val="90000"/>
-            </a:lnSpc>
-            <a:spcBef>
-              <a:spcPct val="0"/>
-            </a:spcBef>
-            <a:spcAft>
-              <a:spcPct val="35000"/>
-            </a:spcAft>
-            <a:buNone/>
-          </a:pPr>
-          <a:r>
-            <a:rPr lang="en-US" sz="1200" kern="1200" dirty="0"/>
-            <a:t>2017</a:t>
-          </a:r>
-        </a:p>
-      </dsp:txBody>
-      <dsp:txXfrm rot="5400000">
-        <a:off x="739465" y="1722217"/>
-        <a:ext cx="2135626" cy="341644"/>
-      </dsp:txXfrm>
-    </dsp:sp>
-    <dsp:sp modelId="{C0317DA2-D763-4621-9680-990E0F78E293}">
-      <dsp:nvSpPr>
-        <dsp:cNvPr id="0" name=""/>
-        <dsp:cNvSpPr/>
-      </dsp:nvSpPr>
-      <dsp:spPr>
-        <a:xfrm>
-          <a:off x="2946" y="0"/>
-          <a:ext cx="3590180" cy="1325128"/>
-        </a:xfrm>
-        <a:prstGeom prst="rect">
-          <a:avLst/>
-        </a:prstGeom>
-        <a:noFill/>
-        <a:ln>
-          <a:noFill/>
-        </a:ln>
-        <a:effectLst/>
-      </dsp:spPr>
-      <dsp:style>
-        <a:lnRef idx="0">
-          <a:scrgbClr r="0" g="0" b="0"/>
-        </a:lnRef>
-        <a:fillRef idx="0">
-          <a:scrgbClr r="0" g="0" b="0"/>
-        </a:fillRef>
-        <a:effectRef idx="0">
-          <a:scrgbClr r="0" g="0" b="0"/>
-        </a:effectRef>
-        <a:fontRef idx="minor"/>
-      </dsp:style>
-      <dsp:txBody>
-        <a:bodyPr spcFirstLastPara="0" vert="horz" wrap="square" lIns="0" tIns="0" rIns="0" bIns="91440" numCol="1" spcCol="1270" anchor="b" anchorCtr="1">
-          <a:noAutofit/>
-        </a:bodyPr>
-        <a:lstStyle/>
-        <a:p>
-          <a:pPr marL="0" lvl="0" indent="0" algn="ctr" defTabSz="533400">
-            <a:lnSpc>
-              <a:spcPct val="90000"/>
-            </a:lnSpc>
-            <a:spcBef>
-              <a:spcPct val="0"/>
-            </a:spcBef>
-            <a:spcAft>
-              <a:spcPct val="35000"/>
-            </a:spcAft>
-            <a:buNone/>
-          </a:pPr>
-          <a:r>
-            <a:rPr lang="en-US" sz="1200" kern="1200" dirty="0"/>
-            <a:t>Lorem ipsum dolor sit amet</a:t>
-          </a:r>
-        </a:p>
-      </dsp:txBody>
-      <dsp:txXfrm>
-        <a:off x="2946" y="0"/>
-        <a:ext cx="3590180" cy="1325128"/>
-      </dsp:txXfrm>
-    </dsp:sp>
-    <dsp:sp modelId="{6898D4C1-54F6-4DA4-9607-F444437C8E6E}">
-      <dsp:nvSpPr>
-        <dsp:cNvPr id="0" name=""/>
-        <dsp:cNvSpPr/>
-      </dsp:nvSpPr>
-      <dsp:spPr>
-        <a:xfrm>
-          <a:off x="1798037" y="1400849"/>
-          <a:ext cx="0" cy="302886"/>
-        </a:xfrm>
-        <a:prstGeom prst="line">
-          <a:avLst/>
-        </a:prstGeom>
-        <a:noFill/>
-        <a:ln w="12700" cap="flat" cmpd="sng" algn="ctr">
-          <a:solidFill>
-            <a:schemeClr val="accent1">
-              <a:hueOff val="0"/>
-              <a:satOff val="0"/>
-              <a:lumOff val="0"/>
-              <a:alphaOff val="0"/>
-            </a:schemeClr>
-          </a:solidFill>
-          <a:prstDash val="dash"/>
-        </a:ln>
-        <a:effectLst/>
-      </dsp:spPr>
-      <dsp:style>
-        <a:lnRef idx="1">
-          <a:scrgbClr r="0" g="0" b="0"/>
-        </a:lnRef>
-        <a:fillRef idx="0">
-          <a:scrgbClr r="0" g="0" b="0"/>
-        </a:fillRef>
-        <a:effectRef idx="0">
-          <a:scrgbClr r="0" g="0" b="0"/>
-        </a:effectRef>
-        <a:fontRef idx="minor"/>
-      </dsp:style>
-    </dsp:sp>
-    <dsp:sp modelId="{D73D486C-1D43-4208-9FD9-CC7C2550C1E8}">
-      <dsp:nvSpPr>
-        <dsp:cNvPr id="0" name=""/>
-        <dsp:cNvSpPr/>
-      </dsp:nvSpPr>
-      <dsp:spPr>
-        <a:xfrm>
-          <a:off x="1760176" y="1325128"/>
-          <a:ext cx="75721" cy="75721"/>
-        </a:xfrm>
-        <a:prstGeom prst="ellipse">
-          <a:avLst/>
-        </a:prstGeom>
-        <a:solidFill>
-          <a:schemeClr val="accent1">
-            <a:hueOff val="0"/>
-            <a:satOff val="0"/>
-            <a:lumOff val="0"/>
-            <a:alphaOff val="0"/>
-          </a:schemeClr>
-        </a:solidFill>
-        <a:ln w="15875" cap="flat" cmpd="sng" algn="ctr">
-          <a:solidFill>
-            <a:schemeClr val="lt1">
-              <a:hueOff val="0"/>
-              <a:satOff val="0"/>
-              <a:lumOff val="0"/>
-              <a:alphaOff val="0"/>
-            </a:schemeClr>
-          </a:solidFill>
-          <a:prstDash val="solid"/>
-        </a:ln>
-        <a:effectLst/>
-      </dsp:spPr>
-      <dsp:style>
-        <a:lnRef idx="2">
-          <a:scrgbClr r="0" g="0" b="0"/>
-        </a:lnRef>
-        <a:fillRef idx="1">
-          <a:scrgbClr r="0" g="0" b="0"/>
-        </a:fillRef>
-        <a:effectRef idx="0">
-          <a:scrgbClr r="0" g="0" b="0"/>
-        </a:effectRef>
-        <a:fontRef idx="minor">
-          <a:schemeClr val="lt1"/>
-        </a:fontRef>
-      </dsp:style>
-    </dsp:sp>
-    <dsp:sp modelId="{C0D22B8F-54BF-4FAE-9F7C-B58FA74468D0}">
-      <dsp:nvSpPr>
-        <dsp:cNvPr id="0" name=""/>
-        <dsp:cNvSpPr/>
-      </dsp:nvSpPr>
-      <dsp:spPr>
-        <a:xfrm>
-          <a:off x="2875091" y="1703735"/>
-          <a:ext cx="2154108" cy="378608"/>
-        </a:xfrm>
-        <a:prstGeom prst="rect">
-          <a:avLst/>
-        </a:prstGeom>
-        <a:solidFill>
-          <a:schemeClr val="accent1">
-            <a:hueOff val="0"/>
-            <a:satOff val="0"/>
-            <a:lumOff val="0"/>
-            <a:alphaOff val="0"/>
-          </a:schemeClr>
-        </a:solidFill>
-        <a:ln w="15875" cap="flat" cmpd="sng" algn="ctr">
-          <a:solidFill>
-            <a:schemeClr val="accent1">
-              <a:hueOff val="0"/>
-              <a:satOff val="0"/>
-              <a:lumOff val="0"/>
-              <a:alphaOff val="0"/>
-            </a:schemeClr>
-          </a:solidFill>
-          <a:prstDash val="solid"/>
-        </a:ln>
-        <a:effectLst/>
-      </dsp:spPr>
-      <dsp:style>
-        <a:lnRef idx="2">
-          <a:scrgbClr r="0" g="0" b="0"/>
-        </a:lnRef>
-        <a:fillRef idx="1">
-          <a:scrgbClr r="0" g="0" b="0"/>
-        </a:fillRef>
-        <a:effectRef idx="0">
-          <a:scrgbClr r="0" g="0" b="0"/>
-        </a:effectRef>
-        <a:fontRef idx="minor">
-          <a:schemeClr val="lt1"/>
-        </a:fontRef>
-      </dsp:style>
-      <dsp:txBody>
-        <a:bodyPr spcFirstLastPara="0" vert="horz" wrap="square" lIns="91440" tIns="91440" rIns="91440" bIns="91440" numCol="1" spcCol="1270" anchor="ctr" anchorCtr="1">
-          <a:noAutofit/>
-        </a:bodyPr>
-        <a:lstStyle/>
-        <a:p>
-          <a:pPr marL="0" lvl="0" indent="0" algn="ctr" defTabSz="533400">
-            <a:lnSpc>
-              <a:spcPct val="90000"/>
-            </a:lnSpc>
-            <a:spcBef>
-              <a:spcPct val="0"/>
-            </a:spcBef>
-            <a:spcAft>
-              <a:spcPct val="35000"/>
-            </a:spcAft>
-            <a:buNone/>
-          </a:pPr>
-          <a:r>
-            <a:rPr lang="en-US" sz="1200" kern="1200" dirty="0"/>
-            <a:t>2018</a:t>
-          </a:r>
-        </a:p>
-      </dsp:txBody>
-      <dsp:txXfrm>
-        <a:off x="2875091" y="1703735"/>
-        <a:ext cx="2154108" cy="378608"/>
-      </dsp:txXfrm>
-    </dsp:sp>
-    <dsp:sp modelId="{E1F35975-00CA-4B74-AB7C-CD8812C99AEF}">
-      <dsp:nvSpPr>
-        <dsp:cNvPr id="0" name=""/>
-        <dsp:cNvSpPr/>
-      </dsp:nvSpPr>
-      <dsp:spPr>
-        <a:xfrm>
-          <a:off x="2157055" y="2460952"/>
-          <a:ext cx="3590180" cy="1325128"/>
-        </a:xfrm>
-        <a:prstGeom prst="rect">
-          <a:avLst/>
-        </a:prstGeom>
-        <a:noFill/>
-        <a:ln>
-          <a:noFill/>
-        </a:ln>
-        <a:effectLst/>
-      </dsp:spPr>
-      <dsp:style>
-        <a:lnRef idx="0">
-          <a:scrgbClr r="0" g="0" b="0"/>
-        </a:lnRef>
-        <a:fillRef idx="0">
-          <a:scrgbClr r="0" g="0" b="0"/>
-        </a:fillRef>
-        <a:effectRef idx="0">
-          <a:scrgbClr r="0" g="0" b="0"/>
-        </a:effectRef>
-        <a:fontRef idx="minor"/>
-      </dsp:style>
-      <dsp:txBody>
-        <a:bodyPr spcFirstLastPara="0" vert="horz" wrap="square" lIns="0" tIns="91440" rIns="0" bIns="0" numCol="1" spcCol="1270" anchor="t" anchorCtr="1">
-          <a:noAutofit/>
-        </a:bodyPr>
-        <a:lstStyle/>
-        <a:p>
-          <a:pPr marL="0" lvl="0" indent="0" algn="ctr" defTabSz="533400">
-            <a:lnSpc>
-              <a:spcPct val="90000"/>
-            </a:lnSpc>
-            <a:spcBef>
-              <a:spcPct val="0"/>
-            </a:spcBef>
-            <a:spcAft>
-              <a:spcPct val="35000"/>
-            </a:spcAft>
-            <a:buNone/>
-          </a:pPr>
-          <a:r>
-            <a:rPr lang="en-US" sz="1200" kern="1200" dirty="0"/>
-            <a:t>Lorem ipsum dolor sit amet</a:t>
-          </a:r>
-        </a:p>
-      </dsp:txBody>
-      <dsp:txXfrm>
-        <a:off x="2157055" y="2460952"/>
-        <a:ext cx="3590180" cy="1325128"/>
-      </dsp:txXfrm>
-    </dsp:sp>
-    <dsp:sp modelId="{152FB453-AA1C-4C6D-86AE-2A7A4BF73B8B}">
-      <dsp:nvSpPr>
-        <dsp:cNvPr id="0" name=""/>
-        <dsp:cNvSpPr/>
-      </dsp:nvSpPr>
-      <dsp:spPr>
-        <a:xfrm>
-          <a:off x="3952145" y="2082343"/>
-          <a:ext cx="0" cy="302886"/>
-        </a:xfrm>
-        <a:prstGeom prst="line">
-          <a:avLst/>
-        </a:prstGeom>
-        <a:noFill/>
-        <a:ln w="12700" cap="flat" cmpd="sng" algn="ctr">
-          <a:solidFill>
-            <a:schemeClr val="accent1">
-              <a:hueOff val="0"/>
-              <a:satOff val="0"/>
-              <a:lumOff val="0"/>
-              <a:alphaOff val="0"/>
-            </a:schemeClr>
-          </a:solidFill>
-          <a:prstDash val="dash"/>
-        </a:ln>
-        <a:effectLst/>
-      </dsp:spPr>
-      <dsp:style>
-        <a:lnRef idx="1">
-          <a:scrgbClr r="0" g="0" b="0"/>
-        </a:lnRef>
-        <a:fillRef idx="0">
-          <a:scrgbClr r="0" g="0" b="0"/>
-        </a:fillRef>
-        <a:effectRef idx="0">
-          <a:scrgbClr r="0" g="0" b="0"/>
-        </a:effectRef>
-        <a:fontRef idx="minor"/>
-      </dsp:style>
-    </dsp:sp>
-    <dsp:sp modelId="{BC9CEA29-8429-48CF-B30A-81626D4345E2}">
-      <dsp:nvSpPr>
-        <dsp:cNvPr id="0" name=""/>
-        <dsp:cNvSpPr/>
-      </dsp:nvSpPr>
-      <dsp:spPr>
-        <a:xfrm>
-          <a:off x="3914284" y="2385230"/>
-          <a:ext cx="75721" cy="75721"/>
-        </a:xfrm>
-        <a:prstGeom prst="ellipse">
-          <a:avLst/>
-        </a:prstGeom>
-        <a:solidFill>
-          <a:schemeClr val="accent1">
-            <a:hueOff val="0"/>
-            <a:satOff val="0"/>
-            <a:lumOff val="0"/>
-            <a:alphaOff val="0"/>
-          </a:schemeClr>
-        </a:solidFill>
-        <a:ln w="15875" cap="flat" cmpd="sng" algn="ctr">
-          <a:solidFill>
-            <a:schemeClr val="lt1">
-              <a:hueOff val="0"/>
-              <a:satOff val="0"/>
-              <a:lumOff val="0"/>
-              <a:alphaOff val="0"/>
-            </a:schemeClr>
-          </a:solidFill>
-          <a:prstDash val="solid"/>
-        </a:ln>
-        <a:effectLst/>
-      </dsp:spPr>
-      <dsp:style>
-        <a:lnRef idx="2">
-          <a:scrgbClr r="0" g="0" b="0"/>
-        </a:lnRef>
-        <a:fillRef idx="1">
-          <a:scrgbClr r="0" g="0" b="0"/>
-        </a:fillRef>
-        <a:effectRef idx="0">
-          <a:scrgbClr r="0" g="0" b="0"/>
-        </a:effectRef>
-        <a:fontRef idx="minor">
-          <a:schemeClr val="lt1"/>
-        </a:fontRef>
-      </dsp:style>
-    </dsp:sp>
-    <dsp:sp modelId="{70073129-181E-4CDA-8814-F1E5000C8C53}">
-      <dsp:nvSpPr>
-        <dsp:cNvPr id="0" name=""/>
-        <dsp:cNvSpPr/>
-      </dsp:nvSpPr>
-      <dsp:spPr>
-        <a:xfrm>
-          <a:off x="5029199" y="1703736"/>
-          <a:ext cx="2154108" cy="378608"/>
-        </a:xfrm>
-        <a:prstGeom prst="rect">
-          <a:avLst/>
-        </a:prstGeom>
-        <a:solidFill>
-          <a:schemeClr val="accent1">
-            <a:hueOff val="0"/>
-            <a:satOff val="0"/>
-            <a:lumOff val="0"/>
-            <a:alphaOff val="0"/>
-          </a:schemeClr>
-        </a:solidFill>
-        <a:ln w="15875" cap="flat" cmpd="sng" algn="ctr">
-          <a:solidFill>
-            <a:schemeClr val="accent1">
-              <a:hueOff val="0"/>
-              <a:satOff val="0"/>
-              <a:lumOff val="0"/>
-              <a:alphaOff val="0"/>
-            </a:schemeClr>
-          </a:solidFill>
-          <a:prstDash val="solid"/>
-        </a:ln>
-        <a:effectLst/>
-      </dsp:spPr>
-      <dsp:style>
-        <a:lnRef idx="2">
-          <a:scrgbClr r="0" g="0" b="0"/>
-        </a:lnRef>
-        <a:fillRef idx="1">
-          <a:scrgbClr r="0" g="0" b="0"/>
-        </a:fillRef>
-        <a:effectRef idx="0">
-          <a:scrgbClr r="0" g="0" b="0"/>
-        </a:effectRef>
-        <a:fontRef idx="minor">
-          <a:schemeClr val="lt1"/>
-        </a:fontRef>
-      </dsp:style>
-      <dsp:txBody>
-        <a:bodyPr spcFirstLastPara="0" vert="horz" wrap="square" lIns="91440" tIns="91440" rIns="91440" bIns="91440" numCol="1" spcCol="1270" anchor="ctr" anchorCtr="1">
-          <a:noAutofit/>
-        </a:bodyPr>
-        <a:lstStyle/>
-        <a:p>
-          <a:pPr marL="0" lvl="0" indent="0" algn="ctr" defTabSz="533400">
-            <a:lnSpc>
-              <a:spcPct val="90000"/>
-            </a:lnSpc>
-            <a:spcBef>
-              <a:spcPct val="0"/>
-            </a:spcBef>
-            <a:spcAft>
-              <a:spcPct val="35000"/>
-            </a:spcAft>
-            <a:buNone/>
-          </a:pPr>
-          <a:r>
-            <a:rPr lang="en-US" sz="1200" kern="1200" dirty="0"/>
-            <a:t>2019</a:t>
-          </a:r>
-        </a:p>
-      </dsp:txBody>
-      <dsp:txXfrm>
-        <a:off x="5029199" y="1703736"/>
-        <a:ext cx="2154108" cy="378608"/>
-      </dsp:txXfrm>
-    </dsp:sp>
-    <dsp:sp modelId="{5A20FA73-3A21-4484-9105-C650E9C6EB1C}">
-      <dsp:nvSpPr>
-        <dsp:cNvPr id="0" name=""/>
-        <dsp:cNvSpPr/>
-      </dsp:nvSpPr>
-      <dsp:spPr>
-        <a:xfrm>
-          <a:off x="4311163" y="0"/>
-          <a:ext cx="3590180" cy="1325128"/>
-        </a:xfrm>
-        <a:prstGeom prst="rect">
-          <a:avLst/>
-        </a:prstGeom>
-        <a:noFill/>
-        <a:ln>
-          <a:noFill/>
-        </a:ln>
-        <a:effectLst/>
-      </dsp:spPr>
-      <dsp:style>
-        <a:lnRef idx="0">
-          <a:scrgbClr r="0" g="0" b="0"/>
-        </a:lnRef>
-        <a:fillRef idx="0">
-          <a:scrgbClr r="0" g="0" b="0"/>
-        </a:fillRef>
-        <a:effectRef idx="0">
-          <a:scrgbClr r="0" g="0" b="0"/>
-        </a:effectRef>
-        <a:fontRef idx="minor"/>
-      </dsp:style>
-      <dsp:txBody>
-        <a:bodyPr spcFirstLastPara="0" vert="horz" wrap="square" lIns="0" tIns="0" rIns="0" bIns="91440" numCol="1" spcCol="1270" anchor="b" anchorCtr="1">
-          <a:noAutofit/>
-        </a:bodyPr>
-        <a:lstStyle/>
-        <a:p>
-          <a:pPr marL="0" lvl="0" indent="0" algn="ctr" defTabSz="533400">
-            <a:lnSpc>
-              <a:spcPct val="90000"/>
-            </a:lnSpc>
-            <a:spcBef>
-              <a:spcPct val="0"/>
-            </a:spcBef>
-            <a:spcAft>
-              <a:spcPct val="35000"/>
-            </a:spcAft>
-            <a:buNone/>
-          </a:pPr>
-          <a:r>
-            <a:rPr lang="en-US" sz="1200" kern="1200" dirty="0"/>
-            <a:t>Lorem ipsum dolor sit amet</a:t>
-          </a:r>
-        </a:p>
-      </dsp:txBody>
-      <dsp:txXfrm>
-        <a:off x="4311163" y="0"/>
-        <a:ext cx="3590180" cy="1325128"/>
-      </dsp:txXfrm>
-    </dsp:sp>
-    <dsp:sp modelId="{26F3F9B3-7461-4A61-97B5-AF1F062A6A31}">
-      <dsp:nvSpPr>
-        <dsp:cNvPr id="0" name=""/>
-        <dsp:cNvSpPr/>
-      </dsp:nvSpPr>
-      <dsp:spPr>
-        <a:xfrm>
-          <a:off x="6106254" y="1400849"/>
-          <a:ext cx="0" cy="302886"/>
-        </a:xfrm>
-        <a:prstGeom prst="line">
-          <a:avLst/>
-        </a:prstGeom>
-        <a:noFill/>
-        <a:ln w="12700" cap="flat" cmpd="sng" algn="ctr">
-          <a:solidFill>
-            <a:schemeClr val="accent1">
-              <a:hueOff val="0"/>
-              <a:satOff val="0"/>
-              <a:lumOff val="0"/>
-              <a:alphaOff val="0"/>
-            </a:schemeClr>
-          </a:solidFill>
-          <a:prstDash val="dash"/>
-        </a:ln>
-        <a:effectLst/>
-      </dsp:spPr>
-      <dsp:style>
-        <a:lnRef idx="1">
-          <a:scrgbClr r="0" g="0" b="0"/>
-        </a:lnRef>
-        <a:fillRef idx="0">
-          <a:scrgbClr r="0" g="0" b="0"/>
-        </a:fillRef>
-        <a:effectRef idx="0">
-          <a:scrgbClr r="0" g="0" b="0"/>
-        </a:effectRef>
-        <a:fontRef idx="minor"/>
-      </dsp:style>
-    </dsp:sp>
-    <dsp:sp modelId="{6AD3676B-B35C-4F1B-B891-E6A623B39C7E}">
-      <dsp:nvSpPr>
-        <dsp:cNvPr id="0" name=""/>
-        <dsp:cNvSpPr/>
-      </dsp:nvSpPr>
-      <dsp:spPr>
-        <a:xfrm>
-          <a:off x="6068393" y="1325128"/>
-          <a:ext cx="75721" cy="75721"/>
-        </a:xfrm>
-        <a:prstGeom prst="ellipse">
-          <a:avLst/>
-        </a:prstGeom>
-        <a:solidFill>
-          <a:schemeClr val="accent1">
-            <a:hueOff val="0"/>
-            <a:satOff val="0"/>
-            <a:lumOff val="0"/>
-            <a:alphaOff val="0"/>
-          </a:schemeClr>
-        </a:solidFill>
-        <a:ln w="15875" cap="flat" cmpd="sng" algn="ctr">
-          <a:solidFill>
-            <a:schemeClr val="lt1">
-              <a:hueOff val="0"/>
-              <a:satOff val="0"/>
-              <a:lumOff val="0"/>
-              <a:alphaOff val="0"/>
-            </a:schemeClr>
-          </a:solidFill>
-          <a:prstDash val="solid"/>
-        </a:ln>
-        <a:effectLst/>
-      </dsp:spPr>
-      <dsp:style>
-        <a:lnRef idx="2">
-          <a:scrgbClr r="0" g="0" b="0"/>
-        </a:lnRef>
-        <a:fillRef idx="1">
-          <a:scrgbClr r="0" g="0" b="0"/>
-        </a:fillRef>
-        <a:effectRef idx="0">
-          <a:scrgbClr r="0" g="0" b="0"/>
-        </a:effectRef>
-        <a:fontRef idx="minor">
-          <a:schemeClr val="lt1"/>
-        </a:fontRef>
-      </dsp:style>
-    </dsp:sp>
-    <dsp:sp modelId="{FCD37457-9C59-4172-BCA9-F6DD3F8790D5}">
-      <dsp:nvSpPr>
-        <dsp:cNvPr id="0" name=""/>
-        <dsp:cNvSpPr/>
-      </dsp:nvSpPr>
-      <dsp:spPr>
-        <a:xfrm rot="5400000">
-          <a:off x="8071058" y="815985"/>
-          <a:ext cx="378608" cy="2154108"/>
-        </a:xfrm>
-        <a:prstGeom prst="round2SameRect">
-          <a:avLst/>
-        </a:prstGeom>
-        <a:solidFill>
-          <a:schemeClr val="accent1">
-            <a:hueOff val="0"/>
-            <a:satOff val="0"/>
-            <a:lumOff val="0"/>
-            <a:alphaOff val="0"/>
-          </a:schemeClr>
-        </a:solidFill>
-        <a:ln w="15875" cap="flat" cmpd="sng" algn="ctr">
-          <a:solidFill>
-            <a:schemeClr val="accent1">
-              <a:hueOff val="0"/>
-              <a:satOff val="0"/>
-              <a:lumOff val="0"/>
-              <a:alphaOff val="0"/>
-            </a:schemeClr>
-          </a:solidFill>
-          <a:prstDash val="solid"/>
-        </a:ln>
-        <a:effectLst/>
-      </dsp:spPr>
-      <dsp:style>
-        <a:lnRef idx="2">
-          <a:scrgbClr r="0" g="0" b="0"/>
-        </a:lnRef>
-        <a:fillRef idx="1">
-          <a:scrgbClr r="0" g="0" b="0"/>
-        </a:fillRef>
-        <a:effectRef idx="0">
-          <a:scrgbClr r="0" g="0" b="0"/>
-        </a:effectRef>
-        <a:fontRef idx="minor">
-          <a:schemeClr val="lt1"/>
-        </a:fontRef>
-      </dsp:style>
-      <dsp:txBody>
-        <a:bodyPr spcFirstLastPara="0" vert="horz" wrap="square" lIns="91440" tIns="91440" rIns="91440" bIns="91440" numCol="1" spcCol="1270" anchor="ctr" anchorCtr="1">
-          <a:noAutofit/>
-        </a:bodyPr>
-        <a:lstStyle/>
-        <a:p>
-          <a:pPr marL="0" lvl="0" indent="0" algn="ctr" defTabSz="533400">
-            <a:lnSpc>
-              <a:spcPct val="90000"/>
-            </a:lnSpc>
-            <a:spcBef>
-              <a:spcPct val="0"/>
-            </a:spcBef>
-            <a:spcAft>
-              <a:spcPct val="35000"/>
-            </a:spcAft>
-            <a:buNone/>
-          </a:pPr>
-          <a:r>
-            <a:rPr lang="en-US" sz="1200" kern="1200" dirty="0"/>
-            <a:t>2020</a:t>
-          </a:r>
-        </a:p>
-      </dsp:txBody>
-      <dsp:txXfrm rot="-5400000">
-        <a:off x="7183308" y="1722217"/>
-        <a:ext cx="2135626" cy="341644"/>
-      </dsp:txXfrm>
-    </dsp:sp>
-    <dsp:sp modelId="{FDB65D9B-1D75-443C-BEF8-109339A014F9}">
-      <dsp:nvSpPr>
-        <dsp:cNvPr id="0" name=""/>
-        <dsp:cNvSpPr/>
-      </dsp:nvSpPr>
-      <dsp:spPr>
-        <a:xfrm>
-          <a:off x="6465272" y="2460952"/>
-          <a:ext cx="3590180" cy="1325128"/>
-        </a:xfrm>
-        <a:prstGeom prst="rect">
-          <a:avLst/>
-        </a:prstGeom>
-        <a:noFill/>
-        <a:ln>
-          <a:noFill/>
-        </a:ln>
-        <a:effectLst/>
-      </dsp:spPr>
-      <dsp:style>
-        <a:lnRef idx="0">
-          <a:scrgbClr r="0" g="0" b="0"/>
-        </a:lnRef>
-        <a:fillRef idx="0">
-          <a:scrgbClr r="0" g="0" b="0"/>
-        </a:fillRef>
-        <a:effectRef idx="0">
-          <a:scrgbClr r="0" g="0" b="0"/>
-        </a:effectRef>
-        <a:fontRef idx="minor"/>
-      </dsp:style>
-      <dsp:txBody>
-        <a:bodyPr spcFirstLastPara="0" vert="horz" wrap="square" lIns="0" tIns="91440" rIns="0" bIns="0" numCol="1" spcCol="1270" anchor="t" anchorCtr="1">
-          <a:noAutofit/>
-        </a:bodyPr>
-        <a:lstStyle/>
-        <a:p>
-          <a:pPr marL="0" lvl="0" indent="0" algn="ctr" defTabSz="533400">
-            <a:lnSpc>
-              <a:spcPct val="90000"/>
-            </a:lnSpc>
-            <a:spcBef>
-              <a:spcPct val="0"/>
-            </a:spcBef>
-            <a:spcAft>
-              <a:spcPct val="35000"/>
-            </a:spcAft>
-            <a:buNone/>
-          </a:pPr>
-          <a:r>
-            <a:rPr lang="en-US" sz="1200" kern="1200" dirty="0"/>
-            <a:t>Lorem ipsum dolor sit amet</a:t>
-          </a:r>
-        </a:p>
-      </dsp:txBody>
-      <dsp:txXfrm>
-        <a:off x="6465272" y="2460952"/>
-        <a:ext cx="3590180" cy="1325128"/>
-      </dsp:txXfrm>
-    </dsp:sp>
-    <dsp:sp modelId="{CA5E20EB-82C1-48EB-94ED-CE7DA89B43C2}">
-      <dsp:nvSpPr>
-        <dsp:cNvPr id="0" name=""/>
-        <dsp:cNvSpPr/>
-      </dsp:nvSpPr>
-      <dsp:spPr>
-        <a:xfrm>
-          <a:off x="8260362" y="2082343"/>
-          <a:ext cx="0" cy="302886"/>
-        </a:xfrm>
-        <a:prstGeom prst="line">
-          <a:avLst/>
-        </a:prstGeom>
-        <a:noFill/>
-        <a:ln w="12700" cap="flat" cmpd="sng" algn="ctr">
-          <a:solidFill>
-            <a:schemeClr val="accent1">
-              <a:hueOff val="0"/>
-              <a:satOff val="0"/>
-              <a:lumOff val="0"/>
-              <a:alphaOff val="0"/>
-            </a:schemeClr>
-          </a:solidFill>
-          <a:prstDash val="dash"/>
-        </a:ln>
-        <a:effectLst/>
-      </dsp:spPr>
-      <dsp:style>
-        <a:lnRef idx="1">
-          <a:scrgbClr r="0" g="0" b="0"/>
-        </a:lnRef>
-        <a:fillRef idx="0">
-          <a:scrgbClr r="0" g="0" b="0"/>
-        </a:fillRef>
-        <a:effectRef idx="0">
-          <a:scrgbClr r="0" g="0" b="0"/>
-        </a:effectRef>
-        <a:fontRef idx="minor"/>
-      </dsp:style>
-    </dsp:sp>
-    <dsp:sp modelId="{B2DE1D64-24D2-43CD-B852-43FDF8357ACE}">
-      <dsp:nvSpPr>
-        <dsp:cNvPr id="0" name=""/>
-        <dsp:cNvSpPr/>
-      </dsp:nvSpPr>
-      <dsp:spPr>
-        <a:xfrm>
-          <a:off x="8222501" y="2385230"/>
-          <a:ext cx="75721" cy="75721"/>
-        </a:xfrm>
-        <a:prstGeom prst="ellipse">
-          <a:avLst/>
-        </a:prstGeom>
-        <a:solidFill>
-          <a:schemeClr val="accent1">
-            <a:hueOff val="0"/>
-            <a:satOff val="0"/>
-            <a:lumOff val="0"/>
-            <a:alphaOff val="0"/>
-          </a:schemeClr>
-        </a:solidFill>
-        <a:ln w="15875" cap="flat" cmpd="sng" algn="ctr">
-          <a:solidFill>
-            <a:schemeClr val="lt1">
-              <a:hueOff val="0"/>
-              <a:satOff val="0"/>
-              <a:lumOff val="0"/>
-              <a:alphaOff val="0"/>
-            </a:schemeClr>
-          </a:solidFill>
-          <a:prstDash val="solid"/>
-        </a:ln>
-        <a:effectLst/>
-      </dsp:spPr>
-      <dsp:style>
-        <a:lnRef idx="2">
-          <a:scrgbClr r="0" g="0" b="0"/>
-        </a:lnRef>
-        <a:fillRef idx="1">
-          <a:scrgbClr r="0" g="0" b="0"/>
-        </a:fillRef>
-        <a:effectRef idx="0">
-          <a:scrgbClr r="0" g="0" b="0"/>
-        </a:effectRef>
-        <a:fontRef idx="minor">
-          <a:schemeClr val="lt1"/>
-        </a:fontRef>
-      </dsp:style>
-    </dsp:sp>
-  </dsp:spTree>
-</dsp:drawing>
-</file>
-
-<file path=ppt/diagrams/layout1.xml><?xml version="1.0" encoding="utf-8"?>
-<dgm:layoutDef xmlns:dgm="http://schemas.openxmlformats.org/drawingml/2006/diagram" xmlns:a="http://schemas.openxmlformats.org/drawingml/2006/main" uniqueId="urn:microsoft.com/office/officeart/2016/7/layout/RoundedRectangleTimeline">
-  <dgm:title val="Rounded Rectangle Timeline"/>
-  <dgm:desc val="Use to show a list of events in chronological order. An invisible box contains the description while the date is shown in rectangles, except for the first and last node where the corners of the rectangle are rounded. It can display large amount of text and long descriptive date format."/>
-  <dgm:catLst>
-    <dgm:cat type="timeline" pri="500"/>
-    <dgm:cat type="process" pri="600"/>
-  </dgm:catLst>
-  <dgm:sampData>
-    <dgm:dataModel>
-      <dgm:ptLst>
-        <dgm:pt modelId="0" type="doc"/>
-        <dgm:pt modelId="10">
-          <dgm:prSet phldr="1"/>
-        </dgm:pt>
-        <dgm:pt modelId="11">
-          <dgm:prSet phldr="1"/>
-        </dgm:pt>
-        <dgm:pt modelId="20">
-          <dgm:prSet phldr="1"/>
-        </dgm:pt>
-        <dgm:pt modelId="21">
-          <dgm:prSet phldr="1"/>
-        </dgm:pt>
-        <dgm:pt modelId="30">
-          <dgm:prSet phldr="1"/>
-        </dgm:pt>
-        <dgm:pt modelId="31">
-          <dgm:prSet phldr="1"/>
-        </dgm:pt>
-      </dgm:ptLst>
-      <dgm:cxnLst>
-        <dgm:cxn modelId="40" srcId="0" destId="10" srcOrd="0" destOrd="0"/>
-        <dgm:cxn modelId="12" srcId="10" destId="11" srcOrd="0" destOrd="0"/>
-        <dgm:cxn modelId="50" srcId="0" destId="20" srcOrd="1" destOrd="0"/>
-        <dgm:cxn modelId="22" srcId="20" destId="21" srcOrd="0" destOrd="0"/>
-        <dgm:cxn modelId="60" srcId="0" destId="30" srcOrd="1" destOrd="0"/>
-        <dgm:cxn modelId="32" srcId="30" destId="31" srcOrd="0" destOrd="0"/>
-      </dgm:cxnLst>
-      <dgm:bg/>
-      <dgm:whole/>
-    </dgm:dataModel>
-  </dgm:sampData>
-  <dgm:styleData>
-    <dgm:dataModel>
-      <dgm:ptLst>
-        <dgm:pt modelId="0" type="doc"/>
-        <dgm:pt modelId="10">
-          <dgm:prSet phldr="1"/>
-        </dgm:pt>
-        <dgm:pt modelId="20">
-          <dgm:prSet phldr="1"/>
-        </dgm:pt>
-      </dgm:ptLst>
-      <dgm:cxnLst>
-        <dgm:cxn modelId="60" srcId="0" destId="10" srcOrd="0" destOrd="0"/>
-        <dgm:cxn modelId="70" srcId="0" destId="20" srcOrd="1" destOrd="0"/>
-      </dgm:cxnLst>
-      <dgm:bg/>
-      <dgm:whole/>
-    </dgm:dataModel>
-  </dgm:styleData>
-  <dgm:clrData>
-    <dgm:dataModel>
-      <dgm:ptLst>
-        <dgm:pt modelId="0" type="doc"/>
-        <dgm:pt modelId="10">
-          <dgm:prSet phldr="1"/>
-        </dgm:pt>
-        <dgm:pt modelId="20">
-          <dgm:prSet phldr="1"/>
-        </dgm:pt>
-        <dgm:pt modelId="30">
-          <dgm:prSet phldr="1"/>
-        </dgm:pt>
-        <dgm:pt modelId="40">
-          <dgm:prSet phldr="1"/>
-        </dgm:pt>
-      </dgm:ptLst>
-      <dgm:cxnLst>
-        <dgm:cxn modelId="60" srcId="0" destId="10" srcOrd="0" destOrd="0"/>
-        <dgm:cxn modelId="70" srcId="0" destId="20" srcOrd="1" destOrd="0"/>
-        <dgm:cxn modelId="80" srcId="0" destId="30" srcOrd="2" destOrd="0"/>
-        <dgm:cxn modelId="90" srcId="0" destId="40" srcOrd="3" destOrd="0"/>
-      </dgm:cxnLst>
-      <dgm:bg/>
-      <dgm:whole/>
-    </dgm:dataModel>
-  </dgm:clrData>
-  <dgm:layoutNode name="Name0">
-    <dgm:varLst>
-      <dgm:chMax/>
-      <dgm:chPref/>
-      <dgm:animLvl val="lvl"/>
-    </dgm:varLst>
-    <dgm:choose name="Name1">
-      <dgm:if name="Name2" func="var" arg="dir" op="equ" val="norm">
-        <dgm:alg type="lin"/>
-      </dgm:if>
-      <dgm:else name="Name3">
-        <dgm:alg type="lin">
-          <dgm:param type="linDir" val="fromR"/>
-        </dgm:alg>
-      </dgm:else>
-    </dgm:choose>
-    <dgm:shape xmlns:r="http://schemas.openxmlformats.org/officeDocument/2006/relationships" r:blip="">
-      <dgm:adjLst/>
-    </dgm:shape>
-    <dgm:constrLst>
-      <dgm:constr type="primFontSz" for="des" forName="parent" val="18"/>
-      <dgm:constr type="primFontSz" for="des" forName="Childtext" val="18"/>
-      <dgm:constr type="primFontSz" for="des" forName="Childtext" refType="primFontSz" refFor="des" refForName="parent" op="lte"/>
-      <dgm:constr type="w" for="ch" forName="composite" refType="w"/>
-      <dgm:constr type="h" for="ch" forName="composite" refType="h"/>
-      <dgm:constr type="w" for="ch" forName="spaceBetweenRectangles" refType="w" refFor="ch" refForName="composite" fact="-0.4"/>
-      <dgm:constr type="w" for="ch" ptType="sibTrans" op="equ"/>
-      <dgm:constr type="primFontSz" for="des" forName="parent" op="equ"/>
-      <dgm:constr type="primFontSz" for="des" forName="Childtext" op="equ"/>
-      <dgm:constr type="primFontSz" for="des" forName="parent1" val="18"/>
-      <dgm:constr type="primFontSz" for="des" forName="Childtext1" val="18"/>
-      <dgm:constr type="primFontSz" for="des" forName="Childtext1" refType="primFontSz" refFor="des" refForName="parent1" op="lte"/>
-      <dgm:constr type="w" for="ch" forName="composite1" refType="w"/>
-      <dgm:constr type="h" for="ch" forName="composite1" refType="h"/>
-      <dgm:constr type="w" for="ch" forName="spaceBetweenRectangles1" refType="w" refFor="ch" refForName="composite1" fact="-0.4"/>
-      <dgm:constr type="primFontSz" for="des" forName="parent1" op="equ"/>
-      <dgm:constr type="primFontSz" for="des" forName="Childtext1" op="equ"/>
-    </dgm:constrLst>
-    <dgm:choose name="layoutByNodeCnt">
-      <dgm:if name="twoOrLessNodes" axis="ch" ptType="node" func="cnt" op="lte" val="2">
-        <dgm:forEach name="nodesForEach" axis="ch" ptType="node">
-          <dgm:layoutNode name="composite">
-            <dgm:alg type="composite"/>
-            <dgm:shape xmlns:r="http://schemas.openxmlformats.org/officeDocument/2006/relationships" r:blip="">
-              <dgm:adjLst/>
-            </dgm:shape>
-            <dgm:choose name="casesForFirstAndLastNode1">
-              <dgm:if name="startNode1" axis="self" ptType="node" func="pos" op="equ" val="1">
-                <dgm:choose name="removeLineWhenOnlyOneNode1">
-                  <dgm:if name="ifOnlyOneNode1" axis="followSib" ptType="node" func="cnt" op="equ" val="0">
-                    <dgm:constrLst>
-                      <dgm:constr type="w" for="ch" forName="parent" refType="w" fact="0.95"/>
-                      <dgm:constr type="l" for="ch" forName="parent" refType="w" fact="0.025"/>
-                      <dgm:constr type="t" for="ch" forName="parent" refType="h" fact="0.45"/>
-                      <dgm:constr type="h" for="ch" forName="parent" refType="h" fact="0.1"/>
-                      <dgm:constr type="l" for="ch" forName="Childtext" refType="w" fact="0.025"/>
-                      <dgm:constr type="w" for="ch" forName="Childtext" refType="w" fact="0.95"/>
-                      <dgm:constr type="h" for="ch" forName="Childtext" refType="h" fact="0.35"/>
-                      <dgm:constr type="w" for="ch" forName="ConnectLine"/>
-                      <dgm:constr type="h" for="ch" forName="ConnectLine" refType="h" fact="0.08"/>
-                      <dgm:constr type="t" for="ch" forName="ConnectLine" refType="h" fact="0.37"/>
-                      <dgm:constr type="ctrX" for="ch" forName="ConnectLine" refType="w" fact="0.5"/>
-                      <dgm:constr type="w" for="ch" forName="ConnectLineEnd" refType="h" fact="0.02"/>
-                      <dgm:constr type="h" for="ch" forName="ConnectLineEnd" refType="h" fact="0.02"/>
-                      <dgm:constr type="t" for="ch" forName="ConnectLineEnd" refType="h" fact="0.35"/>
-                      <dgm:constr type="ctrX" for="ch" forName="ConnectLineEnd" refType="w" fact="0.5"/>
-                      <dgm:constr type="w" for="ch" forName="EmptyPane" refType="w"/>
-                      <dgm:constr type="t" for="ch" forName="EmptyPane" refType="h" fact="0.55"/>
-                      <dgm:constr type="h" for="ch" forName="EmptyPane" refType="h" fact="0.45"/>
-                    </dgm:constrLst>
-                  </dgm:if>
-                  <dgm:else name="ifMoreThanOneNode1">
-                    <dgm:constrLst>
-                      <dgm:constr type="w" for="ch" forName="parent" refType="w" fact="0.6"/>
-                      <dgm:constr type="l" for="ch" forName="parent" refType="w" fact="0.2"/>
-                      <dgm:constr type="t" for="ch" forName="parent" refType="h" fact="0.45"/>
-                      <dgm:constr type="h" for="ch" forName="parent" refType="h" fact="0.1"/>
-                      <dgm:constr type="l" for="ch" forName="Childtext" refType="w" fact="0.2"/>
-                      <dgm:constr type="w" for="ch" forName="Childtext" refType="w" fact="0.6"/>
-                      <dgm:constr type="h" for="ch" forName="Childtext" refType="h" fact="0.35"/>
-                      <dgm:constr type="w" for="ch" forName="ConnectLine"/>
-                      <dgm:constr type="h" for="ch" forName="ConnectLine" refType="h" fact="0.08"/>
-                      <dgm:constr type="t" for="ch" forName="ConnectLine" refType="h" fact="0.37"/>
-                      <dgm:constr type="ctrX" for="ch" forName="ConnectLine" refType="w" fact="0.5"/>
-                      <dgm:constr type="w" for="ch" forName="ConnectLineEnd" refType="h" fact="0.02"/>
-                      <dgm:constr type="h" for="ch" forName="ConnectLineEnd" refType="h" fact="0.02"/>
-                      <dgm:constr type="t" for="ch" forName="ConnectLineEnd" refType="h" fact="0.35"/>
-                      <dgm:constr type="ctrX" for="ch" forName="ConnectLineEnd" refType="w" fact="0.5"/>
-                      <dgm:constr type="w" for="ch" forName="EmptyPane" refType="w"/>
-                      <dgm:constr type="t" for="ch" forName="EmptyPane" refType="h" fact="0.55"/>
-                      <dgm:constr type="h" for="ch" forName="EmptyPane" refType="h" fact="0.45"/>
-                    </dgm:constrLst>
-                  </dgm:else>
-                </dgm:choose>
-              </dgm:if>
-              <dgm:else name="notStartNode1">
-                <dgm:constrLst>
-                  <dgm:constr type="w" for="ch" forName="parent" refType="w" fact="0.6"/>
-                  <dgm:constr type="l" for="ch" forName="parent" refType="w" fact="0.2"/>
-                  <dgm:constr type="t" for="ch" forName="parent" refType="h" fact="0.45"/>
-                  <dgm:constr type="h" for="ch" forName="parent" refType="h" fact="0.1"/>
-                  <dgm:constr type="l" for="ch" forName="Childtext" refType="w" fact="0.2"/>
-                  <dgm:constr type="w" for="ch" forName="Childtext" refType="w" fact="0.6"/>
-                  <dgm:constr type="h" for="ch" forName="Childtext" refType="h" fact="0.35"/>
-                  <dgm:constr type="t" for="ch" forName="Childtext" refType="h" fact="0.65"/>
-                  <dgm:constr type="w" for="ch" forName="ConnectLine"/>
-                  <dgm:constr type="h" for="ch" forName="ConnectLine" refType="h" fact="0.08"/>
-                  <dgm:constr type="t" for="ch" forName="ConnectLine" refType="h" fact="0.55"/>
-                  <dgm:constr type="ctrX" for="ch" forName="ConnectLine" refType="w" fact="0.5"/>
-                  <dgm:constr type="w" for="ch" forName="ConnectLineEnd" refType="h" fact="0.02"/>
-                  <dgm:constr type="h" for="ch" forName="ConnectLineEnd" refType="h" fact="0.02"/>
-                  <dgm:constr type="b" for="ch" forName="ConnectLineEnd" refType="h" fact="0.65"/>
-                  <dgm:constr type="ctrX" for="ch" forName="ConnectLineEnd" refType="w" fact="0.5"/>
-                  <dgm:constr type="w" for="ch" forName="EmptyPane" refType="w"/>
-                  <dgm:constr type="h" for="ch" forName="EmptyPane" refType="h" fact="0.45"/>
-                </dgm:constrLst>
-              </dgm:else>
-            </dgm:choose>
-            <dgm:layoutNode name="parent" styleLbl="alignNode1">
-              <dgm:varLst>
-                <dgm:chMax val="1"/>
-                <dgm:chPref val="1"/>
-                <dgm:bulletEnabled val="1"/>
-              </dgm:varLst>
-              <dgm:alg type="tx">
-                <dgm:param type="txAnchorHorz" val="ctr"/>
-                <dgm:param type="txAnchorVert" val="mid"/>
-                <dgm:param type="parTxLTRAlign" val="ctr"/>
-                <dgm:param type="parTxRTLAlign" val="ctr"/>
-              </dgm:alg>
-              <dgm:choose name="casesForFirstAndLastNode">
-                <dgm:if name="startNode" axis="self" ptType="node" func="pos" op="equ" val="1">
-                  <dgm:choose name="removeLineWhenOnlyOneNode">
-                    <dgm:if name="ifOnlyOneNode" axis="followSib" ptType="node" func="cnt" op="equ" val="0">
-                      <dgm:shape xmlns:r="http://schemas.openxmlformats.org/officeDocument/2006/relationships" type="roundRect" r:blip="">
-                        <dgm:adjLst/>
-                      </dgm:shape>
-                    </dgm:if>
-                    <dgm:else name="ifMoreThanOneNode">
-                      <dgm:choose name="Name18">
-                        <dgm:if name="Name19" func="var" arg="dir" op="equ" val="norm">
-                          <dgm:shape xmlns:r="http://schemas.openxmlformats.org/officeDocument/2006/relationships" rot="-90" type="round2SameRect" r:blip="">
-                            <dgm:adjLst/>
-                          </dgm:shape>
-                        </dgm:if>
-                        <dgm:else name="Name20">
-                          <dgm:shape xmlns:r="http://schemas.openxmlformats.org/officeDocument/2006/relationships" rot="90" type="round2SameRect" r:blip="">
-                            <dgm:adjLst/>
-                          </dgm:shape>
-                        </dgm:else>
-                      </dgm:choose>
-                    </dgm:else>
-                  </dgm:choose>
-                </dgm:if>
-                <dgm:else name="notStartNode">
-                  <dgm:choose name="Name22">
-                    <dgm:if name="Name23" axis="self" ptType="node" func="revPos" op="equ" val="1">
-                      <dgm:choose name="Name24">
-                        <dgm:if name="Name25" func="var" arg="dir" op="equ" val="norm">
-                          <dgm:shape xmlns:r="http://schemas.openxmlformats.org/officeDocument/2006/relationships" rot="90" type="round2SameRect" r:blip="">
-                            <dgm:adjLst/>
-                          </dgm:shape>
-                        </dgm:if>
-                        <dgm:else name="Name26">
-                          <dgm:shape xmlns:r="http://schemas.openxmlformats.org/officeDocument/2006/relationships" rot="-90" type="round2SameRect" r:blip="">
-                            <dgm:adjLst/>
-                          </dgm:shape>
-                        </dgm:else>
-                      </dgm:choose>
-                    </dgm:if>
-                    <dgm:else name="Name27">
-                      <dgm:shape xmlns:r="http://schemas.openxmlformats.org/officeDocument/2006/relationships" type="rect" r:blip="">
-                        <dgm:adjLst/>
-                      </dgm:shape>
-                    </dgm:else>
-                  </dgm:choose>
-                </dgm:else>
-              </dgm:choose>
-              <dgm:presOf axis="self" ptType="node"/>
-              <dgm:constrLst>
-                <dgm:constr type="lMarg" refType="primFontSz" fact="0.6"/>
-                <dgm:constr type="rMarg" refType="primFontSz" fact="0.6"/>
-                <dgm:constr type="tMarg" refType="primFontSz" fact="0.6"/>
-                <dgm:constr type="bMarg" refType="primFontSz" fact="0.6"/>
-              </dgm:constrLst>
-              <dgm:ruleLst>
-                <dgm:rule type="primFontSz" val="11" fact="NaN" max="NaN"/>
-              </dgm:ruleLst>
-            </dgm:layoutNode>
-            <dgm:layoutNode name="Childtext" styleLbl="revTx">
-              <dgm:varLst>
-                <dgm:bulletEnabled val="1"/>
-              </dgm:varLst>
-              <dgm:choose name="casesForTxtDirLogic">
-                <dgm:if name="Name77" axis="self" ptType="node" func="posOdd" op="equ" val="1">
-                  <dgm:alg type="tx">
-                    <dgm:param type="txAnchorVert" val="b"/>
-                    <dgm:param type="txAnchorHorz" val="ctr"/>
-                    <dgm:param type="parTxLTRAlign" val="ctr"/>
-                    <dgm:param type="parTxRTLAlign" val="ctr"/>
-                  </dgm:alg>
-                  <dgm:constrLst>
-                    <dgm:constr type="lMarg"/>
-                    <dgm:constr type="rMarg"/>
-                    <dgm:constr type="tMarg"/>
-                    <dgm:constr type="bMarg" refType="primFontSz" fact="0.6"/>
-                  </dgm:constrLst>
-                </dgm:if>
-                <dgm:else name="Name88">
-                  <dgm:alg type="tx">
-                    <dgm:param type="txAnchorVert" val="t"/>
-                    <dgm:param type="txAnchorHorz" val="ctr"/>
-                    <dgm:param type="parTxLTRAlign" val="ctr"/>
-                    <dgm:param type="parTxRTLAlign" val="ctr"/>
-                  </dgm:alg>
-                  <dgm:constrLst>
-                    <dgm:constr type="lMarg"/>
-                    <dgm:constr type="rMarg"/>
-                    <dgm:constr type="tMarg" refType="primFontSz" fact="0.6"/>
-                    <dgm:constr type="bMarg"/>
-                  </dgm:constrLst>
-                </dgm:else>
-              </dgm:choose>
-              <dgm:shape xmlns:r="http://schemas.openxmlformats.org/officeDocument/2006/relationships" type="rect" r:blip="">
-                <dgm:adjLst/>
-              </dgm:shape>
-              <dgm:presOf axis="ch" ptType="node"/>
-              <dgm:ruleLst>
-                <dgm:rule type="primFontSz" val="11" fact="NaN" max="NaN"/>
-              </dgm:ruleLst>
-            </dgm:layoutNode>
-            <dgm:layoutNode name="ConnectLine" styleLbl="sibTrans1D1">
-              <dgm:alg type="sp"/>
-              <dgm:shape xmlns:r="http://schemas.openxmlformats.org/officeDocument/2006/relationships" type="line" r:blip="">
-                <dgm:adjLst/>
-                <dgm:extLst>
-                  <a:ext uri="{B698B0E9-8C71-41B9-8309-B3DCBF30829C}">
-                    <dgm1612:spPr xmlns:dgm1612="http://schemas.microsoft.com/office/drawing/2016/12/diagram">
-                      <a:ln>
-                        <a:prstDash val="dash"/>
-                      </a:ln>
-                    </dgm1612:spPr>
-                  </a:ext>
-                </dgm:extLst>
-              </dgm:shape>
-              <dgm:presOf/>
-              <dgm:constrLst/>
-            </dgm:layoutNode>
-            <dgm:layoutNode name="ConnectLineEnd" styleLbl="lnNode1">
-              <dgm:alg type="sp"/>
-              <dgm:shape xmlns:r="http://schemas.openxmlformats.org/officeDocument/2006/relationships" type="ellipse" r:blip="">
-                <dgm:adjLst/>
-              </dgm:shape>
-              <dgm:presOf/>
-              <dgm:constrLst/>
-            </dgm:layoutNode>
-            <dgm:layoutNode name="EmptyPane">
-              <dgm:alg type="sp"/>
-              <dgm:shape xmlns:r="http://schemas.openxmlformats.org/officeDocument/2006/relationships" r:blip="">
-                <dgm:adjLst/>
-              </dgm:shape>
-              <dgm:presOf/>
-              <dgm:constrLst/>
-            </dgm:layoutNode>
-          </dgm:layoutNode>
-          <dgm:forEach name="Name28" axis="followSib" ptType="sibTrans" cnt="1">
-            <dgm:layoutNode name="spaceBetweenRectangles">
-              <dgm:alg type="sp"/>
-              <dgm:shape xmlns:r="http://schemas.openxmlformats.org/officeDocument/2006/relationships" r:blip="">
-                <dgm:adjLst/>
-              </dgm:shape>
-              <dgm:presOf/>
-              <dgm:constrLst/>
-              <dgm:ruleLst/>
-            </dgm:layoutNode>
-          </dgm:forEach>
-        </dgm:forEach>
-      </dgm:if>
-      <dgm:else name="moreThanTwoNodes">
-        <dgm:forEach name="nodesForEach1" axis="ch" ptType="node">
-          <dgm:layoutNode name="composite1">
-            <dgm:alg type="composite"/>
-            <dgm:shape xmlns:r="http://schemas.openxmlformats.org/officeDocument/2006/relationships" r:blip="">
-              <dgm:adjLst/>
-            </dgm:shape>
-            <dgm:choose name="casesForSnakingLogic21">
-              <dgm:if name="oddNode21" axis="self" ptType="node" func="posOdd" op="equ" val="1">
-                <dgm:constrLst>
-                  <dgm:constr type="w" for="ch" forName="parent1" refType="w" fact="0.6"/>
-                  <dgm:constr type="l" for="ch" forName="parent1" refType="w" fact="0.2"/>
-                  <dgm:constr type="t" for="ch" forName="parent1" refType="h" fact="0.45"/>
-                  <dgm:constr type="h" for="ch" forName="parent1" refType="h" fact="0.1"/>
-                  <dgm:constr type="w" for="ch" forName="Childtext1" refType="w"/>
-                  <dgm:constr type="h" for="ch" forName="Childtext1" refType="h" fact="0.35"/>
-                  <dgm:constr type="w" for="ch" forName="ConnectLine1"/>
-                  <dgm:constr type="h" for="ch" forName="ConnectLine1" refType="h" fact="0.08"/>
-                  <dgm:constr type="t" for="ch" forName="ConnectLine1" refType="h" fact="0.37"/>
-                  <dgm:constr type="ctrX" for="ch" forName="ConnectLine1" refType="w" fact="0.5"/>
-                  <dgm:constr type="w" for="ch" forName="ConnectLineEnd1" refType="h" fact="0.02"/>
-                  <dgm:constr type="h" for="ch" forName="ConnectLineEnd1" refType="h" fact="0.02"/>
-                  <dgm:constr type="t" for="ch" forName="ConnectLineEnd1" refType="h" fact="0.35"/>
-                  <dgm:constr type="ctrX" for="ch" forName="ConnectLineEnd1" refType="w" fact="0.5"/>
-                  <dgm:constr type="w" for="ch" forName="EmptyPane1" refType="w"/>
-                  <dgm:constr type="t" for="ch" forName="EmptyPane1" refType="h" fact="0.55"/>
-                  <dgm:constr type="h" for="ch" forName="EmptyPane1" refType="h" fact="0.45"/>
-                </dgm:constrLst>
-              </dgm:if>
-              <dgm:else name="evenNode2">
-                <dgm:constrLst>
-                  <dgm:constr type="w" for="ch" forName="parent1" refType="w" fact="0.6"/>
-                  <dgm:constr type="l" for="ch" forName="parent1" refType="w" fact="0.2"/>
-                  <dgm:constr type="t" for="ch" forName="parent1" refType="h" fact="0.45"/>
-                  <dgm:constr type="h" for="ch" forName="parent1" refType="h" fact="0.1"/>
-                  <dgm:constr type="w" for="ch" forName="Childtext1" refType="w"/>
-                  <dgm:constr type="h" for="ch" forName="Childtext1" refType="h" fact="0.35"/>
-                  <dgm:constr type="t" for="ch" forName="Childtext1" refType="h" fact="0.65"/>
-                  <dgm:constr type="w" for="ch" forName="ConnectLine1"/>
-                  <dgm:constr type="h" for="ch" forName="ConnectLine1" refType="h" fact="0.08"/>
-                  <dgm:constr type="t" for="ch" forName="ConnectLine1" refType="h" fact="0.55"/>
-                  <dgm:constr type="ctrX" for="ch" forName="ConnectLine1" refType="w" fact="0.5"/>
-                  <dgm:constr type="w" for="ch" forName="ConnectLineEnd1" refType="h" fact="0.02"/>
-                  <dgm:constr type="h" for="ch" forName="ConnectLineEnd1" refType="h" fact="0.02"/>
-                  <dgm:constr type="b" for="ch" forName="ConnectLineEnd1" refType="h" fact="0.65"/>
-                  <dgm:constr type="ctrX" for="ch" forName="ConnectLineEnd1" refType="w" fact="0.5"/>
-                  <dgm:constr type="w" for="ch" forName="EmptyPane1" refType="w"/>
-                  <dgm:constr type="h" for="ch" forName="EmptyPane1" refType="h" fact="0.45"/>
-                </dgm:constrLst>
-              </dgm:else>
-            </dgm:choose>
-            <dgm:layoutNode name="parent1" styleLbl="alignNode1">
-              <dgm:varLst>
-                <dgm:chMax val="1"/>
-                <dgm:chPref val="1"/>
-                <dgm:bulletEnabled val="1"/>
-              </dgm:varLst>
-              <dgm:alg type="tx">
-                <dgm:param type="txAnchorHorz" val="ctr"/>
-                <dgm:param type="txAnchorVert" val="mid"/>
-                <dgm:param type="parTxLTRAlign" val="ctr"/>
-                <dgm:param type="parTxRTLAlign" val="ctr"/>
-              </dgm:alg>
-              <dgm:choose name="casesForFirstAndLastNode12">
-                <dgm:if name="startNode12" axis="self" ptType="node" func="pos" op="equ" val="1">
-                  <dgm:choose name="removeLineWhenOnlyOneNode12">
-                    <dgm:if name="ifOnlyOneNode12" axis="followSib" ptType="node" func="cnt" op="equ" val="0">
-                      <dgm:shape xmlns:r="http://schemas.openxmlformats.org/officeDocument/2006/relationships" type="roundRect" r:blip="">
-                        <dgm:adjLst/>
-                      </dgm:shape>
-                    </dgm:if>
-                    <dgm:else name="ifMoreThanOneNode12">
-                      <dgm:choose name="Name181">
-                        <dgm:if name="Name191" func="var" arg="dir" op="equ" val="norm">
-                          <dgm:shape xmlns:r="http://schemas.openxmlformats.org/officeDocument/2006/relationships" rot="-90" type="round2SameRect" r:blip="">
-                            <dgm:adjLst/>
-                          </dgm:shape>
-                        </dgm:if>
-                        <dgm:else name="Name201">
-                          <dgm:shape xmlns:r="http://schemas.openxmlformats.org/officeDocument/2006/relationships" rot="90" type="round2SameRect" r:blip="">
-                            <dgm:adjLst/>
-                          </dgm:shape>
-                        </dgm:else>
-                      </dgm:choose>
-                    </dgm:else>
-                  </dgm:choose>
-                </dgm:if>
-                <dgm:else name="notStartNode12">
-                  <dgm:choose name="Name221">
-                    <dgm:if name="Name231" axis="self" ptType="node" func="revPos" op="equ" val="1">
-                      <dgm:choose name="Name241">
-                        <dgm:if name="Name251" func="var" arg="dir" op="equ" val="norm">
-                          <dgm:shape xmlns:r="http://schemas.openxmlformats.org/officeDocument/2006/relationships" rot="90" type="round2SameRect" r:blip="">
-                            <dgm:adjLst/>
-                          </dgm:shape>
-                        </dgm:if>
-                        <dgm:else name="Name261">
-                          <dgm:shape xmlns:r="http://schemas.openxmlformats.org/officeDocument/2006/relationships" rot="-90" type="round2SameRect" r:blip="">
-                            <dgm:adjLst/>
-                          </dgm:shape>
-                        </dgm:else>
-                      </dgm:choose>
-                    </dgm:if>
-                    <dgm:else name="Name271">
-                      <dgm:shape xmlns:r="http://schemas.openxmlformats.org/officeDocument/2006/relationships" type="rect" r:blip="">
-                        <dgm:adjLst/>
-                      </dgm:shape>
-                    </dgm:else>
-                  </dgm:choose>
-                </dgm:else>
-              </dgm:choose>
-              <dgm:presOf axis="self" ptType="node"/>
-              <dgm:constrLst>
-                <dgm:constr type="lMarg" refType="primFontSz" fact="0.6"/>
-                <dgm:constr type="rMarg" refType="primFontSz" fact="0.6"/>
-                <dgm:constr type="tMarg" refType="primFontSz" fact="0.6"/>
-                <dgm:constr type="bMarg" refType="primFontSz" fact="0.6"/>
-              </dgm:constrLst>
-              <dgm:ruleLst>
-                <dgm:rule type="primFontSz" val="11" fact="NaN" max="NaN"/>
-              </dgm:ruleLst>
-            </dgm:layoutNode>
-            <dgm:layoutNode name="Childtext1" styleLbl="revTx">
-              <dgm:varLst>
-                <dgm:bulletEnabled val="1"/>
-              </dgm:varLst>
-              <dgm:choose name="casesForTxtDirLogic1">
-                <dgm:if name="Name771" axis="self" ptType="node" func="posOdd" op="equ" val="1">
-                  <dgm:alg type="tx">
-                    <dgm:param type="txAnchorVert" val="b"/>
-                    <dgm:param type="txAnchorHorz" val="ctr"/>
-                    <dgm:param type="parTxLTRAlign" val="ctr"/>
-                    <dgm:param type="parTxRTLAlign" val="ctr"/>
-                  </dgm:alg>
-                  <dgm:constrLst>
-                    <dgm:constr type="lMarg"/>
-                    <dgm:constr type="rMarg"/>
-                    <dgm:constr type="tMarg"/>
-                    <dgm:constr type="bMarg" refType="primFontSz" fact="0.6"/>
-                  </dgm:constrLst>
-                </dgm:if>
-                <dgm:else name="Name881">
-                  <dgm:alg type="tx">
-                    <dgm:param type="txAnchorVert" val="t"/>
-                    <dgm:param type="txAnchorHorz" val="ctr"/>
-                    <dgm:param type="parTxLTRAlign" val="ctr"/>
-                    <dgm:param type="parTxRTLAlign" val="ctr"/>
-                  </dgm:alg>
-                  <dgm:constrLst>
-                    <dgm:constr type="lMarg"/>
-                    <dgm:constr type="rMarg"/>
-                    <dgm:constr type="tMarg" refType="primFontSz" fact="0.6"/>
-                    <dgm:constr type="bMarg"/>
-                  </dgm:constrLst>
-                </dgm:else>
-              </dgm:choose>
-              <dgm:shape xmlns:r="http://schemas.openxmlformats.org/officeDocument/2006/relationships" type="rect" r:blip="">
-                <dgm:adjLst/>
-              </dgm:shape>
-              <dgm:presOf axis="ch" ptType="node"/>
-              <dgm:ruleLst>
-                <dgm:rule type="primFontSz" val="11" fact="NaN" max="NaN"/>
-              </dgm:ruleLst>
-            </dgm:layoutNode>
-            <dgm:layoutNode name="ConnectLine1" styleLbl="sibTrans1D1">
-              <dgm:alg type="sp"/>
-              <dgm:shape xmlns:r="http://schemas.openxmlformats.org/officeDocument/2006/relationships" type="line" r:blip="">
-                <dgm:adjLst/>
-                <dgm:extLst>
-                  <a:ext uri="{B698B0E9-8C71-41B9-8309-B3DCBF30829C}">
-                    <dgm1612:spPr xmlns:dgm1612="http://schemas.microsoft.com/office/drawing/2016/12/diagram">
-                      <a:ln>
-                        <a:prstDash val="dash"/>
-                      </a:ln>
-                    </dgm1612:spPr>
-                  </a:ext>
-                </dgm:extLst>
-              </dgm:shape>
-              <dgm:presOf/>
-              <dgm:constrLst/>
-            </dgm:layoutNode>
-            <dgm:layoutNode name="ConnectLineEnd1" styleLbl="lnNode1">
-              <dgm:alg type="sp"/>
-              <dgm:shape xmlns:r="http://schemas.openxmlformats.org/officeDocument/2006/relationships" type="ellipse" r:blip="">
-                <dgm:adjLst/>
-              </dgm:shape>
-              <dgm:presOf/>
-              <dgm:constrLst/>
-            </dgm:layoutNode>
-            <dgm:layoutNode name="EmptyPane1">
-              <dgm:alg type="sp"/>
-              <dgm:shape xmlns:r="http://schemas.openxmlformats.org/officeDocument/2006/relationships" r:blip="">
-                <dgm:adjLst/>
-              </dgm:shape>
-              <dgm:presOf/>
-              <dgm:constrLst/>
-            </dgm:layoutNode>
-          </dgm:layoutNode>
-          <dgm:forEach name="Name281" axis="followSib" ptType="sibTrans" cnt="1">
-            <dgm:layoutNode name="spaceBetweenRectangles1">
-              <dgm:alg type="sp"/>
-              <dgm:shape xmlns:r="http://schemas.openxmlformats.org/officeDocument/2006/relationships" r:blip="">
-                <dgm:adjLst/>
-              </dgm:shape>
-              <dgm:presOf/>
-              <dgm:constrLst/>
-              <dgm:ruleLst/>
-            </dgm:layoutNode>
-          </dgm:forEach>
-        </dgm:forEach>
-      </dgm:else>
-    </dgm:choose>
-  </dgm:layoutNode>
-</dgm:layoutDef>
-</file>
-
-<file path=ppt/diagrams/quickStyle1.xml><?xml version="1.0" encoding="utf-8"?>
-<dgm:styleDef xmlns:dgm="http://schemas.openxmlformats.org/drawingml/2006/diagram" xmlns:a="http://schemas.openxmlformats.org/drawingml/2006/main" uniqueId="urn:microsoft.com/office/officeart/2005/8/quickstyle/simple1">
-  <dgm:title val=""/>
-  <dgm:desc val=""/>
-  <dgm:catLst>
-    <dgm:cat type="simple" pri="10100"/>
-  </dgm:catLst>
-  <dgm:scene3d>
-    <a:camera prst="orthographicFront"/>
-    <a:lightRig rig="threePt" dir="t"/>
-  </dgm:scene3d>
-  <dgm:styleLbl name="node0">
-    <dgm:scene3d>
-      <a:camera prst="orthographicFront"/>
-      <a:lightRig rig="threePt" dir="t"/>
-    </dgm:scene3d>
-    <dgm:sp3d/>
-    <dgm:txPr/>
-    <dgm:style>
-      <a:lnRef idx="2">
-        <a:scrgbClr r="0" g="0" b="0"/>
-      </a:lnRef>
-      <a:fillRef idx="1">
-        <a:scrgbClr r="0" g="0" b="0"/>
-      </a:fillRef>
-      <a:effectRef idx="0">
-        <a:scrgbClr r="0" g="0" b="0"/>
-      </a:effectRef>
-      <a:fontRef idx="minor">
-        <a:schemeClr val="lt1"/>
-      </a:fontRef>
-    </dgm:style>
-  </dgm:styleLbl>
-  <dgm:styleLbl name="lnNode1">
-    <dgm:scene3d>
-      <a:camera prst="orthographicFront"/>
-      <a:lightRig rig="threePt" dir="t"/>
-    </dgm:scene3d>
-    <dgm:sp3d/>
-    <dgm:txPr/>
-    <dgm:style>
-      <a:lnRef idx="2">
-        <a:scrgbClr r="0" g="0" b="0"/>
-      </a:lnRef>
-      <a:fillRef idx="1">
-        <a:scrgbClr r="0" g="0" b="0"/>
-      </a:fillRef>
-      <a:effectRef idx="0">
-        <a:scrgbClr r="0" g="0" b="0"/>
-      </a:effectRef>
-      <a:fontRef idx="minor">
-        <a:schemeClr val="lt1"/>
-      </a:fontRef>
-    </dgm:style>
-  </dgm:styleLbl>
-  <dgm:styleLbl name="vennNode1">
-    <dgm:scene3d>
-      <a:camera prst="orthographicFront"/>
-      <a:lightRig rig="threePt" dir="t"/>
-    </dgm:scene3d>
-    <dgm:sp3d/>
-    <dgm:txPr/>
-    <dgm:style>
-      <a:lnRef idx="2">
-        <a:scrgbClr r="0" g="0" b="0"/>
-      </a:lnRef>
-      <a:fillRef idx="1">
-        <a:scrgbClr r="0" g="0" b="0"/>
-      </a:fillRef>
-      <a:effectRef idx="0">
-        <a:scrgbClr r="0" g="0" b="0"/>
-      </a:effectRef>
-      <a:fontRef idx="minor">
-        <a:schemeClr val="tx1"/>
-      </a:fontRef>
-    </dgm:style>
-  </dgm:styleLbl>
-  <dgm:styleLbl name="alignNode1">
-    <dgm:scene3d>
-      <a:camera prst="orthographicFront"/>
-      <a:lightRig rig="threePt" dir="t"/>
-    </dgm:scene3d>
-    <dgm:sp3d/>
-    <dgm:txPr/>
-    <dgm:style>
-      <a:lnRef idx="2">
-        <a:scrgbClr r="0" g="0" b="0"/>
-      </a:lnRef>
-      <a:fillRef idx="1">
-        <a:scrgbClr r="0" g="0" b="0"/>
-      </a:fillRef>
-      <a:effectRef idx="0">
-        <a:scrgbClr r="0" g="0" b="0"/>
-      </a:effectRef>
-      <a:fontRef idx="minor">
-        <a:schemeClr val="lt1"/>
-      </a:fontRef>
-    </dgm:style>
-  </dgm:styleLbl>
-  <dgm:styleLbl name="node1">
-    <dgm:scene3d>
-      <a:camera prst="orthographicFront"/>
-      <a:lightRig rig="threePt" dir="t"/>
-    </dgm:scene3d>
-    <dgm:sp3d/>
-    <dgm:txPr/>
-    <dgm:style>
-      <a:lnRef idx="2">
-        <a:scrgbClr r="0" g="0" b="0"/>
-      </a:lnRef>
-      <a:fillRef idx="1">
-        <a:scrgbClr r="0" g="0" b="0"/>
-      </a:fillRef>
-      <a:effectRef idx="0">
-        <a:scrgbClr r="0" g="0" b="0"/>
-      </a:effectRef>
-      <a:fontRef idx="minor">
-        <a:schemeClr val="lt1"/>
-      </a:fontRef>
-    </dgm:style>
-  </dgm:styleLbl>
-  <dgm:styleLbl name="node2">
-    <dgm:scene3d>
-      <a:camera prst="orthographicFront"/>
-      <a:lightRig rig="threePt" dir="t"/>
-    </dgm:scene3d>
-    <dgm:sp3d/>
-    <dgm:txPr/>
-    <dgm:style>
-      <a:lnRef idx="2">
-        <a:scrgbClr r="0" g="0" b="0"/>
-      </a:lnRef>
-      <a:fillRef idx="1">
-        <a:scrgbClr r="0" g="0" b="0"/>
-      </a:fillRef>
-      <a:effectRef idx="0">
-        <a:scrgbClr r="0" g="0" b="0"/>
-      </a:effectRef>
-      <a:fontRef idx="minor">
-        <a:schemeClr val="lt1"/>
-      </a:fontRef>
-    </dgm:style>
-  </dgm:styleLbl>
-  <dgm:styleLbl name="node3">
-    <dgm:scene3d>
-      <a:camera prst="orthographicFront"/>
-      <a:lightRig rig="threePt" dir="t"/>
-    </dgm:scene3d>
-    <dgm:sp3d/>
-    <dgm:txPr/>
-    <dgm:style>
-      <a:lnRef idx="2">
-        <a:scrgbClr r="0" g="0" b="0"/>
-      </a:lnRef>
-      <a:fillRef idx="1">
-        <a:scrgbClr r="0" g="0" b="0"/>
-      </a:fillRef>
-      <a:effectRef idx="0">
-        <a:scrgbClr r="0" g="0" b="0"/>
-      </a:effectRef>
-      <a:fontRef idx="minor">
-        <a:schemeClr val="lt1"/>
-      </a:fontRef>
-    </dgm:style>
-  </dgm:styleLbl>
-  <dgm:styleLbl name="node4">
-    <dgm:scene3d>
-      <a:camera prst="orthographicFront"/>
-      <a:lightRig rig="threePt" dir="t"/>
-    </dgm:scene3d>
-    <dgm:sp3d/>
-    <dgm:txPr/>
-    <dgm:style>
-      <a:lnRef idx="2">
-        <a:scrgbClr r="0" g="0" b="0"/>
-      </a:lnRef>
-      <a:fillRef idx="1">
-        <a:scrgbClr r="0" g="0" b="0"/>
-      </a:fillRef>
-      <a:effectRef idx="0">
-        <a:scrgbClr r="0" g="0" b="0"/>
-      </a:effectRef>
-      <a:fontRef idx="minor">
-        <a:schemeClr val="lt1"/>
-      </a:fontRef>
-    </dgm:style>
-  </dgm:styleLbl>
-  <dgm:styleLbl name="fgImgPlace1">
-    <dgm:scene3d>
-      <a:camera prst="orthographicFront"/>
-      <a:lightRig rig="threePt" dir="t"/>
-    </dgm:scene3d>
-    <dgm:sp3d/>
-    <dgm:txPr/>
-    <dgm:style>
-      <a:lnRef idx="2">
-        <a:scrgbClr r="0" g="0" b="0"/>
-      </a:lnRef>
-      <a:fillRef idx="1">
-        <a:scrgbClr r="0" g="0" b="0"/>
-      </a:fillRef>
-      <a:effectRef idx="0">
-        <a:scrgbClr r="0" g="0" b="0"/>
-      </a:effectRef>
-      <a:fontRef idx="minor"/>
-    </dgm:style>
-  </dgm:styleLbl>
-  <dgm:styleLbl name="alignImgPlace1">
-    <dgm:scene3d>
-      <a:camera prst="orthographicFront"/>
-      <a:lightRig rig="threePt" dir="t"/>
-    </dgm:scene3d>
-    <dgm:sp3d/>
-    <dgm:txPr/>
-    <dgm:style>
-      <a:lnRef idx="2">
-        <a:scrgbClr r="0" g="0" b="0"/>
-      </a:lnRef>
-      <a:fillRef idx="1">
-        <a:scrgbClr r="0" g="0" b="0"/>
-      </a:fillRef>
-      <a:effectRef idx="0">
-        <a:scrgbClr r="0" g="0" b="0"/>
-      </a:effectRef>
-      <a:fontRef idx="minor"/>
-    </dgm:style>
-  </dgm:styleLbl>
-  <dgm:styleLbl name="bgImgPlace1">
-    <dgm:scene3d>
-      <a:camera prst="orthographicFront"/>
-      <a:lightRig rig="threePt" dir="t"/>
-    </dgm:scene3d>
-    <dgm:sp3d/>
-    <dgm:txPr/>
-    <dgm:style>
-      <a:lnRef idx="2">
-        <a:scrgbClr r="0" g="0" b="0"/>
-      </a:lnRef>
-      <a:fillRef idx="1">
-        <a:scrgbClr r="0" g="0" b="0"/>
-      </a:fillRef>
-      <a:effectRef idx="0">
-        <a:scrgbClr r="0" g="0" b="0"/>
-      </a:effectRef>
-      <a:fontRef idx="minor"/>
-    </dgm:style>
-  </dgm:styleLbl>
-  <dgm:styleLbl name="sibTrans2D1">
-    <dgm:scene3d>
-      <a:camera prst="orthographicFront"/>
-      <a:lightRig rig="threePt" dir="t"/>
-    </dgm:scene3d>
-    <dgm:sp3d/>
-    <dgm:txPr/>
-    <dgm:style>
-      <a:lnRef idx="0">
-        <a:scrgbClr r="0" g="0" b="0"/>
-      </a:lnRef>
-      <a:fillRef idx="1">
-        <a:scrgbClr r="0" g="0" b="0"/>
-      </a:fillRef>
-      <a:effectRef idx="0">
-        <a:scrgbClr r="0" g="0" b="0"/>
-      </a:effectRef>
-      <a:fontRef idx="minor">
-        <a:schemeClr val="lt1"/>
-      </a:fontRef>
-    </dgm:style>
-  </dgm:styleLbl>
-  <dgm:styleLbl name="fgSibTrans2D1">
-    <dgm:scene3d>
-      <a:camera prst="orthographicFront"/>
-      <a:lightRig rig="threePt" dir="t"/>
-    </dgm:scene3d>
-    <dgm:sp3d/>
-    <dgm:txPr/>
-    <dgm:style>
-      <a:lnRef idx="0">
-        <a:scrgbClr r="0" g="0" b="0"/>
-      </a:lnRef>
-      <a:fillRef idx="1">
-        <a:scrgbClr r="0" g="0" b="0"/>
-      </a:fillRef>
-      <a:effectRef idx="0">
-        <a:scrgbClr r="0" g="0" b="0"/>
-      </a:effectRef>
-      <a:fontRef idx="minor">
-        <a:schemeClr val="lt1"/>
-      </a:fontRef>
-    </dgm:style>
-  </dgm:styleLbl>
-  <dgm:styleLbl name="bgSibTrans2D1">
-    <dgm:scene3d>
-      <a:camera prst="orthographicFront"/>
-      <a:lightRig rig="threePt" dir="t"/>
-    </dgm:scene3d>
-    <dgm:sp3d/>
-    <dgm:txPr/>
-    <dgm:style>
-      <a:lnRef idx="0">
-        <a:scrgbClr r="0" g="0" b="0"/>
-      </a:lnRef>
-      <a:fillRef idx="1">
-        <a:scrgbClr r="0" g="0" b="0"/>
-      </a:fillRef>
-      <a:effectRef idx="0">
-        <a:scrgbClr r="0" g="0" b="0"/>
-      </a:effectRef>
-      <a:fontRef idx="minor">
-        <a:schemeClr val="lt1"/>
-      </a:fontRef>
-    </dgm:style>
-  </dgm:styleLbl>
-  <dgm:styleLbl name="sibTrans1D1">
-    <dgm:scene3d>
-      <a:camera prst="orthographicFront"/>
-      <a:lightRig rig="threePt" dir="t"/>
-    </dgm:scene3d>
-    <dgm:sp3d/>
-    <dgm:txPr/>
-    <dgm:style>
-      <a:lnRef idx="1">
-        <a:scrgbClr r="0" g="0" b="0"/>
-      </a:lnRef>
-      <a:fillRef idx="0">
-        <a:scrgbClr r="0" g="0" b="0"/>
-      </a:fillRef>
-      <a:effectRef idx="0">
-        <a:scrgbClr r="0" g="0" b="0"/>
-      </a:effectRef>
-      <a:fontRef idx="minor"/>
-    </dgm:style>
-  </dgm:styleLbl>
-  <dgm:styleLbl name="callout">
-    <dgm:scene3d>
-      <a:camera prst="orthographicFront"/>
-      <a:lightRig rig="threePt" dir="t"/>
-    </dgm:scene3d>
-    <dgm:sp3d/>
-    <dgm:txPr/>
-    <dgm:style>
-      <a:lnRef idx="2">
-        <a:scrgbClr r="0" g="0" b="0"/>
-      </a:lnRef>
-      <a:fillRef idx="1">
-        <a:scrgbClr r="0" g="0" b="0"/>
-      </a:fillRef>
-      <a:effectRef idx="0">
-        <a:scrgbClr r="0" g="0" b="0"/>
-      </a:effectRef>
-      <a:fontRef idx="minor"/>
-    </dgm:style>
-  </dgm:styleLbl>
-  <dgm:styleLbl name="asst0">
-    <dgm:scene3d>
-      <a:camera prst="orthographicFront"/>
-      <a:lightRig rig="threePt" dir="t"/>
-    </dgm:scene3d>
-    <dgm:sp3d/>
-    <dgm:txPr/>
-    <dgm:style>
-      <a:lnRef idx="2">
-        <a:scrgbClr r="0" g="0" b="0"/>
-      </a:lnRef>
-      <a:fillRef idx="1">
-        <a:scrgbClr r="0" g="0" b="0"/>
-      </a:fillRef>
-      <a:effectRef idx="0">
-        <a:scrgbClr r="0" g="0" b="0"/>
-      </a:effectRef>
-      <a:fontRef idx="minor">
-        <a:schemeClr val="lt1"/>
-      </a:fontRef>
-    </dgm:style>
-  </dgm:styleLbl>
-  <dgm:styleLbl name="asst1">
-    <dgm:scene3d>
-      <a:camera prst="orthographicFront"/>
-      <a:lightRig rig="threePt" dir="t"/>
-    </dgm:scene3d>
-    <dgm:sp3d/>
-    <dgm:txPr/>
-    <dgm:style>
-      <a:lnRef idx="2">
-        <a:scrgbClr r="0" g="0" b="0"/>
-      </a:lnRef>
-      <a:fillRef idx="1">
-        <a:scrgbClr r="0" g="0" b="0"/>
-      </a:fillRef>
-      <a:effectRef idx="0">
-        <a:scrgbClr r="0" g="0" b="0"/>
-      </a:effectRef>
-      <a:fontRef idx="minor">
-        <a:schemeClr val="lt1"/>
-      </a:fontRef>
-    </dgm:style>
-  </dgm:styleLbl>
-  <dgm:styleLbl name="asst2">
-    <dgm:scene3d>
-      <a:camera prst="orthographicFront"/>
-      <a:lightRig rig="threePt" dir="t"/>
-    </dgm:scene3d>
-    <dgm:sp3d/>
-    <dgm:txPr/>
-    <dgm:style>
-      <a:lnRef idx="2">
-        <a:scrgbClr r="0" g="0" b="0"/>
-      </a:lnRef>
-      <a:fillRef idx="1">
-        <a:scrgbClr r="0" g="0" b="0"/>
-      </a:fillRef>
-      <a:effectRef idx="0">
-        <a:scrgbClr r="0" g="0" b="0"/>
-      </a:effectRef>
-      <a:fontRef idx="minor">
-        <a:schemeClr val="lt1"/>
-      </a:fontRef>
-    </dgm:style>
-  </dgm:styleLbl>
-  <dgm:styleLbl name="asst3">
-    <dgm:scene3d>
-      <a:camera prst="orthographicFront"/>
-      <a:lightRig rig="threePt" dir="t"/>
-    </dgm:scene3d>
-    <dgm:sp3d/>
-    <dgm:txPr/>
-    <dgm:style>
-      <a:lnRef idx="2">
-        <a:scrgbClr r="0" g="0" b="0"/>
-      </a:lnRef>
-      <a:fillRef idx="1">
-        <a:scrgbClr r="0" g="0" b="0"/>
-      </a:fillRef>
-      <a:effectRef idx="0">
-        <a:scrgbClr r="0" g="0" b="0"/>
-      </a:effectRef>
-      <a:fontRef idx="minor">
-        <a:schemeClr val="lt1"/>
-      </a:fontRef>
-    </dgm:style>
-  </dgm:styleLbl>
-  <dgm:styleLbl name="asst4">
-    <dgm:scene3d>
-      <a:camera prst="orthographicFront"/>
-      <a:lightRig rig="threePt" dir="t"/>
-    </dgm:scene3d>
-    <dgm:sp3d/>
-    <dgm:txPr/>
-    <dgm:style>
-      <a:lnRef idx="2">
-        <a:scrgbClr r="0" g="0" b="0"/>
-      </a:lnRef>
-      <a:fillRef idx="1">
-        <a:scrgbClr r="0" g="0" b="0"/>
-      </a:fillRef>
-      <a:effectRef idx="0">
-        <a:scrgbClr r="0" g="0" b="0"/>
-      </a:effectRef>
-      <a:fontRef idx="minor">
-        <a:schemeClr val="lt1"/>
-      </a:fontRef>
-    </dgm:style>
-  </dgm:styleLbl>
-  <dgm:styleLbl name="parChTrans2D1">
-    <dgm:scene3d>
-      <a:camera prst="orthographicFront"/>
-      <a:lightRig rig="threePt" dir="t"/>
-    </dgm:scene3d>
-    <dgm:sp3d/>
-    <dgm:txPr/>
-    <dgm:style>
-      <a:lnRef idx="2">
-        <a:scrgbClr r="0" g="0" b="0"/>
-      </a:lnRef>
-      <a:fillRef idx="1">
-        <a:scrgbClr r="0" g="0" b="0"/>
-      </a:fillRef>
-      <a:effectRef idx="0">
-        <a:scrgbClr r="0" g="0" b="0"/>
-      </a:effectRef>
-      <a:fontRef idx="minor">
-        <a:schemeClr val="lt1"/>
-      </a:fontRef>
-    </dgm:style>
-  </dgm:styleLbl>
-  <dgm:styleLbl name="parChTrans2D2">
-    <dgm:scene3d>
-      <a:camera prst="orthographicFront"/>
-      <a:lightRig rig="threePt" dir="t"/>
-    </dgm:scene3d>
-    <dgm:sp3d/>
-    <dgm:txPr/>
-    <dgm:style>
-      <a:lnRef idx="2">
-        <a:scrgbClr r="0" g="0" b="0"/>
-      </a:lnRef>
-      <a:fillRef idx="1">
-        <a:scrgbClr r="0" g="0" b="0"/>
-      </a:fillRef>
-      <a:effectRef idx="0">
-        <a:scrgbClr r="0" g="0" b="0"/>
-      </a:effectRef>
-      <a:fontRef idx="minor">
-        <a:schemeClr val="lt1"/>
-      </a:fontRef>
-    </dgm:style>
-  </dgm:styleLbl>
-  <dgm:styleLbl name="parChTrans2D3">
-    <dgm:scene3d>
-      <a:camera prst="orthographicFront"/>
-      <a:lightRig rig="threePt" dir="t"/>
-    </dgm:scene3d>
-    <dgm:sp3d/>
-    <dgm:txPr/>
-    <dgm:style>
-      <a:lnRef idx="2">
-        <a:scrgbClr r="0" g="0" b="0"/>
-      </a:lnRef>
-      <a:fillRef idx="1">
-        <a:scrgbClr r="0" g="0" b="0"/>
-      </a:fillRef>
-      <a:effectRef idx="0">
-        <a:scrgbClr r="0" g="0" b="0"/>
-      </a:effectRef>
-      <a:fontRef idx="minor">
-        <a:schemeClr val="lt1"/>
-      </a:fontRef>
-    </dgm:style>
-  </dgm:styleLbl>
-  <dgm:styleLbl name="parChTrans2D4">
-    <dgm:scene3d>
-      <a:camera prst="orthographicFront"/>
-      <a:lightRig rig="threePt" dir="t"/>
-    </dgm:scene3d>
-    <dgm:sp3d/>
-    <dgm:txPr/>
-    <dgm:style>
-      <a:lnRef idx="2">
-        <a:scrgbClr r="0" g="0" b="0"/>
-      </a:lnRef>
-      <a:fillRef idx="1">
-        <a:scrgbClr r="0" g="0" b="0"/>
-      </a:fillRef>
-      <a:effectRef idx="0">
-        <a:scrgbClr r="0" g="0" b="0"/>
-      </a:effectRef>
-      <a:fontRef idx="minor">
-        <a:schemeClr val="lt1"/>
-      </a:fontRef>
-    </dgm:style>
-  </dgm:styleLbl>
-  <dgm:styleLbl name="parChTrans1D1">
-    <dgm:scene3d>
-      <a:camera prst="orthographicFront"/>
-      <a:lightRig rig="threePt" dir="t"/>
-    </dgm:scene3d>
-    <dgm:sp3d/>
-    <dgm:txPr/>
-    <dgm:style>
-      <a:lnRef idx="2">
-        <a:scrgbClr r="0" g="0" b="0"/>
-      </a:lnRef>
-      <a:fillRef idx="0">
-        <a:scrgbClr r="0" g="0" b="0"/>
-      </a:fillRef>
-      <a:effectRef idx="0">
-        <a:scrgbClr r="0" g="0" b="0"/>
-      </a:effectRef>
-      <a:fontRef idx="minor"/>
-    </dgm:style>
-  </dgm:styleLbl>
-  <dgm:styleLbl name="parChTrans1D2">
-    <dgm:scene3d>
-      <a:camera prst="orthographicFront"/>
-      <a:lightRig rig="threePt" dir="t"/>
-    </dgm:scene3d>
-    <dgm:sp3d/>
-    <dgm:txPr/>
-    <dgm:style>
-      <a:lnRef idx="2">
-        <a:scrgbClr r="0" g="0" b="0"/>
-      </a:lnRef>
-      <a:fillRef idx="0">
-        <a:scrgbClr r="0" g="0" b="0"/>
-      </a:fillRef>
-      <a:effectRef idx="0">
-        <a:scrgbClr r="0" g="0" b="0"/>
-      </a:effectRef>
-      <a:fontRef idx="minor"/>
-    </dgm:style>
-  </dgm:styleLbl>
-  <dgm:styleLbl name="parChTrans1D3">
-    <dgm:scene3d>
-      <a:camera prst="orthographicFront"/>
-      <a:lightRig rig="threePt" dir="t"/>
-    </dgm:scene3d>
-    <dgm:sp3d/>
-    <dgm:txPr/>
-    <dgm:style>
-      <a:lnRef idx="2">
-        <a:scrgbClr r="0" g="0" b="0"/>
-      </a:lnRef>
-      <a:fillRef idx="0">
-        <a:scrgbClr r="0" g="0" b="0"/>
-      </a:fillRef>
-      <a:effectRef idx="0">
-        <a:scrgbClr r="0" g="0" b="0"/>
-      </a:effectRef>
-      <a:fontRef idx="minor"/>
-    </dgm:style>
-  </dgm:styleLbl>
-  <dgm:styleLbl name="parChTrans1D4">
-    <dgm:scene3d>
-      <a:camera prst="orthographicFront"/>
-      <a:lightRig rig="threePt" dir="t"/>
-    </dgm:scene3d>
-    <dgm:sp3d/>
-    <dgm:txPr/>
-    <dgm:style>
-      <a:lnRef idx="2">
-        <a:scrgbClr r="0" g="0" b="0"/>
-      </a:lnRef>
-      <a:fillRef idx="0">
-        <a:scrgbClr r="0" g="0" b="0"/>
-      </a:fillRef>
-      <a:effectRef idx="0">
-        <a:scrgbClr r="0" g="0" b="0"/>
-      </a:effectRef>
-      <a:fontRef idx="minor"/>
-    </dgm:style>
-  </dgm:styleLbl>
-  <dgm:styleLbl name="fgAcc1">
-    <dgm:scene3d>
-      <a:camera prst="orthographicFront"/>
-      <a:lightRig rig="threePt" dir="t"/>
-    </dgm:scene3d>
-    <dgm:sp3d/>
-    <dgm:txPr/>
-    <dgm:style>
-      <a:lnRef idx="2">
-        <a:scrgbClr r="0" g="0" b="0"/>
-      </a:lnRef>
-      <a:fillRef idx="1">
-        <a:scrgbClr r="0" g="0" b="0"/>
-      </a:fillRef>
-      <a:effectRef idx="0">
-        <a:scrgbClr r="0" g="0" b="0"/>
-      </a:effectRef>
-      <a:fontRef idx="minor"/>
-    </dgm:style>
-  </dgm:styleLbl>
-  <dgm:styleLbl name="conFgAcc1">
-    <dgm:scene3d>
-      <a:camera prst="orthographicFront"/>
-      <a:lightRig rig="threePt" dir="t"/>
-    </dgm:scene3d>
-    <dgm:sp3d/>
-    <dgm:txPr/>
-    <dgm:style>
-      <a:lnRef idx="2">
-        <a:scrgbClr r="0" g="0" b="0"/>
-      </a:lnRef>
-      <a:fillRef idx="1">
-        <a:scrgbClr r="0" g="0" b="0"/>
-      </a:fillRef>
-      <a:effectRef idx="0">
-        <a:scrgbClr r="0" g="0" b="0"/>
-      </a:effectRef>
-      <a:fontRef idx="minor"/>
-    </dgm:style>
-  </dgm:styleLbl>
-  <dgm:styleLbl name="alignAcc1">
-    <dgm:scene3d>
-      <a:camera prst="orthographicFront"/>
-      <a:lightRig rig="threePt" dir="t"/>
-    </dgm:scene3d>
-    <dgm:sp3d/>
-    <dgm:txPr/>
-    <dgm:style>
-      <a:lnRef idx="2">
-        <a:scrgbClr r="0" g="0" b="0"/>
-      </a:lnRef>
-      <a:fillRef idx="1">
-        <a:scrgbClr r="0" g="0" b="0"/>
-      </a:fillRef>
-      <a:effectRef idx="0">
-        <a:scrgbClr r="0" g="0" b="0"/>
-      </a:effectRef>
-      <a:fontRef idx="minor"/>
-    </dgm:style>
-  </dgm:styleLbl>
-  <dgm:styleLbl name="trAlignAcc1">
-    <dgm:scene3d>
-      <a:camera prst="orthographicFront"/>
-      <a:lightRig rig="threePt" dir="t"/>
-    </dgm:scene3d>
-    <dgm:sp3d/>
-    <dgm:txPr/>
-    <dgm:style>
-      <a:lnRef idx="1">
-        <a:scrgbClr r="0" g="0" b="0"/>
-      </a:lnRef>
-      <a:fillRef idx="1">
-        <a:scrgbClr r="0" g="0" b="0"/>
-      </a:fillRef>
-      <a:effectRef idx="0">
-        <a:scrgbClr r="0" g="0" b="0"/>
-      </a:effectRef>
-      <a:fontRef idx="minor"/>
-    </dgm:style>
-  </dgm:styleLbl>
-  <dgm:styleLbl name="bgAcc1">
-    <dgm:scene3d>
-      <a:camera prst="orthographicFront"/>
-      <a:lightRig rig="threePt" dir="t"/>
-    </dgm:scene3d>
-    <dgm:sp3d/>
-    <dgm:txPr/>
-    <dgm:style>
-      <a:lnRef idx="2">
-        <a:scrgbClr r="0" g="0" b="0"/>
-      </a:lnRef>
-      <a:fillRef idx="1">
-        <a:scrgbClr r="0" g="0" b="0"/>
-      </a:fillRef>
-      <a:effectRef idx="0">
-        <a:scrgbClr r="0" g="0" b="0"/>
-      </a:effectRef>
-      <a:fontRef idx="minor"/>
-    </dgm:style>
-  </dgm:styleLbl>
-  <dgm:styleLbl name="solidFgAcc1">
-    <dgm:scene3d>
-      <a:camera prst="orthographicFront"/>
-      <a:lightRig rig="threePt" dir="t"/>
-    </dgm:scene3d>
-    <dgm:sp3d/>
-    <dgm:txPr/>
-    <dgm:style>
-      <a:lnRef idx="2">
-        <a:scrgbClr r="0" g="0" b="0"/>
-      </a:lnRef>
-      <a:fillRef idx="1">
-        <a:scrgbClr r="0" g="0" b="0"/>
-      </a:fillRef>
-      <a:effectRef idx="0">
-        <a:scrgbClr r="0" g="0" b="0"/>
-      </a:effectRef>
-      <a:fontRef idx="minor"/>
-    </dgm:style>
-  </dgm:styleLbl>
-  <dgm:styleLbl name="solidAlignAcc1">
-    <dgm:scene3d>
-      <a:camera prst="orthographicFront"/>
-      <a:lightRig rig="threePt" dir="t"/>
-    </dgm:scene3d>
-    <dgm:sp3d/>
-    <dgm:txPr/>
-    <dgm:style>
-      <a:lnRef idx="2">
-        <a:scrgbClr r="0" g="0" b="0"/>
-      </a:lnRef>
-      <a:fillRef idx="1">
-        <a:scrgbClr r="0" g="0" b="0"/>
-      </a:fillRef>
-      <a:effectRef idx="0">
-        <a:scrgbClr r="0" g="0" b="0"/>
-      </a:effectRef>
-      <a:fontRef idx="minor"/>
-    </dgm:style>
-  </dgm:styleLbl>
-  <dgm:styleLbl name="solidBgAcc1">
-    <dgm:scene3d>
-      <a:camera prst="orthographicFront"/>
-      <a:lightRig rig="threePt" dir="t"/>
-    </dgm:scene3d>
-    <dgm:sp3d/>
-    <dgm:txPr/>
-    <dgm:style>
-      <a:lnRef idx="2">
-        <a:scrgbClr r="0" g="0" b="0"/>
-      </a:lnRef>
-      <a:fillRef idx="1">
-        <a:scrgbClr r="0" g="0" b="0"/>
-      </a:fillRef>
-      <a:effectRef idx="0">
-        <a:scrgbClr r="0" g="0" b="0"/>
-      </a:effectRef>
-      <a:fontRef idx="minor"/>
-    </dgm:style>
-  </dgm:styleLbl>
-  <dgm:styleLbl name="fgAccFollowNode1">
-    <dgm:scene3d>
-      <a:camera prst="orthographicFront"/>
-      <a:lightRig rig="threePt" dir="t"/>
-    </dgm:scene3d>
-    <dgm:sp3d/>
-    <dgm:txPr/>
-    <dgm:style>
-      <a:lnRef idx="2">
-        <a:scrgbClr r="0" g="0" b="0"/>
-      </a:lnRef>
-      <a:fillRef idx="1">
-        <a:scrgbClr r="0" g="0" b="0"/>
-      </a:fillRef>
-      <a:effectRef idx="0">
-        <a:scrgbClr r="0" g="0" b="0"/>
-      </a:effectRef>
-      <a:fontRef idx="minor"/>
-    </dgm:style>
-  </dgm:styleLbl>
-  <dgm:styleLbl name="alignAccFollowNode1">
-    <dgm:scene3d>
-      <a:camera prst="orthographicFront"/>
-      <a:lightRig rig="threePt" dir="t"/>
-    </dgm:scene3d>
-    <dgm:sp3d/>
-    <dgm:txPr/>
-    <dgm:style>
-      <a:lnRef idx="2">
-        <a:scrgbClr r="0" g="0" b="0"/>
-      </a:lnRef>
-      <a:fillRef idx="1">
-        <a:scrgbClr r="0" g="0" b="0"/>
-      </a:fillRef>
-      <a:effectRef idx="0">
-        <a:scrgbClr r="0" g="0" b="0"/>
-      </a:effectRef>
-      <a:fontRef idx="minor"/>
-    </dgm:style>
-  </dgm:styleLbl>
-  <dgm:styleLbl name="bgAccFollowNode1">
-    <dgm:scene3d>
-      <a:camera prst="orthographicFront"/>
-      <a:lightRig rig="threePt" dir="t"/>
-    </dgm:scene3d>
-    <dgm:sp3d/>
-    <dgm:txPr/>
-    <dgm:style>
-      <a:lnRef idx="2">
-        <a:scrgbClr r="0" g="0" b="0"/>
-      </a:lnRef>
-      <a:fillRef idx="1">
-        <a:scrgbClr r="0" g="0" b="0"/>
-      </a:fillRef>
-      <a:effectRef idx="0">
-        <a:scrgbClr r="0" g="0" b="0"/>
-      </a:effectRef>
-      <a:fontRef idx="minor"/>
-    </dgm:style>
-  </dgm:styleLbl>
-  <dgm:styleLbl name="fgAcc0">
-    <dgm:scene3d>
-      <a:camera prst="orthographicFront"/>
-      <a:lightRig rig="threePt" dir="t"/>
-    </dgm:scene3d>
-    <dgm:sp3d/>
-    <dgm:txPr/>
-    <dgm:style>
-      <a:lnRef idx="2">
-        <a:scrgbClr r="0" g="0" b="0"/>
-      </a:lnRef>
-      <a:fillRef idx="1">
-        <a:scrgbClr r="0" g="0" b="0"/>
-      </a:fillRef>
-      <a:effectRef idx="0">
-        <a:scrgbClr r="0" g="0" b="0"/>
-      </a:effectRef>
-      <a:fontRef idx="minor"/>
-    </dgm:style>
-  </dgm:styleLbl>
-  <dgm:styleLbl name="fgAcc2">
-    <dgm:scene3d>
-      <a:camera prst="orthographicFront"/>
-      <a:lightRig rig="threePt" dir="t"/>
-    </dgm:scene3d>
-    <dgm:sp3d/>
-    <dgm:txPr/>
-    <dgm:style>
-      <a:lnRef idx="2">
-        <a:scrgbClr r="0" g="0" b="0"/>
-      </a:lnRef>
-      <a:fillRef idx="1">
-        <a:scrgbClr r="0" g="0" b="0"/>
-      </a:fillRef>
-      <a:effectRef idx="0">
-        <a:scrgbClr r="0" g="0" b="0"/>
-      </a:effectRef>
-      <a:fontRef idx="minor"/>
-    </dgm:style>
-  </dgm:styleLbl>
-  <dgm:styleLbl name="fgAcc3">
-    <dgm:scene3d>
-      <a:camera prst="orthographicFront"/>
-      <a:lightRig rig="threePt" dir="t"/>
-    </dgm:scene3d>
-    <dgm:sp3d/>
-    <dgm:txPr/>
-    <dgm:style>
-      <a:lnRef idx="2">
-        <a:scrgbClr r="0" g="0" b="0"/>
-      </a:lnRef>
-      <a:fillRef idx="1">
-        <a:scrgbClr r="0" g="0" b="0"/>
-      </a:fillRef>
-      <a:effectRef idx="0">
-        <a:scrgbClr r="0" g="0" b="0"/>
-      </a:effectRef>
-      <a:fontRef idx="minor"/>
-    </dgm:style>
-  </dgm:styleLbl>
-  <dgm:styleLbl name="fgAcc4">
-    <dgm:scene3d>
-      <a:camera prst="orthographicFront"/>
-      <a:lightRig rig="threePt" dir="t"/>
-    </dgm:scene3d>
-    <dgm:sp3d/>
-    <dgm:txPr/>
-    <dgm:style>
-      <a:lnRef idx="2">
-        <a:scrgbClr r="0" g="0" b="0"/>
-      </a:lnRef>
-      <a:fillRef idx="1">
-        <a:scrgbClr r="0" g="0" b="0"/>
-      </a:fillRef>
-      <a:effectRef idx="0">
-        <a:scrgbClr r="0" g="0" b="0"/>
-      </a:effectRef>
-      <a:fontRef idx="minor"/>
-    </dgm:style>
-  </dgm:styleLbl>
-  <dgm:styleLbl name="bgShp">
-    <dgm:scene3d>
-      <a:camera prst="orthographicFront"/>
-      <a:lightRig rig="threePt" dir="t"/>
-    </dgm:scene3d>
-    <dgm:sp3d/>
-    <dgm:txPr/>
-    <dgm:style>
-      <a:lnRef idx="0">
-        <a:scrgbClr r="0" g="0" b="0"/>
-      </a:lnRef>
-      <a:fillRef idx="1">
-        <a:scrgbClr r="0" g="0" b="0"/>
-      </a:fillRef>
-      <a:effectRef idx="0">
-        <a:scrgbClr r="0" g="0" b="0"/>
-      </a:effectRef>
-      <a:fontRef idx="minor"/>
-    </dgm:style>
-  </dgm:styleLbl>
-  <dgm:styleLbl name="dkBgShp">
-    <dgm:scene3d>
-      <a:camera prst="orthographicFront"/>
-      <a:lightRig rig="threePt" dir="t"/>
-    </dgm:scene3d>
-    <dgm:sp3d/>
-    <dgm:txPr/>
-    <dgm:style>
-      <a:lnRef idx="0">
-        <a:scrgbClr r="0" g="0" b="0"/>
-      </a:lnRef>
-      <a:fillRef idx="1">
-        <a:scrgbClr r="0" g="0" b="0"/>
-      </a:fillRef>
-      <a:effectRef idx="0">
-        <a:scrgbClr r="0" g="0" b="0"/>
-      </a:effectRef>
-      <a:fontRef idx="minor"/>
-    </dgm:style>
-  </dgm:styleLbl>
-  <dgm:styleLbl name="trBgShp">
-    <dgm:scene3d>
-      <a:camera prst="orthographicFront"/>
-      <a:lightRig rig="threePt" dir="t"/>
-    </dgm:scene3d>
-    <dgm:sp3d/>
-    <dgm:txPr/>
-    <dgm:style>
-      <a:lnRef idx="0">
-        <a:scrgbClr r="0" g="0" b="0"/>
-      </a:lnRef>
-      <a:fillRef idx="1">
-        <a:scrgbClr r="0" g="0" b="0"/>
-      </a:fillRef>
-      <a:effectRef idx="0">
-        <a:scrgbClr r="0" g="0" b="0"/>
-      </a:effectRef>
-      <a:fontRef idx="minor"/>
-    </dgm:style>
-  </dgm:styleLbl>
-  <dgm:styleLbl name="fgShp">
-    <dgm:scene3d>
-      <a:camera prst="orthographicFront"/>
-      <a:lightRig rig="threePt" dir="t"/>
-    </dgm:scene3d>
-    <dgm:sp3d/>
-    <dgm:txPr/>
-    <dgm:style>
-      <a:lnRef idx="2">
-        <a:scrgbClr r="0" g="0" b="0"/>
-      </a:lnRef>
-      <a:fillRef idx="1">
-        <a:scrgbClr r="0" g="0" b="0"/>
-      </a:fillRef>
-      <a:effectRef idx="0">
-        <a:scrgbClr r="0" g="0" b="0"/>
-      </a:effectRef>
-      <a:fontRef idx="minor"/>
-    </dgm:style>
-  </dgm:styleLbl>
-  <dgm:styleLbl name="revTx">
-    <dgm:scene3d>
-      <a:camera prst="orthographicFront"/>
-      <a:lightRig rig="threePt" dir="t"/>
-    </dgm:scene3d>
-    <dgm:sp3d/>
-    <dgm:txPr/>
-    <dgm:style>
-      <a:lnRef idx="0">
-        <a:scrgbClr r="0" g="0" b="0"/>
-      </a:lnRef>
-      <a:fillRef idx="0">
-        <a:scrgbClr r="0" g="0" b="0"/>
-      </a:fillRef>
-      <a:effectRef idx="0">
-        <a:scrgbClr r="0" g="0" b="0"/>
-      </a:effectRef>
-      <a:fontRef idx="minor"/>
-    </dgm:style>
-  </dgm:styleLbl>
-</dgm:styleDef>
-</file>
-
 <file path=ppt/slideLayouts/slideLayout1.xml><?xml version="1.0" encoding="utf-8"?>
 <p:sldLayout xmlns:a="http://schemas.openxmlformats.org/drawingml/2006/main" xmlns:r="http://schemas.openxmlformats.org/officeDocument/2006/relationships" xmlns:p="http://schemas.openxmlformats.org/presentationml/2006/main" showMasterSp="0" type="title" preserve="1">
   <p:cSld name="Title Slide">
@@ -4229,7 +381,7 @@
           <a:p>
             <a:fld id="{9184DA70-C731-4C70-880D-CCD4705E623C}" type="datetime1">
               <a:rPr lang="en-US" smtClean="0"/>
-              <a:t>10/4/2024</a:t>
+              <a:t>10/5/2024</a:t>
             </a:fld>
             <a:endParaRPr lang="en-US" dirty="0"/>
           </a:p>
@@ -4417,7 +569,7 @@
           <a:p>
             <a:fld id="{4BE1D723-8F53-4F53-90B0-1982A396982E}" type="datetime1">
               <a:rPr lang="en-US" smtClean="0"/>
-              <a:t>10/4/2024</a:t>
+              <a:t>10/5/2024</a:t>
             </a:fld>
             <a:endParaRPr lang="en-US" dirty="0"/>
           </a:p>
@@ -4790,7 +942,7 @@
           <a:p>
             <a:fld id="{97669AF7-7BEB-44E4-9852-375E34362B5B}" type="datetime1">
               <a:rPr lang="en-US" smtClean="0"/>
-              <a:t>10/4/2024</a:t>
+              <a:t>10/5/2024</a:t>
             </a:fld>
             <a:endParaRPr lang="en-US" dirty="0"/>
           </a:p>
@@ -5045,7 +1197,7 @@
           <a:p>
             <a:fld id="{BAAAC38D-0552-4C82-B593-E6124DFADBE2}" type="datetime1">
               <a:rPr lang="en-US" smtClean="0"/>
-              <a:t>10/4/2024</a:t>
+              <a:t>10/5/2024</a:t>
             </a:fld>
             <a:endParaRPr lang="en-US" dirty="0"/>
           </a:p>
@@ -5442,7 +1594,7 @@
           <a:p>
             <a:fld id="{D9DF0F1C-5577-4ACB-BB62-DF8F3C494C7E}" type="datetime1">
               <a:rPr lang="en-US" smtClean="0"/>
-              <a:t>10/4/2024</a:t>
+              <a:t>10/5/2024</a:t>
             </a:fld>
             <a:endParaRPr lang="en-US" dirty="0"/>
           </a:p>
@@ -5578,7 +1730,7 @@
           <a:p>
             <a:fld id="{1775B394-D9F9-4F0C-B15D-605F45CB9E9F}" type="datetime1">
               <a:rPr lang="en-US" smtClean="0"/>
-              <a:t>10/4/2024</a:t>
+              <a:t>10/5/2024</a:t>
             </a:fld>
             <a:endParaRPr lang="en-US" dirty="0"/>
           </a:p>
@@ -5735,7 +1887,7 @@
           <a:p>
             <a:fld id="{39667345-2558-425A-8533-9BFDBCE15005}" type="datetime1">
               <a:rPr lang="en-US" smtClean="0"/>
-              <a:t>10/4/2024</a:t>
+              <a:t>10/5/2024</a:t>
             </a:fld>
             <a:endParaRPr lang="en-US" dirty="0"/>
           </a:p>
@@ -6064,7 +2216,7 @@
           <a:p>
             <a:fld id="{92BEA474-078D-4E9B-9B14-09A87B19DC46}" type="datetime1">
               <a:rPr lang="en-US" smtClean="0"/>
-              <a:t>10/4/2024</a:t>
+              <a:t>10/5/2024</a:t>
             </a:fld>
             <a:endParaRPr lang="en-US" dirty="0"/>
           </a:p>
@@ -6414,7 +2566,7 @@
           <a:p>
             <a:fld id="{4907D986-8816-4272-A432-0437A28A9828}" type="datetime1">
               <a:rPr lang="en-US" smtClean="0"/>
-              <a:t>10/4/2024</a:t>
+              <a:t>10/5/2024</a:t>
             </a:fld>
             <a:endParaRPr lang="en-US" dirty="0"/>
           </a:p>
@@ -6675,7 +2827,7 @@
           <a:p>
             <a:fld id="{62D6E202-B606-4609-B914-27C9371A1F6D}" type="datetime1">
               <a:rPr lang="en-US" smtClean="0"/>
-              <a:t>10/4/2024</a:t>
+              <a:t>10/5/2024</a:t>
             </a:fld>
             <a:endParaRPr lang="en-US" dirty="0"/>
           </a:p>
@@ -7894,10 +4046,52 @@
         </p:nvSpPr>
         <p:spPr/>
         <p:txBody>
-          <a:bodyPr/>
+          <a:bodyPr>
+            <a:normAutofit/>
+          </a:bodyPr>
           <a:lstStyle/>
           <a:p>
-            <a:endParaRPr lang="en-ID"/>
+            <a:r>
+              <a:rPr lang="en-US" sz="3200" dirty="0">
+                <a:solidFill>
+                  <a:schemeClr val="tx1">
+                    <a:lumMod val="95000"/>
+                    <a:lumOff val="5000"/>
+                  </a:schemeClr>
+                </a:solidFill>
+              </a:rPr>
+              <a:t>these type of business relationships are often overshadowed by trust issues, particularly concerning financial aspects, Especially their </a:t>
+            </a:r>
+            <a:r>
+              <a:rPr lang="en-US" sz="3200" b="1" dirty="0">
+                <a:solidFill>
+                  <a:schemeClr val="tx1">
+                    <a:lumMod val="95000"/>
+                    <a:lumOff val="5000"/>
+                  </a:schemeClr>
+                </a:solidFill>
+              </a:rPr>
+              <a:t>expenses.</a:t>
+            </a:r>
+            <a:r>
+              <a:rPr lang="en-US" sz="3200" dirty="0">
+                <a:solidFill>
+                  <a:schemeClr val="tx1">
+                    <a:lumMod val="95000"/>
+                    <a:lumOff val="5000"/>
+                  </a:schemeClr>
+                </a:solidFill>
+              </a:rPr>
+              <a:t> </a:t>
+            </a:r>
+            <a:endParaRPr lang="en-ID" sz="3200" dirty="0">
+              <a:solidFill>
+                <a:schemeClr val="tx1">
+                  <a:lumMod val="95000"/>
+                  <a:lumOff val="5000"/>
+                </a:schemeClr>
+              </a:solidFill>
+            </a:endParaRPr>
           </a:p>
         </p:txBody>
       </p:sp>
@@ -7936,7 +4130,7 @@
           <p:cNvPr id="2" name="Title 1">
             <a:extLst>
               <a:ext uri="{FF2B5EF4-FFF2-40B4-BE49-F238E27FC236}">
-                <a16:creationId xmlns:a16="http://schemas.microsoft.com/office/drawing/2014/main" id="{4F76CB32-901A-4DA0-AA8A-9A7B5A88BFCD}"/>
+                <a16:creationId xmlns:a16="http://schemas.microsoft.com/office/drawing/2014/main" id="{3A2A91E1-B767-22B7-CAFA-DD70B1EB940D}"/>
               </a:ext>
             </a:extLst>
           </p:cNvPr>
@@ -7947,12 +4141,36 @@
             <p:ph type="title"/>
           </p:nvPr>
         </p:nvSpPr>
-        <p:spPr>
-          <a:xfrm>
-            <a:off x="1097280" y="286603"/>
-            <a:ext cx="10058400" cy="1450757"/>
-          </a:xfrm>
-        </p:spPr>
+        <p:spPr/>
+        <p:txBody>
+          <a:bodyPr/>
+          <a:lstStyle/>
+          <a:p>
+            <a:r>
+              <a:rPr lang="en-GB" dirty="0"/>
+              <a:t>Problems</a:t>
+            </a:r>
+            <a:endParaRPr lang="en-ID" dirty="0"/>
+          </a:p>
+        </p:txBody>
+      </p:sp>
+      <p:sp>
+        <p:nvSpPr>
+          <p:cNvPr id="3" name="Content Placeholder 2">
+            <a:extLst>
+              <a:ext uri="{FF2B5EF4-FFF2-40B4-BE49-F238E27FC236}">
+                <a16:creationId xmlns:a16="http://schemas.microsoft.com/office/drawing/2014/main" id="{CFADCE10-CDF4-9CF9-89EF-06A4F3D6B92E}"/>
+              </a:ext>
+            </a:extLst>
+          </p:cNvPr>
+          <p:cNvSpPr>
+            <a:spLocks noGrp="1"/>
+          </p:cNvSpPr>
+          <p:nvPr>
+            <p:ph idx="1"/>
+          </p:nvPr>
+        </p:nvSpPr>
+        <p:spPr/>
         <p:txBody>
           <a:bodyPr>
             <a:normAutofit/>
@@ -7960,42 +4178,705 @@
           <a:lstStyle/>
           <a:p>
             <a:r>
-              <a:rPr lang="en-US" dirty="0"/>
-              <a:t>What is Multi Company?</a:t>
-            </a:r>
-          </a:p>
-        </p:txBody>
-      </p:sp>
-      <p:graphicFrame>
-        <p:nvGraphicFramePr>
-          <p:cNvPr id="14" name="Content Placeholder 2" descr="SmartArt timeline">
-            <a:extLst>
-              <a:ext uri="{FF2B5EF4-FFF2-40B4-BE49-F238E27FC236}">
-                <a16:creationId xmlns:a16="http://schemas.microsoft.com/office/drawing/2014/main" id="{62612D72-5A4E-430E-8505-B2C209DA7C74}"/>
-              </a:ext>
-            </a:extLst>
-          </p:cNvPr>
-          <p:cNvGraphicFramePr>
-            <a:graphicFrameLocks noGrp="1"/>
-          </p:cNvGraphicFramePr>
-          <p:nvPr>
-            <p:ph idx="1"/>
-          </p:nvPr>
-        </p:nvGraphicFramePr>
-        <p:xfrm>
-          <a:off x="1096963" y="2098515"/>
-          <a:ext cx="10058400" cy="3786080"/>
-        </p:xfrm>
-        <a:graphic>
-          <a:graphicData uri="http://schemas.openxmlformats.org/drawingml/2006/diagram">
-            <dgm:relIds xmlns:dgm="http://schemas.openxmlformats.org/drawingml/2006/diagram" xmlns:r="http://schemas.openxmlformats.org/officeDocument/2006/relationships" r:dm="rId2" r:lo="rId3" r:qs="rId4" r:cs="rId5"/>
-          </a:graphicData>
-        </a:graphic>
-      </p:graphicFrame>
+              <a:rPr lang="en-US" sz="3600" dirty="0">
+                <a:solidFill>
+                  <a:schemeClr val="tx1">
+                    <a:lumMod val="95000"/>
+                    <a:lumOff val="5000"/>
+                  </a:schemeClr>
+                </a:solidFill>
+              </a:rPr>
+              <a:t>Trust issues in the context of finance between these companies can affect the stability, growth, and sustainability of their business collaborations.</a:t>
+            </a:r>
+            <a:endParaRPr lang="en-ID" sz="3600" dirty="0"/>
+          </a:p>
+        </p:txBody>
+      </p:sp>
     </p:spTree>
     <p:extLst>
       <p:ext uri="{BB962C8B-B14F-4D97-AF65-F5344CB8AC3E}">
-        <p14:creationId xmlns:p14="http://schemas.microsoft.com/office/powerpoint/2010/main" val="338169896"/>
+        <p14:creationId xmlns:p14="http://schemas.microsoft.com/office/powerpoint/2010/main" val="1350195068"/>
+      </p:ext>
+    </p:extLst>
+  </p:cSld>
+  <p:clrMapOvr>
+    <a:masterClrMapping/>
+  </p:clrMapOvr>
+</p:sld>
+</file>
+
+<file path=ppt/slides/slide14.xml><?xml version="1.0" encoding="utf-8"?>
+<p:sld xmlns:a="http://schemas.openxmlformats.org/drawingml/2006/main" xmlns:r="http://schemas.openxmlformats.org/officeDocument/2006/relationships" xmlns:p="http://schemas.openxmlformats.org/presentationml/2006/main">
+  <p:cSld>
+    <p:spTree>
+      <p:nvGrpSpPr>
+        <p:cNvPr id="1" name=""/>
+        <p:cNvGrpSpPr/>
+        <p:nvPr/>
+      </p:nvGrpSpPr>
+      <p:grpSpPr>
+        <a:xfrm>
+          <a:off x="0" y="0"/>
+          <a:ext cx="0" cy="0"/>
+          <a:chOff x="0" y="0"/>
+          <a:chExt cx="0" cy="0"/>
+        </a:xfrm>
+      </p:grpSpPr>
+      <p:sp>
+        <p:nvSpPr>
+          <p:cNvPr id="2" name="Title 1">
+            <a:extLst>
+              <a:ext uri="{FF2B5EF4-FFF2-40B4-BE49-F238E27FC236}">
+                <a16:creationId xmlns:a16="http://schemas.microsoft.com/office/drawing/2014/main" id="{4010AF38-26DF-48B3-952C-4A9091D6863C}"/>
+              </a:ext>
+            </a:extLst>
+          </p:cNvPr>
+          <p:cNvSpPr>
+            <a:spLocks noGrp="1"/>
+          </p:cNvSpPr>
+          <p:nvPr>
+            <p:ph type="ctrTitle"/>
+          </p:nvPr>
+        </p:nvSpPr>
+        <p:spPr>
+          <a:xfrm>
+            <a:off x="4905134" y="687372"/>
+            <a:ext cx="6253317" cy="3686015"/>
+          </a:xfrm>
+        </p:spPr>
+        <p:txBody>
+          <a:bodyPr>
+            <a:noAutofit/>
+          </a:bodyPr>
+          <a:lstStyle/>
+          <a:p>
+            <a:br>
+              <a:rPr lang="en-GB" sz="4400" dirty="0"/>
+            </a:br>
+            <a:br>
+              <a:rPr lang="en-GB" sz="4400" dirty="0"/>
+            </a:br>
+            <a:r>
+              <a:rPr lang="en-GB" sz="4400" dirty="0"/>
+              <a:t>What are examples of expenses that can cause trust issues in a multi-company?</a:t>
+            </a:r>
+            <a:endParaRPr lang="en-US" sz="4400" dirty="0"/>
+          </a:p>
+        </p:txBody>
+      </p:sp>
+      <p:pic>
+        <p:nvPicPr>
+          <p:cNvPr id="6" name="Picture 5">
+            <a:extLst>
+              <a:ext uri="{FF2B5EF4-FFF2-40B4-BE49-F238E27FC236}">
+                <a16:creationId xmlns:a16="http://schemas.microsoft.com/office/drawing/2014/main" id="{308AC96E-AA33-4309-B51D-072F59E6EC0B}"/>
+              </a:ext>
+              <a:ext uri="{C183D7F6-B498-43B3-948B-1728B52AA6E4}">
+                <adec:decorative xmlns:adec="http://schemas.microsoft.com/office/drawing/2017/decorative" val="1"/>
+              </a:ext>
+            </a:extLst>
+          </p:cNvPr>
+          <p:cNvPicPr>
+            <a:picLocks noChangeAspect="1"/>
+          </p:cNvPicPr>
+          <p:nvPr/>
+        </p:nvPicPr>
+        <p:blipFill rotWithShape="1">
+          <a:blip r:embed="rId2">
+            <a:extLst>
+              <a:ext uri="{28A0092B-C50C-407E-A947-70E740481C1C}">
+                <a14:useLocalDpi xmlns:a14="http://schemas.microsoft.com/office/drawing/2010/main" val="0"/>
+              </a:ext>
+            </a:extLst>
+          </a:blip>
+          <a:srcRect/>
+          <a:stretch/>
+        </p:blipFill>
+        <p:spPr>
+          <a:xfrm>
+            <a:off x="0" y="1"/>
+            <a:ext cx="4635315" cy="6857999"/>
+          </a:xfrm>
+          <a:prstGeom prst="rect">
+            <a:avLst/>
+          </a:prstGeom>
+        </p:spPr>
+      </p:pic>
+      <p:sp>
+        <p:nvSpPr>
+          <p:cNvPr id="5" name="Subtitle 4">
+            <a:extLst>
+              <a:ext uri="{FF2B5EF4-FFF2-40B4-BE49-F238E27FC236}">
+                <a16:creationId xmlns:a16="http://schemas.microsoft.com/office/drawing/2014/main" id="{AB4F1283-76BC-1169-2AED-E3ECC4801076}"/>
+              </a:ext>
+            </a:extLst>
+          </p:cNvPr>
+          <p:cNvSpPr>
+            <a:spLocks noGrp="1"/>
+          </p:cNvSpPr>
+          <p:nvPr>
+            <p:ph type="subTitle" idx="1"/>
+          </p:nvPr>
+        </p:nvSpPr>
+        <p:spPr/>
+        <p:txBody>
+          <a:bodyPr/>
+          <a:lstStyle/>
+          <a:p>
+            <a:endParaRPr lang="en-ID"/>
+          </a:p>
+        </p:txBody>
+      </p:sp>
+    </p:spTree>
+    <p:extLst>
+      <p:ext uri="{BB962C8B-B14F-4D97-AF65-F5344CB8AC3E}">
+        <p14:creationId xmlns:p14="http://schemas.microsoft.com/office/powerpoint/2010/main" val="3463220913"/>
+      </p:ext>
+    </p:extLst>
+  </p:cSld>
+  <p:clrMapOvr>
+    <a:masterClrMapping/>
+  </p:clrMapOvr>
+</p:sld>
+</file>
+
+<file path=ppt/slides/slide15.xml><?xml version="1.0" encoding="utf-8"?>
+<p:sld xmlns:a="http://schemas.openxmlformats.org/drawingml/2006/main" xmlns:r="http://schemas.openxmlformats.org/officeDocument/2006/relationships" xmlns:p="http://schemas.openxmlformats.org/presentationml/2006/main">
+  <p:cSld>
+    <p:spTree>
+      <p:nvGrpSpPr>
+        <p:cNvPr id="1" name=""/>
+        <p:cNvGrpSpPr/>
+        <p:nvPr/>
+      </p:nvGrpSpPr>
+      <p:grpSpPr>
+        <a:xfrm>
+          <a:off x="0" y="0"/>
+          <a:ext cx="0" cy="0"/>
+          <a:chOff x="0" y="0"/>
+          <a:chExt cx="0" cy="0"/>
+        </a:xfrm>
+      </p:grpSpPr>
+      <p:sp>
+        <p:nvSpPr>
+          <p:cNvPr id="2" name="Title 1">
+            <a:extLst>
+              <a:ext uri="{FF2B5EF4-FFF2-40B4-BE49-F238E27FC236}">
+                <a16:creationId xmlns:a16="http://schemas.microsoft.com/office/drawing/2014/main" id="{117FF63D-78C6-1B40-B3FF-DF2981EBCA76}"/>
+              </a:ext>
+            </a:extLst>
+          </p:cNvPr>
+          <p:cNvSpPr>
+            <a:spLocks noGrp="1"/>
+          </p:cNvSpPr>
+          <p:nvPr>
+            <p:ph type="title"/>
+          </p:nvPr>
+        </p:nvSpPr>
+        <p:spPr/>
+        <p:txBody>
+          <a:bodyPr/>
+          <a:lstStyle/>
+          <a:p>
+            <a:r>
+              <a:rPr lang="en-GB" dirty="0"/>
+              <a:t>Expenses</a:t>
+            </a:r>
+            <a:endParaRPr lang="en-ID" dirty="0"/>
+          </a:p>
+        </p:txBody>
+      </p:sp>
+      <p:sp>
+        <p:nvSpPr>
+          <p:cNvPr id="3" name="Content Placeholder 2">
+            <a:extLst>
+              <a:ext uri="{FF2B5EF4-FFF2-40B4-BE49-F238E27FC236}">
+                <a16:creationId xmlns:a16="http://schemas.microsoft.com/office/drawing/2014/main" id="{B7979CDC-80FF-765A-5A45-EBDF808617F0}"/>
+              </a:ext>
+            </a:extLst>
+          </p:cNvPr>
+          <p:cNvSpPr>
+            <a:spLocks noGrp="1"/>
+          </p:cNvSpPr>
+          <p:nvPr>
+            <p:ph idx="1"/>
+          </p:nvPr>
+        </p:nvSpPr>
+        <p:spPr/>
+        <p:txBody>
+          <a:bodyPr>
+            <a:normAutofit/>
+          </a:bodyPr>
+          <a:lstStyle/>
+          <a:p>
+            <a:r>
+              <a:rPr lang="en-GB" sz="3200" dirty="0"/>
+              <a:t>- employee salaries</a:t>
+            </a:r>
+          </a:p>
+          <a:p>
+            <a:r>
+              <a:rPr lang="en-ID" sz="3200" dirty="0"/>
+              <a:t>- project operational costs</a:t>
+            </a:r>
+          </a:p>
+          <a:p>
+            <a:r>
+              <a:rPr lang="en-ID" sz="3200" dirty="0"/>
+              <a:t>- Miscellaneous expense (repair, natural disasters etc)</a:t>
+            </a:r>
+          </a:p>
+          <a:p>
+            <a:r>
+              <a:rPr lang="en-ID" sz="3200" dirty="0"/>
+              <a:t>- Personal Expenses for the company executive</a:t>
+            </a:r>
+          </a:p>
+        </p:txBody>
+      </p:sp>
+    </p:spTree>
+    <p:extLst>
+      <p:ext uri="{BB962C8B-B14F-4D97-AF65-F5344CB8AC3E}">
+        <p14:creationId xmlns:p14="http://schemas.microsoft.com/office/powerpoint/2010/main" val="2489191052"/>
+      </p:ext>
+    </p:extLst>
+  </p:cSld>
+  <p:clrMapOvr>
+    <a:masterClrMapping/>
+  </p:clrMapOvr>
+</p:sld>
+</file>
+
+<file path=ppt/slides/slide16.xml><?xml version="1.0" encoding="utf-8"?>
+<p:sld xmlns:a="http://schemas.openxmlformats.org/drawingml/2006/main" xmlns:r="http://schemas.openxmlformats.org/officeDocument/2006/relationships" xmlns:p="http://schemas.openxmlformats.org/presentationml/2006/main">
+  <p:cSld>
+    <p:spTree>
+      <p:nvGrpSpPr>
+        <p:cNvPr id="1" name=""/>
+        <p:cNvGrpSpPr/>
+        <p:nvPr/>
+      </p:nvGrpSpPr>
+      <p:grpSpPr>
+        <a:xfrm>
+          <a:off x="0" y="0"/>
+          <a:ext cx="0" cy="0"/>
+          <a:chOff x="0" y="0"/>
+          <a:chExt cx="0" cy="0"/>
+        </a:xfrm>
+      </p:grpSpPr>
+      <p:sp>
+        <p:nvSpPr>
+          <p:cNvPr id="2" name="Title 1">
+            <a:extLst>
+              <a:ext uri="{FF2B5EF4-FFF2-40B4-BE49-F238E27FC236}">
+                <a16:creationId xmlns:a16="http://schemas.microsoft.com/office/drawing/2014/main" id="{4010AF38-26DF-48B3-952C-4A9091D6863C}"/>
+              </a:ext>
+            </a:extLst>
+          </p:cNvPr>
+          <p:cNvSpPr>
+            <a:spLocks noGrp="1"/>
+          </p:cNvSpPr>
+          <p:nvPr>
+            <p:ph type="ctrTitle"/>
+          </p:nvPr>
+        </p:nvSpPr>
+        <p:spPr>
+          <a:xfrm>
+            <a:off x="4905134" y="687372"/>
+            <a:ext cx="6253317" cy="3686015"/>
+          </a:xfrm>
+        </p:spPr>
+        <p:txBody>
+          <a:bodyPr>
+            <a:noAutofit/>
+          </a:bodyPr>
+          <a:lstStyle/>
+          <a:p>
+            <a:br>
+              <a:rPr lang="en-GB" sz="4400" dirty="0"/>
+            </a:br>
+            <a:r>
+              <a:rPr lang="en-GB" sz="4400" dirty="0"/>
+              <a:t>Solutions?</a:t>
+            </a:r>
+            <a:endParaRPr lang="en-US" sz="4400" dirty="0"/>
+          </a:p>
+        </p:txBody>
+      </p:sp>
+      <p:pic>
+        <p:nvPicPr>
+          <p:cNvPr id="6" name="Picture 5">
+            <a:extLst>
+              <a:ext uri="{FF2B5EF4-FFF2-40B4-BE49-F238E27FC236}">
+                <a16:creationId xmlns:a16="http://schemas.microsoft.com/office/drawing/2014/main" id="{308AC96E-AA33-4309-B51D-072F59E6EC0B}"/>
+              </a:ext>
+              <a:ext uri="{C183D7F6-B498-43B3-948B-1728B52AA6E4}">
+                <adec:decorative xmlns:adec="http://schemas.microsoft.com/office/drawing/2017/decorative" val="1"/>
+              </a:ext>
+            </a:extLst>
+          </p:cNvPr>
+          <p:cNvPicPr>
+            <a:picLocks noChangeAspect="1"/>
+          </p:cNvPicPr>
+          <p:nvPr/>
+        </p:nvPicPr>
+        <p:blipFill rotWithShape="1">
+          <a:blip r:embed="rId2">
+            <a:extLst>
+              <a:ext uri="{28A0092B-C50C-407E-A947-70E740481C1C}">
+                <a14:useLocalDpi xmlns:a14="http://schemas.microsoft.com/office/drawing/2010/main" val="0"/>
+              </a:ext>
+            </a:extLst>
+          </a:blip>
+          <a:srcRect/>
+          <a:stretch/>
+        </p:blipFill>
+        <p:spPr>
+          <a:xfrm>
+            <a:off x="0" y="1"/>
+            <a:ext cx="4635315" cy="6857999"/>
+          </a:xfrm>
+          <a:prstGeom prst="rect">
+            <a:avLst/>
+          </a:prstGeom>
+        </p:spPr>
+      </p:pic>
+      <p:sp>
+        <p:nvSpPr>
+          <p:cNvPr id="5" name="Subtitle 4">
+            <a:extLst>
+              <a:ext uri="{FF2B5EF4-FFF2-40B4-BE49-F238E27FC236}">
+                <a16:creationId xmlns:a16="http://schemas.microsoft.com/office/drawing/2014/main" id="{AB4F1283-76BC-1169-2AED-E3ECC4801076}"/>
+              </a:ext>
+            </a:extLst>
+          </p:cNvPr>
+          <p:cNvSpPr>
+            <a:spLocks noGrp="1"/>
+          </p:cNvSpPr>
+          <p:nvPr>
+            <p:ph type="subTitle" idx="1"/>
+          </p:nvPr>
+        </p:nvSpPr>
+        <p:spPr/>
+        <p:txBody>
+          <a:bodyPr/>
+          <a:lstStyle/>
+          <a:p>
+            <a:endParaRPr lang="en-ID"/>
+          </a:p>
+        </p:txBody>
+      </p:sp>
+    </p:spTree>
+    <p:extLst>
+      <p:ext uri="{BB962C8B-B14F-4D97-AF65-F5344CB8AC3E}">
+        <p14:creationId xmlns:p14="http://schemas.microsoft.com/office/powerpoint/2010/main" val="3169568612"/>
+      </p:ext>
+    </p:extLst>
+  </p:cSld>
+  <p:clrMapOvr>
+    <a:masterClrMapping/>
+  </p:clrMapOvr>
+</p:sld>
+</file>
+
+<file path=ppt/slides/slide17.xml><?xml version="1.0" encoding="utf-8"?>
+<p:sld xmlns:a="http://schemas.openxmlformats.org/drawingml/2006/main" xmlns:r="http://schemas.openxmlformats.org/officeDocument/2006/relationships" xmlns:p="http://schemas.openxmlformats.org/presentationml/2006/main">
+  <p:cSld>
+    <p:spTree>
+      <p:nvGrpSpPr>
+        <p:cNvPr id="1" name=""/>
+        <p:cNvGrpSpPr/>
+        <p:nvPr/>
+      </p:nvGrpSpPr>
+      <p:grpSpPr>
+        <a:xfrm>
+          <a:off x="0" y="0"/>
+          <a:ext cx="0" cy="0"/>
+          <a:chOff x="0" y="0"/>
+          <a:chExt cx="0" cy="0"/>
+        </a:xfrm>
+      </p:grpSpPr>
+      <p:sp>
+        <p:nvSpPr>
+          <p:cNvPr id="2" name="Title 1">
+            <a:extLst>
+              <a:ext uri="{FF2B5EF4-FFF2-40B4-BE49-F238E27FC236}">
+                <a16:creationId xmlns:a16="http://schemas.microsoft.com/office/drawing/2014/main" id="{AC8A7206-928E-4B35-6A40-ACE0C0995BDC}"/>
+              </a:ext>
+            </a:extLst>
+          </p:cNvPr>
+          <p:cNvSpPr>
+            <a:spLocks noGrp="1"/>
+          </p:cNvSpPr>
+          <p:nvPr>
+            <p:ph type="title"/>
+          </p:nvPr>
+        </p:nvSpPr>
+        <p:spPr/>
+        <p:txBody>
+          <a:bodyPr/>
+          <a:lstStyle/>
+          <a:p>
+            <a:r>
+              <a:rPr lang="en-GB" dirty="0"/>
+              <a:t>Solutions</a:t>
+            </a:r>
+            <a:endParaRPr lang="en-ID" dirty="0"/>
+          </a:p>
+        </p:txBody>
+      </p:sp>
+      <p:sp>
+        <p:nvSpPr>
+          <p:cNvPr id="3" name="Content Placeholder 2">
+            <a:extLst>
+              <a:ext uri="{FF2B5EF4-FFF2-40B4-BE49-F238E27FC236}">
+                <a16:creationId xmlns:a16="http://schemas.microsoft.com/office/drawing/2014/main" id="{88C0310F-236A-EB47-819D-51721FFC3DDD}"/>
+              </a:ext>
+            </a:extLst>
+          </p:cNvPr>
+          <p:cNvSpPr>
+            <a:spLocks noGrp="1"/>
+          </p:cNvSpPr>
+          <p:nvPr>
+            <p:ph idx="1"/>
+          </p:nvPr>
+        </p:nvSpPr>
+        <p:spPr/>
+        <p:txBody>
+          <a:bodyPr>
+            <a:normAutofit lnSpcReduction="10000"/>
+          </a:bodyPr>
+          <a:lstStyle/>
+          <a:p>
+            <a:r>
+              <a:rPr lang="en-GB" sz="3200" dirty="0"/>
+              <a:t>We need a website that has 3 roles, namely a transaction recorder, an approver, and an admin. A transaction recorder is a user who inputs transaction data on the website, an approver is the audit team that monitors the transactions, and an admin is a user who can register new data to be used by other users or register new companies.</a:t>
+            </a:r>
+            <a:endParaRPr lang="en-ID" sz="3200" dirty="0"/>
+          </a:p>
+        </p:txBody>
+      </p:sp>
+    </p:spTree>
+    <p:extLst>
+      <p:ext uri="{BB962C8B-B14F-4D97-AF65-F5344CB8AC3E}">
+        <p14:creationId xmlns:p14="http://schemas.microsoft.com/office/powerpoint/2010/main" val="1194735560"/>
+      </p:ext>
+    </p:extLst>
+  </p:cSld>
+  <p:clrMapOvr>
+    <a:masterClrMapping/>
+  </p:clrMapOvr>
+</p:sld>
+</file>
+
+<file path=ppt/slides/slide18.xml><?xml version="1.0" encoding="utf-8"?>
+<p:sld xmlns:a="http://schemas.openxmlformats.org/drawingml/2006/main" xmlns:r="http://schemas.openxmlformats.org/officeDocument/2006/relationships" xmlns:p="http://schemas.openxmlformats.org/presentationml/2006/main">
+  <p:cSld>
+    <p:spTree>
+      <p:nvGrpSpPr>
+        <p:cNvPr id="1" name=""/>
+        <p:cNvGrpSpPr/>
+        <p:nvPr/>
+      </p:nvGrpSpPr>
+      <p:grpSpPr>
+        <a:xfrm>
+          <a:off x="0" y="0"/>
+          <a:ext cx="0" cy="0"/>
+          <a:chOff x="0" y="0"/>
+          <a:chExt cx="0" cy="0"/>
+        </a:xfrm>
+      </p:grpSpPr>
+      <p:sp>
+        <p:nvSpPr>
+          <p:cNvPr id="2" name="Title 1">
+            <a:extLst>
+              <a:ext uri="{FF2B5EF4-FFF2-40B4-BE49-F238E27FC236}">
+                <a16:creationId xmlns:a16="http://schemas.microsoft.com/office/drawing/2014/main" id="{18C086C0-6689-CA6F-8B91-0D2BE28BFAE5}"/>
+              </a:ext>
+            </a:extLst>
+          </p:cNvPr>
+          <p:cNvSpPr>
+            <a:spLocks noGrp="1"/>
+          </p:cNvSpPr>
+          <p:nvPr>
+            <p:ph type="title"/>
+          </p:nvPr>
+        </p:nvSpPr>
+        <p:spPr/>
+        <p:txBody>
+          <a:bodyPr/>
+          <a:lstStyle/>
+          <a:p>
+            <a:r>
+              <a:rPr lang="en-GB" dirty="0"/>
+              <a:t>Solutions</a:t>
+            </a:r>
+            <a:endParaRPr lang="en-ID" dirty="0"/>
+          </a:p>
+        </p:txBody>
+      </p:sp>
+      <p:sp>
+        <p:nvSpPr>
+          <p:cNvPr id="3" name="Content Placeholder 2">
+            <a:extLst>
+              <a:ext uri="{FF2B5EF4-FFF2-40B4-BE49-F238E27FC236}">
+                <a16:creationId xmlns:a16="http://schemas.microsoft.com/office/drawing/2014/main" id="{09F7E400-7C94-78A1-812F-D94497350A0A}"/>
+              </a:ext>
+            </a:extLst>
+          </p:cNvPr>
+          <p:cNvSpPr>
+            <a:spLocks noGrp="1"/>
+          </p:cNvSpPr>
+          <p:nvPr>
+            <p:ph idx="1"/>
+          </p:nvPr>
+        </p:nvSpPr>
+        <p:spPr/>
+        <p:txBody>
+          <a:bodyPr>
+            <a:normAutofit/>
+          </a:bodyPr>
+          <a:lstStyle/>
+          <a:p>
+            <a:r>
+              <a:rPr lang="en-GB" sz="3200" dirty="0"/>
+              <a:t>We need a website that can record various types of entries such as employee salaries, miscellaneous expenses, personal expenses, and project operational costs that can have budget limits.</a:t>
+            </a:r>
+            <a:endParaRPr lang="en-ID" sz="3200" dirty="0"/>
+          </a:p>
+        </p:txBody>
+      </p:sp>
+    </p:spTree>
+    <p:extLst>
+      <p:ext uri="{BB962C8B-B14F-4D97-AF65-F5344CB8AC3E}">
+        <p14:creationId xmlns:p14="http://schemas.microsoft.com/office/powerpoint/2010/main" val="4269528863"/>
+      </p:ext>
+    </p:extLst>
+  </p:cSld>
+  <p:clrMapOvr>
+    <a:masterClrMapping/>
+  </p:clrMapOvr>
+</p:sld>
+</file>
+
+<file path=ppt/slides/slide19.xml><?xml version="1.0" encoding="utf-8"?>
+<p:sld xmlns:a="http://schemas.openxmlformats.org/drawingml/2006/main" xmlns:r="http://schemas.openxmlformats.org/officeDocument/2006/relationships" xmlns:p="http://schemas.openxmlformats.org/presentationml/2006/main">
+  <p:cSld>
+    <p:spTree>
+      <p:nvGrpSpPr>
+        <p:cNvPr id="1" name=""/>
+        <p:cNvGrpSpPr/>
+        <p:nvPr/>
+      </p:nvGrpSpPr>
+      <p:grpSpPr>
+        <a:xfrm>
+          <a:off x="0" y="0"/>
+          <a:ext cx="0" cy="0"/>
+          <a:chOff x="0" y="0"/>
+          <a:chExt cx="0" cy="0"/>
+        </a:xfrm>
+      </p:grpSpPr>
+      <p:sp>
+        <p:nvSpPr>
+          <p:cNvPr id="2" name="Title 1">
+            <a:extLst>
+              <a:ext uri="{FF2B5EF4-FFF2-40B4-BE49-F238E27FC236}">
+                <a16:creationId xmlns:a16="http://schemas.microsoft.com/office/drawing/2014/main" id="{EA321C42-E7A5-4F4E-8972-D6A938D1CCEA}"/>
+              </a:ext>
+            </a:extLst>
+          </p:cNvPr>
+          <p:cNvSpPr>
+            <a:spLocks noGrp="1"/>
+          </p:cNvSpPr>
+          <p:nvPr>
+            <p:ph type="title"/>
+          </p:nvPr>
+        </p:nvSpPr>
+        <p:spPr/>
+        <p:txBody>
+          <a:bodyPr/>
+          <a:lstStyle/>
+          <a:p>
+            <a:endParaRPr lang="en-ID" dirty="0"/>
+          </a:p>
+        </p:txBody>
+      </p:sp>
+      <p:sp>
+        <p:nvSpPr>
+          <p:cNvPr id="3" name="Content Placeholder 2">
+            <a:extLst>
+              <a:ext uri="{FF2B5EF4-FFF2-40B4-BE49-F238E27FC236}">
+                <a16:creationId xmlns:a16="http://schemas.microsoft.com/office/drawing/2014/main" id="{D8CBA3A6-A09A-4337-CBD7-0DA68AB98528}"/>
+              </a:ext>
+            </a:extLst>
+          </p:cNvPr>
+          <p:cNvSpPr>
+            <a:spLocks noGrp="1"/>
+          </p:cNvSpPr>
+          <p:nvPr>
+            <p:ph idx="1"/>
+          </p:nvPr>
+        </p:nvSpPr>
+        <p:spPr/>
+        <p:txBody>
+          <a:bodyPr/>
+          <a:lstStyle/>
+          <a:p>
+            <a:r>
+              <a:rPr lang="en-GB" dirty="0"/>
+              <a:t>  </a:t>
+            </a:r>
+            <a:endParaRPr lang="en-ID" dirty="0"/>
+          </a:p>
+        </p:txBody>
+      </p:sp>
+      <p:pic>
+        <p:nvPicPr>
+          <p:cNvPr id="4" name="Picture 3">
+            <a:extLst>
+              <a:ext uri="{FF2B5EF4-FFF2-40B4-BE49-F238E27FC236}">
+                <a16:creationId xmlns:a16="http://schemas.microsoft.com/office/drawing/2014/main" id="{8C0C834E-F710-0DB9-F32B-8CBC7726FF80}"/>
+              </a:ext>
+            </a:extLst>
+          </p:cNvPr>
+          <p:cNvPicPr>
+            <a:picLocks noChangeAspect="1"/>
+          </p:cNvPicPr>
+          <p:nvPr/>
+        </p:nvPicPr>
+        <p:blipFill rotWithShape="1">
+          <a:blip r:embed="rId2" cstate="print">
+            <a:extLst>
+              <a:ext uri="{28A0092B-C50C-407E-A947-70E740481C1C}">
+                <a14:useLocalDpi xmlns:a14="http://schemas.microsoft.com/office/drawing/2010/main" val="0"/>
+              </a:ext>
+            </a:extLst>
+          </a:blip>
+          <a:srcRect b="4504"/>
+          <a:stretch/>
+        </p:blipFill>
+        <p:spPr bwMode="auto">
+          <a:xfrm>
+            <a:off x="4136902" y="0"/>
+            <a:ext cx="3529990" cy="5992504"/>
+          </a:xfrm>
+          <a:prstGeom prst="rect">
+            <a:avLst/>
+          </a:prstGeom>
+          <a:ln>
+            <a:noFill/>
+          </a:ln>
+          <a:extLst>
+            <a:ext uri="{53640926-AAD7-44D8-BBD7-CCE9431645EC}">
+              <a14:shadowObscured xmlns:a14="http://schemas.microsoft.com/office/drawing/2010/main"/>
+            </a:ext>
+          </a:extLst>
+        </p:spPr>
+      </p:pic>
+    </p:spTree>
+    <p:extLst>
+      <p:ext uri="{BB962C8B-B14F-4D97-AF65-F5344CB8AC3E}">
+        <p14:creationId xmlns:p14="http://schemas.microsoft.com/office/powerpoint/2010/main" val="3509933919"/>
       </p:ext>
     </p:extLst>
   </p:cSld>
@@ -8125,6 +5006,2492 @@
     <p:extLst>
       <p:ext uri="{BB962C8B-B14F-4D97-AF65-F5344CB8AC3E}">
         <p14:creationId xmlns:p14="http://schemas.microsoft.com/office/powerpoint/2010/main" val="2973719738"/>
+      </p:ext>
+    </p:extLst>
+  </p:cSld>
+  <p:clrMapOvr>
+    <a:masterClrMapping/>
+  </p:clrMapOvr>
+</p:sld>
+</file>
+
+<file path=ppt/slides/slide20.xml><?xml version="1.0" encoding="utf-8"?>
+<p:sld xmlns:a="http://schemas.openxmlformats.org/drawingml/2006/main" xmlns:r="http://schemas.openxmlformats.org/officeDocument/2006/relationships" xmlns:p="http://schemas.openxmlformats.org/presentationml/2006/main">
+  <p:cSld>
+    <p:spTree>
+      <p:nvGrpSpPr>
+        <p:cNvPr id="1" name=""/>
+        <p:cNvGrpSpPr/>
+        <p:nvPr/>
+      </p:nvGrpSpPr>
+      <p:grpSpPr>
+        <a:xfrm>
+          <a:off x="0" y="0"/>
+          <a:ext cx="0" cy="0"/>
+          <a:chOff x="0" y="0"/>
+          <a:chExt cx="0" cy="0"/>
+        </a:xfrm>
+      </p:grpSpPr>
+      <p:sp>
+        <p:nvSpPr>
+          <p:cNvPr id="2" name="Title 1">
+            <a:extLst>
+              <a:ext uri="{FF2B5EF4-FFF2-40B4-BE49-F238E27FC236}">
+                <a16:creationId xmlns:a16="http://schemas.microsoft.com/office/drawing/2014/main" id="{4010AF38-26DF-48B3-952C-4A9091D6863C}"/>
+              </a:ext>
+            </a:extLst>
+          </p:cNvPr>
+          <p:cNvSpPr>
+            <a:spLocks noGrp="1"/>
+          </p:cNvSpPr>
+          <p:nvPr>
+            <p:ph type="ctrTitle"/>
+          </p:nvPr>
+        </p:nvSpPr>
+        <p:spPr>
+          <a:xfrm>
+            <a:off x="4905134" y="687372"/>
+            <a:ext cx="6253317" cy="3686015"/>
+          </a:xfrm>
+        </p:spPr>
+        <p:txBody>
+          <a:bodyPr>
+            <a:noAutofit/>
+          </a:bodyPr>
+          <a:lstStyle/>
+          <a:p>
+            <a:br>
+              <a:rPr lang="en-GB" sz="4400" dirty="0"/>
+            </a:br>
+            <a:r>
+              <a:rPr lang="en-GB" sz="4400" dirty="0"/>
+              <a:t>Business plan</a:t>
+            </a:r>
+            <a:endParaRPr lang="en-US" sz="4400" dirty="0"/>
+          </a:p>
+        </p:txBody>
+      </p:sp>
+      <p:pic>
+        <p:nvPicPr>
+          <p:cNvPr id="6" name="Picture 5">
+            <a:extLst>
+              <a:ext uri="{FF2B5EF4-FFF2-40B4-BE49-F238E27FC236}">
+                <a16:creationId xmlns:a16="http://schemas.microsoft.com/office/drawing/2014/main" id="{308AC96E-AA33-4309-B51D-072F59E6EC0B}"/>
+              </a:ext>
+              <a:ext uri="{C183D7F6-B498-43B3-948B-1728B52AA6E4}">
+                <adec:decorative xmlns:adec="http://schemas.microsoft.com/office/drawing/2017/decorative" val="1"/>
+              </a:ext>
+            </a:extLst>
+          </p:cNvPr>
+          <p:cNvPicPr>
+            <a:picLocks noChangeAspect="1"/>
+          </p:cNvPicPr>
+          <p:nvPr/>
+        </p:nvPicPr>
+        <p:blipFill rotWithShape="1">
+          <a:blip r:embed="rId2">
+            <a:extLst>
+              <a:ext uri="{28A0092B-C50C-407E-A947-70E740481C1C}">
+                <a14:useLocalDpi xmlns:a14="http://schemas.microsoft.com/office/drawing/2010/main" val="0"/>
+              </a:ext>
+            </a:extLst>
+          </a:blip>
+          <a:srcRect/>
+          <a:stretch/>
+        </p:blipFill>
+        <p:spPr>
+          <a:xfrm>
+            <a:off x="0" y="1"/>
+            <a:ext cx="4635315" cy="6857999"/>
+          </a:xfrm>
+          <a:prstGeom prst="rect">
+            <a:avLst/>
+          </a:prstGeom>
+        </p:spPr>
+      </p:pic>
+      <p:sp>
+        <p:nvSpPr>
+          <p:cNvPr id="5" name="Subtitle 4">
+            <a:extLst>
+              <a:ext uri="{FF2B5EF4-FFF2-40B4-BE49-F238E27FC236}">
+                <a16:creationId xmlns:a16="http://schemas.microsoft.com/office/drawing/2014/main" id="{AB4F1283-76BC-1169-2AED-E3ECC4801076}"/>
+              </a:ext>
+            </a:extLst>
+          </p:cNvPr>
+          <p:cNvSpPr>
+            <a:spLocks noGrp="1"/>
+          </p:cNvSpPr>
+          <p:nvPr>
+            <p:ph type="subTitle" idx="1"/>
+          </p:nvPr>
+        </p:nvSpPr>
+        <p:spPr/>
+        <p:txBody>
+          <a:bodyPr/>
+          <a:lstStyle/>
+          <a:p>
+            <a:endParaRPr lang="en-ID"/>
+          </a:p>
+        </p:txBody>
+      </p:sp>
+    </p:spTree>
+    <p:extLst>
+      <p:ext uri="{BB962C8B-B14F-4D97-AF65-F5344CB8AC3E}">
+        <p14:creationId xmlns:p14="http://schemas.microsoft.com/office/powerpoint/2010/main" val="32981378"/>
+      </p:ext>
+    </p:extLst>
+  </p:cSld>
+  <p:clrMapOvr>
+    <a:masterClrMapping/>
+  </p:clrMapOvr>
+</p:sld>
+</file>
+
+<file path=ppt/slides/slide21.xml><?xml version="1.0" encoding="utf-8"?>
+<p:sld xmlns:a="http://schemas.openxmlformats.org/drawingml/2006/main" xmlns:r="http://schemas.openxmlformats.org/officeDocument/2006/relationships" xmlns:p="http://schemas.openxmlformats.org/presentationml/2006/main">
+  <p:cSld>
+    <p:spTree>
+      <p:nvGrpSpPr>
+        <p:cNvPr id="1" name=""/>
+        <p:cNvGrpSpPr/>
+        <p:nvPr/>
+      </p:nvGrpSpPr>
+      <p:grpSpPr>
+        <a:xfrm>
+          <a:off x="0" y="0"/>
+          <a:ext cx="0" cy="0"/>
+          <a:chOff x="0" y="0"/>
+          <a:chExt cx="0" cy="0"/>
+        </a:xfrm>
+      </p:grpSpPr>
+      <p:sp>
+        <p:nvSpPr>
+          <p:cNvPr id="2" name="Title 1">
+            <a:extLst>
+              <a:ext uri="{FF2B5EF4-FFF2-40B4-BE49-F238E27FC236}">
+                <a16:creationId xmlns:a16="http://schemas.microsoft.com/office/drawing/2014/main" id="{443C77FA-7B02-D6A9-2791-BB0A4B239B7E}"/>
+              </a:ext>
+            </a:extLst>
+          </p:cNvPr>
+          <p:cNvSpPr>
+            <a:spLocks noGrp="1"/>
+          </p:cNvSpPr>
+          <p:nvPr>
+            <p:ph type="title"/>
+          </p:nvPr>
+        </p:nvSpPr>
+        <p:spPr/>
+        <p:txBody>
+          <a:bodyPr/>
+          <a:lstStyle/>
+          <a:p>
+            <a:r>
+              <a:rPr lang="en-GB" dirty="0"/>
+              <a:t>SWOT analysis</a:t>
+            </a:r>
+            <a:endParaRPr lang="en-ID" dirty="0"/>
+          </a:p>
+        </p:txBody>
+      </p:sp>
+      <p:graphicFrame>
+        <p:nvGraphicFramePr>
+          <p:cNvPr id="7" name="Content Placeholder 6">
+            <a:extLst>
+              <a:ext uri="{FF2B5EF4-FFF2-40B4-BE49-F238E27FC236}">
+                <a16:creationId xmlns:a16="http://schemas.microsoft.com/office/drawing/2014/main" id="{E76D7679-AFA1-6778-8E02-4D51D806DA46}"/>
+              </a:ext>
+            </a:extLst>
+          </p:cNvPr>
+          <p:cNvGraphicFramePr>
+            <a:graphicFrameLocks noGrp="1"/>
+          </p:cNvGraphicFramePr>
+          <p:nvPr>
+            <p:ph idx="1"/>
+            <p:extLst>
+              <p:ext uri="{D42A27DB-BD31-4B8C-83A1-F6EECF244321}">
+                <p14:modId xmlns:p14="http://schemas.microsoft.com/office/powerpoint/2010/main" val="4123976574"/>
+              </p:ext>
+            </p:extLst>
+          </p:nvPr>
+        </p:nvGraphicFramePr>
+        <p:xfrm>
+          <a:off x="1096963" y="2108200"/>
+          <a:ext cx="10058400" cy="4023360"/>
+        </p:xfrm>
+        <a:graphic>
+          <a:graphicData uri="http://schemas.openxmlformats.org/drawingml/2006/table">
+            <a:tbl>
+              <a:tblPr firstRow="1" bandRow="1">
+                <a:tableStyleId>{073A0DAA-6AF3-43AB-8588-CEC1D06C72B9}</a:tableStyleId>
+              </a:tblPr>
+              <a:tblGrid>
+                <a:gridCol w="2514600">
+                  <a:extLst>
+                    <a:ext uri="{9D8B030D-6E8A-4147-A177-3AD203B41FA5}">
+                      <a16:colId xmlns:a16="http://schemas.microsoft.com/office/drawing/2014/main" val="1633118198"/>
+                    </a:ext>
+                  </a:extLst>
+                </a:gridCol>
+                <a:gridCol w="2514600">
+                  <a:extLst>
+                    <a:ext uri="{9D8B030D-6E8A-4147-A177-3AD203B41FA5}">
+                      <a16:colId xmlns:a16="http://schemas.microsoft.com/office/drawing/2014/main" val="3219632669"/>
+                    </a:ext>
+                  </a:extLst>
+                </a:gridCol>
+                <a:gridCol w="2514600">
+                  <a:extLst>
+                    <a:ext uri="{9D8B030D-6E8A-4147-A177-3AD203B41FA5}">
+                      <a16:colId xmlns:a16="http://schemas.microsoft.com/office/drawing/2014/main" val="2250824180"/>
+                    </a:ext>
+                  </a:extLst>
+                </a:gridCol>
+                <a:gridCol w="2514600">
+                  <a:extLst>
+                    <a:ext uri="{9D8B030D-6E8A-4147-A177-3AD203B41FA5}">
+                      <a16:colId xmlns:a16="http://schemas.microsoft.com/office/drawing/2014/main" val="3183211048"/>
+                    </a:ext>
+                  </a:extLst>
+                </a:gridCol>
+              </a:tblGrid>
+              <a:tr h="370840">
+                <a:tc>
+                  <a:txBody>
+                    <a:bodyPr/>
+                    <a:lstStyle/>
+                    <a:p>
+                      <a:r>
+                        <a:rPr lang="en-GB" sz="2400" dirty="0"/>
+                        <a:t>Opportunities</a:t>
+                      </a:r>
+                      <a:endParaRPr lang="en-ID" sz="2400" dirty="0"/>
+                    </a:p>
+                  </a:txBody>
+                  <a:tcPr/>
+                </a:tc>
+                <a:tc>
+                  <a:txBody>
+                    <a:bodyPr/>
+                    <a:lstStyle/>
+                    <a:p>
+                      <a:r>
+                        <a:rPr lang="en-GB" sz="2400" dirty="0"/>
+                        <a:t>Threads</a:t>
+                      </a:r>
+                      <a:endParaRPr lang="en-ID" sz="2400" dirty="0"/>
+                    </a:p>
+                  </a:txBody>
+                  <a:tcPr/>
+                </a:tc>
+                <a:tc>
+                  <a:txBody>
+                    <a:bodyPr/>
+                    <a:lstStyle/>
+                    <a:p>
+                      <a:r>
+                        <a:rPr lang="en-GB" sz="2400" dirty="0"/>
+                        <a:t>Strengths</a:t>
+                      </a:r>
+                      <a:endParaRPr lang="en-ID" sz="2400" dirty="0"/>
+                    </a:p>
+                  </a:txBody>
+                  <a:tcPr/>
+                </a:tc>
+                <a:tc>
+                  <a:txBody>
+                    <a:bodyPr/>
+                    <a:lstStyle/>
+                    <a:p>
+                      <a:r>
+                        <a:rPr lang="en-GB" sz="2400" dirty="0"/>
+                        <a:t>Weakness</a:t>
+                      </a:r>
+                      <a:endParaRPr lang="en-ID" sz="2400" dirty="0"/>
+                    </a:p>
+                  </a:txBody>
+                  <a:tcPr/>
+                </a:tc>
+                <a:extLst>
+                  <a:ext uri="{0D108BD9-81ED-4DB2-BD59-A6C34878D82A}">
+                    <a16:rowId xmlns:a16="http://schemas.microsoft.com/office/drawing/2014/main" val="1324047705"/>
+                  </a:ext>
+                </a:extLst>
+              </a:tr>
+              <a:tr h="370840">
+                <a:tc>
+                  <a:txBody>
+                    <a:bodyPr/>
+                    <a:lstStyle/>
+                    <a:p>
+                      <a:r>
+                        <a:rPr lang="en-GB" sz="2400" dirty="0"/>
+                        <a:t>There are not many similar websites yet.</a:t>
+                      </a:r>
+                      <a:endParaRPr lang="en-ID" sz="2400" dirty="0"/>
+                    </a:p>
+                  </a:txBody>
+                  <a:tcPr/>
+                </a:tc>
+                <a:tc>
+                  <a:txBody>
+                    <a:bodyPr/>
+                    <a:lstStyle/>
+                    <a:p>
+                      <a:r>
+                        <a:rPr lang="en-GB" sz="2400" dirty="0"/>
+                        <a:t>Since it is web-based, it will be vulnerable to attacks by hackers.</a:t>
+                      </a:r>
+                      <a:endParaRPr lang="en-ID" sz="2400" dirty="0"/>
+                    </a:p>
+                  </a:txBody>
+                  <a:tcPr/>
+                </a:tc>
+                <a:tc>
+                  <a:txBody>
+                    <a:bodyPr/>
+                    <a:lstStyle/>
+                    <a:p>
+                      <a:r>
+                        <a:rPr lang="en-GB" sz="2400" dirty="0"/>
+                        <a:t>Can be accessed across multiple platforms.</a:t>
+                      </a:r>
+                      <a:endParaRPr lang="en-ID" sz="2400" dirty="0"/>
+                    </a:p>
+                  </a:txBody>
+                  <a:tcPr/>
+                </a:tc>
+                <a:tc>
+                  <a:txBody>
+                    <a:bodyPr/>
+                    <a:lstStyle/>
+                    <a:p>
+                      <a:r>
+                        <a:rPr lang="en-GB" sz="2400" dirty="0"/>
+                        <a:t>The website appears to be a bit complicated due to the numerous and complex features.</a:t>
+                      </a:r>
+                      <a:endParaRPr lang="en-ID" sz="2400" dirty="0"/>
+                    </a:p>
+                  </a:txBody>
+                  <a:tcPr/>
+                </a:tc>
+                <a:extLst>
+                  <a:ext uri="{0D108BD9-81ED-4DB2-BD59-A6C34878D82A}">
+                    <a16:rowId xmlns:a16="http://schemas.microsoft.com/office/drawing/2014/main" val="1469364315"/>
+                  </a:ext>
+                </a:extLst>
+              </a:tr>
+              <a:tr h="370840">
+                <a:tc>
+                  <a:txBody>
+                    <a:bodyPr/>
+                    <a:lstStyle/>
+                    <a:p>
+                      <a:endParaRPr lang="en-ID" sz="2400"/>
+                    </a:p>
+                  </a:txBody>
+                  <a:tcPr/>
+                </a:tc>
+                <a:tc>
+                  <a:txBody>
+                    <a:bodyPr/>
+                    <a:lstStyle/>
+                    <a:p>
+                      <a:endParaRPr lang="en-ID" sz="2400"/>
+                    </a:p>
+                  </a:txBody>
+                  <a:tcPr/>
+                </a:tc>
+                <a:tc>
+                  <a:txBody>
+                    <a:bodyPr/>
+                    <a:lstStyle/>
+                    <a:p>
+                      <a:r>
+                        <a:rPr lang="en-GB" sz="2400" dirty="0"/>
+                        <a:t>Can be accessed anywhere</a:t>
+                      </a:r>
+                      <a:endParaRPr lang="en-ID" sz="2400" dirty="0"/>
+                    </a:p>
+                  </a:txBody>
+                  <a:tcPr/>
+                </a:tc>
+                <a:tc>
+                  <a:txBody>
+                    <a:bodyPr/>
+                    <a:lstStyle/>
+                    <a:p>
+                      <a:endParaRPr lang="en-ID" sz="2400" dirty="0"/>
+                    </a:p>
+                  </a:txBody>
+                  <a:tcPr/>
+                </a:tc>
+                <a:extLst>
+                  <a:ext uri="{0D108BD9-81ED-4DB2-BD59-A6C34878D82A}">
+                    <a16:rowId xmlns:a16="http://schemas.microsoft.com/office/drawing/2014/main" val="3007780263"/>
+                  </a:ext>
+                </a:extLst>
+              </a:tr>
+              <a:tr h="370840">
+                <a:tc>
+                  <a:txBody>
+                    <a:bodyPr/>
+                    <a:lstStyle/>
+                    <a:p>
+                      <a:endParaRPr lang="en-ID" sz="2400"/>
+                    </a:p>
+                  </a:txBody>
+                  <a:tcPr/>
+                </a:tc>
+                <a:tc>
+                  <a:txBody>
+                    <a:bodyPr/>
+                    <a:lstStyle/>
+                    <a:p>
+                      <a:endParaRPr lang="en-ID" sz="2400"/>
+                    </a:p>
+                  </a:txBody>
+                  <a:tcPr/>
+                </a:tc>
+                <a:tc>
+                  <a:txBody>
+                    <a:bodyPr/>
+                    <a:lstStyle/>
+                    <a:p>
+                      <a:endParaRPr lang="en-ID" sz="2400"/>
+                    </a:p>
+                  </a:txBody>
+                  <a:tcPr/>
+                </a:tc>
+                <a:tc>
+                  <a:txBody>
+                    <a:bodyPr/>
+                    <a:lstStyle/>
+                    <a:p>
+                      <a:endParaRPr lang="en-ID" sz="2400" dirty="0"/>
+                    </a:p>
+                  </a:txBody>
+                  <a:tcPr/>
+                </a:tc>
+                <a:extLst>
+                  <a:ext uri="{0D108BD9-81ED-4DB2-BD59-A6C34878D82A}">
+                    <a16:rowId xmlns:a16="http://schemas.microsoft.com/office/drawing/2014/main" val="4170680035"/>
+                  </a:ext>
+                </a:extLst>
+              </a:tr>
+            </a:tbl>
+          </a:graphicData>
+        </a:graphic>
+      </p:graphicFrame>
+    </p:spTree>
+    <p:extLst>
+      <p:ext uri="{BB962C8B-B14F-4D97-AF65-F5344CB8AC3E}">
+        <p14:creationId xmlns:p14="http://schemas.microsoft.com/office/powerpoint/2010/main" val="1232314057"/>
+      </p:ext>
+    </p:extLst>
+  </p:cSld>
+  <p:clrMapOvr>
+    <a:masterClrMapping/>
+  </p:clrMapOvr>
+</p:sld>
+</file>
+
+<file path=ppt/slides/slide22.xml><?xml version="1.0" encoding="utf-8"?>
+<p:sld xmlns:a="http://schemas.openxmlformats.org/drawingml/2006/main" xmlns:r="http://schemas.openxmlformats.org/officeDocument/2006/relationships" xmlns:p="http://schemas.openxmlformats.org/presentationml/2006/main">
+  <p:cSld>
+    <p:spTree>
+      <p:nvGrpSpPr>
+        <p:cNvPr id="1" name=""/>
+        <p:cNvGrpSpPr/>
+        <p:nvPr/>
+      </p:nvGrpSpPr>
+      <p:grpSpPr>
+        <a:xfrm>
+          <a:off x="0" y="0"/>
+          <a:ext cx="0" cy="0"/>
+          <a:chOff x="0" y="0"/>
+          <a:chExt cx="0" cy="0"/>
+        </a:xfrm>
+      </p:grpSpPr>
+      <p:sp>
+        <p:nvSpPr>
+          <p:cNvPr id="2" name="Title 1">
+            <a:extLst>
+              <a:ext uri="{FF2B5EF4-FFF2-40B4-BE49-F238E27FC236}">
+                <a16:creationId xmlns:a16="http://schemas.microsoft.com/office/drawing/2014/main" id="{FE2F8CDE-EF27-8C43-D04F-BAE789E65704}"/>
+              </a:ext>
+            </a:extLst>
+          </p:cNvPr>
+          <p:cNvSpPr>
+            <a:spLocks noGrp="1"/>
+          </p:cNvSpPr>
+          <p:nvPr>
+            <p:ph type="title"/>
+          </p:nvPr>
+        </p:nvSpPr>
+        <p:spPr/>
+        <p:txBody>
+          <a:bodyPr/>
+          <a:lstStyle/>
+          <a:p>
+            <a:r>
+              <a:rPr lang="en-GB" dirty="0"/>
+              <a:t>One time Cost</a:t>
+            </a:r>
+            <a:endParaRPr lang="en-ID" dirty="0"/>
+          </a:p>
+        </p:txBody>
+      </p:sp>
+      <p:graphicFrame>
+        <p:nvGraphicFramePr>
+          <p:cNvPr id="5" name="Content Placeholder 4">
+            <a:extLst>
+              <a:ext uri="{FF2B5EF4-FFF2-40B4-BE49-F238E27FC236}">
+                <a16:creationId xmlns:a16="http://schemas.microsoft.com/office/drawing/2014/main" id="{D8BC5B03-C750-C0D4-BC42-C4C9466B5F3B}"/>
+              </a:ext>
+            </a:extLst>
+          </p:cNvPr>
+          <p:cNvGraphicFramePr>
+            <a:graphicFrameLocks noGrp="1"/>
+          </p:cNvGraphicFramePr>
+          <p:nvPr>
+            <p:ph idx="1"/>
+            <p:extLst>
+              <p:ext uri="{D42A27DB-BD31-4B8C-83A1-F6EECF244321}">
+                <p14:modId xmlns:p14="http://schemas.microsoft.com/office/powerpoint/2010/main" val="1148225526"/>
+              </p:ext>
+            </p:extLst>
+          </p:nvPr>
+        </p:nvGraphicFramePr>
+        <p:xfrm>
+          <a:off x="1096963" y="2108200"/>
+          <a:ext cx="10058400" cy="2316480"/>
+        </p:xfrm>
+        <a:graphic>
+          <a:graphicData uri="http://schemas.openxmlformats.org/drawingml/2006/table">
+            <a:tbl>
+              <a:tblPr firstRow="1" bandRow="1">
+                <a:tableStyleId>{073A0DAA-6AF3-43AB-8588-CEC1D06C72B9}</a:tableStyleId>
+              </a:tblPr>
+              <a:tblGrid>
+                <a:gridCol w="5029200">
+                  <a:extLst>
+                    <a:ext uri="{9D8B030D-6E8A-4147-A177-3AD203B41FA5}">
+                      <a16:colId xmlns:a16="http://schemas.microsoft.com/office/drawing/2014/main" val="1172430435"/>
+                    </a:ext>
+                  </a:extLst>
+                </a:gridCol>
+                <a:gridCol w="5029200">
+                  <a:extLst>
+                    <a:ext uri="{9D8B030D-6E8A-4147-A177-3AD203B41FA5}">
+                      <a16:colId xmlns:a16="http://schemas.microsoft.com/office/drawing/2014/main" val="2577123191"/>
+                    </a:ext>
+                  </a:extLst>
+                </a:gridCol>
+              </a:tblGrid>
+              <a:tr h="370840">
+                <a:tc>
+                  <a:txBody>
+                    <a:bodyPr/>
+                    <a:lstStyle/>
+                    <a:p>
+                      <a:r>
+                        <a:rPr lang="en-GB" sz="3200" dirty="0"/>
+                        <a:t>Name </a:t>
+                      </a:r>
+                      <a:endParaRPr lang="en-ID" sz="3200" dirty="0"/>
+                    </a:p>
+                  </a:txBody>
+                  <a:tcPr/>
+                </a:tc>
+                <a:tc>
+                  <a:txBody>
+                    <a:bodyPr/>
+                    <a:lstStyle/>
+                    <a:p>
+                      <a:r>
+                        <a:rPr lang="en-GB" sz="3200" dirty="0"/>
+                        <a:t>Subtotal</a:t>
+                      </a:r>
+                      <a:endParaRPr lang="en-ID" sz="3200" dirty="0"/>
+                    </a:p>
+                  </a:txBody>
+                  <a:tcPr/>
+                </a:tc>
+                <a:extLst>
+                  <a:ext uri="{0D108BD9-81ED-4DB2-BD59-A6C34878D82A}">
+                    <a16:rowId xmlns:a16="http://schemas.microsoft.com/office/drawing/2014/main" val="3330832317"/>
+                  </a:ext>
+                </a:extLst>
+              </a:tr>
+              <a:tr h="370840">
+                <a:tc>
+                  <a:txBody>
+                    <a:bodyPr/>
+                    <a:lstStyle/>
+                    <a:p>
+                      <a:r>
+                        <a:rPr lang="en-GB" sz="3200" dirty="0"/>
+                        <a:t>Website cost</a:t>
+                      </a:r>
+                      <a:endParaRPr lang="en-ID" sz="3200" dirty="0"/>
+                    </a:p>
+                  </a:txBody>
+                  <a:tcPr/>
+                </a:tc>
+                <a:tc>
+                  <a:txBody>
+                    <a:bodyPr/>
+                    <a:lstStyle/>
+                    <a:p>
+                      <a:r>
+                        <a:rPr lang="en-GB" sz="3200" dirty="0"/>
+                        <a:t>Rp30.000.000</a:t>
+                      </a:r>
+                      <a:endParaRPr lang="en-ID" sz="3200" dirty="0"/>
+                    </a:p>
+                  </a:txBody>
+                  <a:tcPr/>
+                </a:tc>
+                <a:extLst>
+                  <a:ext uri="{0D108BD9-81ED-4DB2-BD59-A6C34878D82A}">
+                    <a16:rowId xmlns:a16="http://schemas.microsoft.com/office/drawing/2014/main" val="1809146675"/>
+                  </a:ext>
+                </a:extLst>
+              </a:tr>
+              <a:tr h="370840">
+                <a:tc>
+                  <a:txBody>
+                    <a:bodyPr/>
+                    <a:lstStyle/>
+                    <a:p>
+                      <a:r>
+                        <a:rPr lang="en-GB" sz="3200" dirty="0"/>
+                        <a:t>Hosting and domain cost</a:t>
+                      </a:r>
+                      <a:endParaRPr lang="en-ID" sz="3200" dirty="0"/>
+                    </a:p>
+                  </a:txBody>
+                  <a:tcPr/>
+                </a:tc>
+                <a:tc>
+                  <a:txBody>
+                    <a:bodyPr/>
+                    <a:lstStyle/>
+                    <a:p>
+                      <a:r>
+                        <a:rPr lang="en-GB" sz="3200" dirty="0"/>
+                        <a:t>Rp709.000</a:t>
+                      </a:r>
+                      <a:endParaRPr lang="en-ID" sz="3200" dirty="0"/>
+                    </a:p>
+                  </a:txBody>
+                  <a:tcPr/>
+                </a:tc>
+                <a:extLst>
+                  <a:ext uri="{0D108BD9-81ED-4DB2-BD59-A6C34878D82A}">
+                    <a16:rowId xmlns:a16="http://schemas.microsoft.com/office/drawing/2014/main" val="1533180395"/>
+                  </a:ext>
+                </a:extLst>
+              </a:tr>
+              <a:tr h="370840">
+                <a:tc>
+                  <a:txBody>
+                    <a:bodyPr/>
+                    <a:lstStyle/>
+                    <a:p>
+                      <a:r>
+                        <a:rPr lang="en-GB" sz="3200" b="1" dirty="0"/>
+                        <a:t>Total</a:t>
+                      </a:r>
+                      <a:endParaRPr lang="en-ID" sz="3200" b="1" dirty="0"/>
+                    </a:p>
+                  </a:txBody>
+                  <a:tcPr/>
+                </a:tc>
+                <a:tc>
+                  <a:txBody>
+                    <a:bodyPr/>
+                    <a:lstStyle/>
+                    <a:p>
+                      <a:r>
+                        <a:rPr lang="en-GB" sz="3200" dirty="0"/>
+                        <a:t>Rp30.709.000</a:t>
+                      </a:r>
+                      <a:endParaRPr lang="en-ID" sz="3200" dirty="0"/>
+                    </a:p>
+                  </a:txBody>
+                  <a:tcPr/>
+                </a:tc>
+                <a:extLst>
+                  <a:ext uri="{0D108BD9-81ED-4DB2-BD59-A6C34878D82A}">
+                    <a16:rowId xmlns:a16="http://schemas.microsoft.com/office/drawing/2014/main" val="3922117666"/>
+                  </a:ext>
+                </a:extLst>
+              </a:tr>
+            </a:tbl>
+          </a:graphicData>
+        </a:graphic>
+      </p:graphicFrame>
+    </p:spTree>
+    <p:extLst>
+      <p:ext uri="{BB962C8B-B14F-4D97-AF65-F5344CB8AC3E}">
+        <p14:creationId xmlns:p14="http://schemas.microsoft.com/office/powerpoint/2010/main" val="3669842610"/>
+      </p:ext>
+    </p:extLst>
+  </p:cSld>
+  <p:clrMapOvr>
+    <a:masterClrMapping/>
+  </p:clrMapOvr>
+</p:sld>
+</file>
+
+<file path=ppt/slides/slide23.xml><?xml version="1.0" encoding="utf-8"?>
+<p:sld xmlns:a="http://schemas.openxmlformats.org/drawingml/2006/main" xmlns:r="http://schemas.openxmlformats.org/officeDocument/2006/relationships" xmlns:p="http://schemas.openxmlformats.org/presentationml/2006/main">
+  <p:cSld>
+    <p:spTree>
+      <p:nvGrpSpPr>
+        <p:cNvPr id="1" name=""/>
+        <p:cNvGrpSpPr/>
+        <p:nvPr/>
+      </p:nvGrpSpPr>
+      <p:grpSpPr>
+        <a:xfrm>
+          <a:off x="0" y="0"/>
+          <a:ext cx="0" cy="0"/>
+          <a:chOff x="0" y="0"/>
+          <a:chExt cx="0" cy="0"/>
+        </a:xfrm>
+      </p:grpSpPr>
+      <p:sp>
+        <p:nvSpPr>
+          <p:cNvPr id="2" name="Title 1">
+            <a:extLst>
+              <a:ext uri="{FF2B5EF4-FFF2-40B4-BE49-F238E27FC236}">
+                <a16:creationId xmlns:a16="http://schemas.microsoft.com/office/drawing/2014/main" id="{E84E155C-4686-7FF9-B4A1-F76D1F08C74C}"/>
+              </a:ext>
+            </a:extLst>
+          </p:cNvPr>
+          <p:cNvSpPr>
+            <a:spLocks noGrp="1"/>
+          </p:cNvSpPr>
+          <p:nvPr>
+            <p:ph type="title"/>
+          </p:nvPr>
+        </p:nvSpPr>
+        <p:spPr/>
+        <p:txBody>
+          <a:bodyPr/>
+          <a:lstStyle/>
+          <a:p>
+            <a:r>
+              <a:rPr lang="en-GB" dirty="0"/>
+              <a:t>Recurring Cost</a:t>
+            </a:r>
+            <a:endParaRPr lang="en-ID" dirty="0"/>
+          </a:p>
+        </p:txBody>
+      </p:sp>
+      <p:graphicFrame>
+        <p:nvGraphicFramePr>
+          <p:cNvPr id="4" name="Content Placeholder 3">
+            <a:extLst>
+              <a:ext uri="{FF2B5EF4-FFF2-40B4-BE49-F238E27FC236}">
+                <a16:creationId xmlns:a16="http://schemas.microsoft.com/office/drawing/2014/main" id="{BB951C6F-6074-4A52-FC51-A69BC3E865DA}"/>
+              </a:ext>
+            </a:extLst>
+          </p:cNvPr>
+          <p:cNvGraphicFramePr>
+            <a:graphicFrameLocks noGrp="1"/>
+          </p:cNvGraphicFramePr>
+          <p:nvPr>
+            <p:ph idx="1"/>
+            <p:extLst>
+              <p:ext uri="{D42A27DB-BD31-4B8C-83A1-F6EECF244321}">
+                <p14:modId xmlns:p14="http://schemas.microsoft.com/office/powerpoint/2010/main" val="1371436353"/>
+              </p:ext>
+            </p:extLst>
+          </p:nvPr>
+        </p:nvGraphicFramePr>
+        <p:xfrm>
+          <a:off x="1097280" y="1983545"/>
+          <a:ext cx="10058400" cy="3372454"/>
+        </p:xfrm>
+        <a:graphic>
+          <a:graphicData uri="http://schemas.openxmlformats.org/drawingml/2006/table">
+            <a:tbl>
+              <a:tblPr firstRow="1" firstCol="1" bandRow="1">
+                <a:tableStyleId>{073A0DAA-6AF3-43AB-8588-CEC1D06C72B9}</a:tableStyleId>
+              </a:tblPr>
+              <a:tblGrid>
+                <a:gridCol w="907820">
+                  <a:extLst>
+                    <a:ext uri="{9D8B030D-6E8A-4147-A177-3AD203B41FA5}">
+                      <a16:colId xmlns:a16="http://schemas.microsoft.com/office/drawing/2014/main" val="17352492"/>
+                    </a:ext>
+                  </a:extLst>
+                </a:gridCol>
+                <a:gridCol w="5797357">
+                  <a:extLst>
+                    <a:ext uri="{9D8B030D-6E8A-4147-A177-3AD203B41FA5}">
+                      <a16:colId xmlns:a16="http://schemas.microsoft.com/office/drawing/2014/main" val="3563851004"/>
+                    </a:ext>
+                  </a:extLst>
+                </a:gridCol>
+                <a:gridCol w="3353223">
+                  <a:extLst>
+                    <a:ext uri="{9D8B030D-6E8A-4147-A177-3AD203B41FA5}">
+                      <a16:colId xmlns:a16="http://schemas.microsoft.com/office/drawing/2014/main" val="2830855836"/>
+                    </a:ext>
+                  </a:extLst>
+                </a:gridCol>
+              </a:tblGrid>
+              <a:tr h="804006">
+                <a:tc>
+                  <a:txBody>
+                    <a:bodyPr/>
+                    <a:lstStyle/>
+                    <a:p>
+                      <a:pPr marR="64770" indent="457200" algn="ctr">
+                        <a:lnSpc>
+                          <a:spcPct val="150000"/>
+                        </a:lnSpc>
+                        <a:spcAft>
+                          <a:spcPts val="0"/>
+                        </a:spcAft>
+                      </a:pPr>
+                      <a:endParaRPr lang="en-ID" sz="3200" dirty="0">
+                        <a:effectLst/>
+                        <a:latin typeface="+mn-lt"/>
+                        <a:ea typeface="Calibri" panose="020F0502020204030204" pitchFamily="34" charset="0"/>
+                      </a:endParaRPr>
+                    </a:p>
+                  </a:txBody>
+                  <a:tcPr marL="106937" marR="106937" marT="0" marB="0"/>
+                </a:tc>
+                <a:tc>
+                  <a:txBody>
+                    <a:bodyPr/>
+                    <a:lstStyle/>
+                    <a:p>
+                      <a:pPr marR="64770" indent="457200" algn="ctr">
+                        <a:lnSpc>
+                          <a:spcPct val="150000"/>
+                        </a:lnSpc>
+                        <a:spcAft>
+                          <a:spcPts val="0"/>
+                        </a:spcAft>
+                      </a:pPr>
+                      <a:r>
+                        <a:rPr lang="en-ID" sz="3200" dirty="0" err="1">
+                          <a:effectLst/>
+                        </a:rPr>
+                        <a:t>Keterangan</a:t>
+                      </a:r>
+                      <a:endParaRPr lang="en-ID" sz="3200" dirty="0">
+                        <a:effectLst/>
+                        <a:latin typeface="+mn-lt"/>
+                        <a:ea typeface="Calibri" panose="020F0502020204030204" pitchFamily="34" charset="0"/>
+                      </a:endParaRPr>
+                    </a:p>
+                  </a:txBody>
+                  <a:tcPr marL="106937" marR="106937" marT="0" marB="0"/>
+                </a:tc>
+                <a:tc>
+                  <a:txBody>
+                    <a:bodyPr/>
+                    <a:lstStyle/>
+                    <a:p>
+                      <a:pPr marR="64770" indent="457200" algn="ctr">
+                        <a:lnSpc>
+                          <a:spcPct val="150000"/>
+                        </a:lnSpc>
+                        <a:spcAft>
+                          <a:spcPts val="0"/>
+                        </a:spcAft>
+                      </a:pPr>
+                      <a:r>
+                        <a:rPr lang="en-ID" sz="3200">
+                          <a:effectLst/>
+                        </a:rPr>
+                        <a:t>Subtotal</a:t>
+                      </a:r>
+                      <a:endParaRPr lang="en-ID" sz="3200">
+                        <a:effectLst/>
+                        <a:latin typeface="+mn-lt"/>
+                        <a:ea typeface="Calibri" panose="020F0502020204030204" pitchFamily="34" charset="0"/>
+                      </a:endParaRPr>
+                    </a:p>
+                  </a:txBody>
+                  <a:tcPr marL="106937" marR="106937" marT="0" marB="0"/>
+                </a:tc>
+                <a:extLst>
+                  <a:ext uri="{0D108BD9-81ED-4DB2-BD59-A6C34878D82A}">
+                    <a16:rowId xmlns:a16="http://schemas.microsoft.com/office/drawing/2014/main" val="3044600848"/>
+                  </a:ext>
+                </a:extLst>
+              </a:tr>
+              <a:tr h="376259">
+                <a:tc>
+                  <a:txBody>
+                    <a:bodyPr/>
+                    <a:lstStyle/>
+                    <a:p>
+                      <a:pPr marR="64770" indent="457200" algn="ctr">
+                        <a:lnSpc>
+                          <a:spcPct val="150000"/>
+                        </a:lnSpc>
+                        <a:spcAft>
+                          <a:spcPts val="0"/>
+                        </a:spcAft>
+                      </a:pPr>
+                      <a:r>
+                        <a:rPr lang="en-ID" sz="3200">
+                          <a:effectLst/>
+                        </a:rPr>
+                        <a:t>1</a:t>
+                      </a:r>
+                      <a:endParaRPr lang="en-ID" sz="3200">
+                        <a:effectLst/>
+                        <a:latin typeface="+mn-lt"/>
+                        <a:ea typeface="Calibri" panose="020F0502020204030204" pitchFamily="34" charset="0"/>
+                      </a:endParaRPr>
+                    </a:p>
+                  </a:txBody>
+                  <a:tcPr marL="106937" marR="106937" marT="0" marB="0"/>
+                </a:tc>
+                <a:tc>
+                  <a:txBody>
+                    <a:bodyPr/>
+                    <a:lstStyle/>
+                    <a:p>
+                      <a:pPr marR="64770" indent="457200" algn="l">
+                        <a:lnSpc>
+                          <a:spcPct val="150000"/>
+                        </a:lnSpc>
+                        <a:spcAft>
+                          <a:spcPts val="0"/>
+                        </a:spcAft>
+                      </a:pPr>
+                      <a:r>
+                        <a:rPr lang="en-ID" sz="3200" dirty="0">
+                          <a:effectLst/>
+                        </a:rPr>
+                        <a:t>Hosting Cost per year</a:t>
+                      </a:r>
+                      <a:endParaRPr lang="en-ID" sz="3200" dirty="0">
+                        <a:effectLst/>
+                        <a:latin typeface="+mn-lt"/>
+                        <a:ea typeface="Calibri" panose="020F0502020204030204" pitchFamily="34" charset="0"/>
+                      </a:endParaRPr>
+                    </a:p>
+                  </a:txBody>
+                  <a:tcPr marL="106937" marR="106937" marT="0" marB="0"/>
+                </a:tc>
+                <a:tc>
+                  <a:txBody>
+                    <a:bodyPr/>
+                    <a:lstStyle/>
+                    <a:p>
+                      <a:pPr marR="64770" indent="457200" algn="ctr">
+                        <a:lnSpc>
+                          <a:spcPct val="150000"/>
+                        </a:lnSpc>
+                        <a:spcAft>
+                          <a:spcPts val="0"/>
+                        </a:spcAft>
+                      </a:pPr>
+                      <a:r>
+                        <a:rPr lang="en-ID" sz="3200">
+                          <a:effectLst/>
+                        </a:rPr>
+                        <a:t>Rp 600.000</a:t>
+                      </a:r>
+                      <a:endParaRPr lang="en-ID" sz="3200">
+                        <a:effectLst/>
+                        <a:latin typeface="+mn-lt"/>
+                        <a:ea typeface="Calibri" panose="020F0502020204030204" pitchFamily="34" charset="0"/>
+                      </a:endParaRPr>
+                    </a:p>
+                  </a:txBody>
+                  <a:tcPr marL="106937" marR="106937" marT="0" marB="0"/>
+                </a:tc>
+                <a:extLst>
+                  <a:ext uri="{0D108BD9-81ED-4DB2-BD59-A6C34878D82A}">
+                    <a16:rowId xmlns:a16="http://schemas.microsoft.com/office/drawing/2014/main" val="1716571871"/>
+                  </a:ext>
+                </a:extLst>
+              </a:tr>
+              <a:tr h="376259">
+                <a:tc>
+                  <a:txBody>
+                    <a:bodyPr/>
+                    <a:lstStyle/>
+                    <a:p>
+                      <a:pPr marR="64770" indent="457200" algn="ctr">
+                        <a:lnSpc>
+                          <a:spcPct val="150000"/>
+                        </a:lnSpc>
+                        <a:spcAft>
+                          <a:spcPts val="0"/>
+                        </a:spcAft>
+                      </a:pPr>
+                      <a:r>
+                        <a:rPr lang="en-ID" sz="3200">
+                          <a:effectLst/>
+                        </a:rPr>
+                        <a:t>2</a:t>
+                      </a:r>
+                      <a:endParaRPr lang="en-ID" sz="3200">
+                        <a:effectLst/>
+                        <a:latin typeface="+mn-lt"/>
+                        <a:ea typeface="Calibri" panose="020F0502020204030204" pitchFamily="34" charset="0"/>
+                      </a:endParaRPr>
+                    </a:p>
+                  </a:txBody>
+                  <a:tcPr marL="106937" marR="106937" marT="0" marB="0"/>
+                </a:tc>
+                <a:tc>
+                  <a:txBody>
+                    <a:bodyPr/>
+                    <a:lstStyle/>
+                    <a:p>
+                      <a:pPr marR="64770" indent="457200" algn="l">
+                        <a:lnSpc>
+                          <a:spcPct val="150000"/>
+                        </a:lnSpc>
+                        <a:spcAft>
+                          <a:spcPts val="0"/>
+                        </a:spcAft>
+                        <a:tabLst>
+                          <a:tab pos="372110" algn="l"/>
+                        </a:tabLst>
+                      </a:pPr>
+                      <a:r>
+                        <a:rPr lang="en-ID" sz="3200" dirty="0">
+                          <a:effectLst/>
+                        </a:rPr>
+                        <a:t>Domain Cost</a:t>
+                      </a:r>
+                      <a:endParaRPr lang="en-ID" sz="3200" dirty="0">
+                        <a:effectLst/>
+                        <a:latin typeface="+mn-lt"/>
+                        <a:ea typeface="Calibri" panose="020F0502020204030204" pitchFamily="34" charset="0"/>
+                      </a:endParaRPr>
+                    </a:p>
+                  </a:txBody>
+                  <a:tcPr marL="106937" marR="106937" marT="0" marB="0"/>
+                </a:tc>
+                <a:tc>
+                  <a:txBody>
+                    <a:bodyPr/>
+                    <a:lstStyle/>
+                    <a:p>
+                      <a:pPr marR="64770" indent="457200" algn="ctr">
+                        <a:lnSpc>
+                          <a:spcPct val="150000"/>
+                        </a:lnSpc>
+                        <a:spcAft>
+                          <a:spcPts val="0"/>
+                        </a:spcAft>
+                      </a:pPr>
+                      <a:r>
+                        <a:rPr lang="en-ID" sz="3200">
+                          <a:effectLst/>
+                        </a:rPr>
+                        <a:t>Rp 109.000</a:t>
+                      </a:r>
+                      <a:endParaRPr lang="en-ID" sz="3200">
+                        <a:effectLst/>
+                        <a:latin typeface="+mn-lt"/>
+                        <a:ea typeface="Calibri" panose="020F0502020204030204" pitchFamily="34" charset="0"/>
+                      </a:endParaRPr>
+                    </a:p>
+                  </a:txBody>
+                  <a:tcPr marL="106937" marR="106937" marT="0" marB="0"/>
+                </a:tc>
+                <a:extLst>
+                  <a:ext uri="{0D108BD9-81ED-4DB2-BD59-A6C34878D82A}">
+                    <a16:rowId xmlns:a16="http://schemas.microsoft.com/office/drawing/2014/main" val="2351008753"/>
+                  </a:ext>
+                </a:extLst>
+              </a:tr>
+              <a:tr h="376259">
+                <a:tc>
+                  <a:txBody>
+                    <a:bodyPr/>
+                    <a:lstStyle/>
+                    <a:p>
+                      <a:pPr marR="64770" indent="457200" algn="ctr">
+                        <a:lnSpc>
+                          <a:spcPct val="150000"/>
+                        </a:lnSpc>
+                        <a:spcAft>
+                          <a:spcPts val="0"/>
+                        </a:spcAft>
+                      </a:pPr>
+                      <a:r>
+                        <a:rPr lang="en-ID" sz="3200">
+                          <a:effectLst/>
+                        </a:rPr>
+                        <a:t>3</a:t>
+                      </a:r>
+                      <a:endParaRPr lang="en-ID" sz="3200">
+                        <a:effectLst/>
+                        <a:latin typeface="+mn-lt"/>
+                        <a:ea typeface="Calibri" panose="020F0502020204030204" pitchFamily="34" charset="0"/>
+                      </a:endParaRPr>
+                    </a:p>
+                  </a:txBody>
+                  <a:tcPr marL="106937" marR="106937" marT="0" marB="0"/>
+                </a:tc>
+                <a:tc>
+                  <a:txBody>
+                    <a:bodyPr/>
+                    <a:lstStyle/>
+                    <a:p>
+                      <a:pPr marR="64770" indent="457200" algn="l">
+                        <a:lnSpc>
+                          <a:spcPct val="150000"/>
+                        </a:lnSpc>
+                        <a:spcAft>
+                          <a:spcPts val="0"/>
+                        </a:spcAft>
+                        <a:tabLst>
+                          <a:tab pos="690880" algn="l"/>
+                        </a:tabLst>
+                      </a:pPr>
+                      <a:r>
+                        <a:rPr lang="en-ID" sz="3200" dirty="0" err="1">
+                          <a:effectLst/>
+                        </a:rPr>
+                        <a:t>Maintainance</a:t>
+                      </a:r>
+                      <a:r>
+                        <a:rPr lang="en-ID" sz="3200" dirty="0">
+                          <a:effectLst/>
+                        </a:rPr>
+                        <a:t> Cost</a:t>
+                      </a:r>
+                      <a:endParaRPr lang="en-ID" sz="3200" dirty="0">
+                        <a:effectLst/>
+                        <a:latin typeface="+mn-lt"/>
+                        <a:ea typeface="Calibri" panose="020F0502020204030204" pitchFamily="34" charset="0"/>
+                      </a:endParaRPr>
+                    </a:p>
+                  </a:txBody>
+                  <a:tcPr marL="106937" marR="106937" marT="0" marB="0"/>
+                </a:tc>
+                <a:tc>
+                  <a:txBody>
+                    <a:bodyPr/>
+                    <a:lstStyle/>
+                    <a:p>
+                      <a:pPr marR="64770" indent="457200" algn="ctr">
+                        <a:lnSpc>
+                          <a:spcPct val="150000"/>
+                        </a:lnSpc>
+                        <a:spcAft>
+                          <a:spcPts val="0"/>
+                        </a:spcAft>
+                      </a:pPr>
+                      <a:r>
+                        <a:rPr lang="en-ID" sz="3200">
+                          <a:effectLst/>
+                        </a:rPr>
+                        <a:t>Rp 1.000.000</a:t>
+                      </a:r>
+                      <a:endParaRPr lang="en-ID" sz="3200">
+                        <a:effectLst/>
+                        <a:latin typeface="+mn-lt"/>
+                        <a:ea typeface="Calibri" panose="020F0502020204030204" pitchFamily="34" charset="0"/>
+                      </a:endParaRPr>
+                    </a:p>
+                  </a:txBody>
+                  <a:tcPr marL="106937" marR="106937" marT="0" marB="0"/>
+                </a:tc>
+                <a:extLst>
+                  <a:ext uri="{0D108BD9-81ED-4DB2-BD59-A6C34878D82A}">
+                    <a16:rowId xmlns:a16="http://schemas.microsoft.com/office/drawing/2014/main" val="2445971519"/>
+                  </a:ext>
+                </a:extLst>
+              </a:tr>
+              <a:tr h="376259">
+                <a:tc>
+                  <a:txBody>
+                    <a:bodyPr/>
+                    <a:lstStyle/>
+                    <a:p>
+                      <a:pPr marR="64770" indent="457200" algn="ctr">
+                        <a:lnSpc>
+                          <a:spcPct val="150000"/>
+                        </a:lnSpc>
+                        <a:spcAft>
+                          <a:spcPts val="0"/>
+                        </a:spcAft>
+                      </a:pPr>
+                      <a:r>
+                        <a:rPr lang="en-ID" sz="3200">
+                          <a:effectLst/>
+                        </a:rPr>
+                        <a:t> </a:t>
+                      </a:r>
+                      <a:endParaRPr lang="en-ID" sz="3200">
+                        <a:effectLst/>
+                        <a:latin typeface="+mn-lt"/>
+                        <a:ea typeface="Calibri" panose="020F0502020204030204" pitchFamily="34" charset="0"/>
+                      </a:endParaRPr>
+                    </a:p>
+                  </a:txBody>
+                  <a:tcPr marL="106937" marR="106937" marT="0" marB="0"/>
+                </a:tc>
+                <a:tc>
+                  <a:txBody>
+                    <a:bodyPr/>
+                    <a:lstStyle/>
+                    <a:p>
+                      <a:pPr marR="64770" indent="457200" algn="just">
+                        <a:lnSpc>
+                          <a:spcPct val="150000"/>
+                        </a:lnSpc>
+                        <a:spcAft>
+                          <a:spcPts val="0"/>
+                        </a:spcAft>
+                        <a:tabLst>
+                          <a:tab pos="690880" algn="l"/>
+                        </a:tabLst>
+                      </a:pPr>
+                      <a:r>
+                        <a:rPr lang="en-ID" sz="3200">
+                          <a:effectLst/>
+                        </a:rPr>
+                        <a:t>        Total</a:t>
+                      </a:r>
+                      <a:endParaRPr lang="en-ID" sz="3200">
+                        <a:effectLst/>
+                        <a:latin typeface="+mn-lt"/>
+                        <a:ea typeface="Calibri" panose="020F0502020204030204" pitchFamily="34" charset="0"/>
+                      </a:endParaRPr>
+                    </a:p>
+                  </a:txBody>
+                  <a:tcPr marL="106937" marR="106937" marT="0" marB="0"/>
+                </a:tc>
+                <a:tc>
+                  <a:txBody>
+                    <a:bodyPr/>
+                    <a:lstStyle/>
+                    <a:p>
+                      <a:pPr marR="64770" indent="457200" algn="ctr">
+                        <a:lnSpc>
+                          <a:spcPct val="150000"/>
+                        </a:lnSpc>
+                        <a:spcAft>
+                          <a:spcPts val="0"/>
+                        </a:spcAft>
+                      </a:pPr>
+                      <a:r>
+                        <a:rPr lang="en-ID" sz="3200" dirty="0">
+                          <a:effectLst/>
+                        </a:rPr>
+                        <a:t>Rp 1.709.000</a:t>
+                      </a:r>
+                      <a:endParaRPr lang="en-ID" sz="3200" dirty="0">
+                        <a:effectLst/>
+                        <a:latin typeface="+mn-lt"/>
+                        <a:ea typeface="Calibri" panose="020F0502020204030204" pitchFamily="34" charset="0"/>
+                      </a:endParaRPr>
+                    </a:p>
+                  </a:txBody>
+                  <a:tcPr marL="106937" marR="106937" marT="0" marB="0"/>
+                </a:tc>
+                <a:extLst>
+                  <a:ext uri="{0D108BD9-81ED-4DB2-BD59-A6C34878D82A}">
+                    <a16:rowId xmlns:a16="http://schemas.microsoft.com/office/drawing/2014/main" val="2829368765"/>
+                  </a:ext>
+                </a:extLst>
+              </a:tr>
+            </a:tbl>
+          </a:graphicData>
+        </a:graphic>
+      </p:graphicFrame>
+    </p:spTree>
+    <p:extLst>
+      <p:ext uri="{BB962C8B-B14F-4D97-AF65-F5344CB8AC3E}">
+        <p14:creationId xmlns:p14="http://schemas.microsoft.com/office/powerpoint/2010/main" val="3639045628"/>
+      </p:ext>
+    </p:extLst>
+  </p:cSld>
+  <p:clrMapOvr>
+    <a:masterClrMapping/>
+  </p:clrMapOvr>
+</p:sld>
+</file>
+
+<file path=ppt/slides/slide24.xml><?xml version="1.0" encoding="utf-8"?>
+<p:sld xmlns:a="http://schemas.openxmlformats.org/drawingml/2006/main" xmlns:r="http://schemas.openxmlformats.org/officeDocument/2006/relationships" xmlns:p="http://schemas.openxmlformats.org/presentationml/2006/main">
+  <p:cSld>
+    <p:spTree>
+      <p:nvGrpSpPr>
+        <p:cNvPr id="1" name=""/>
+        <p:cNvGrpSpPr/>
+        <p:nvPr/>
+      </p:nvGrpSpPr>
+      <p:grpSpPr>
+        <a:xfrm>
+          <a:off x="0" y="0"/>
+          <a:ext cx="0" cy="0"/>
+          <a:chOff x="0" y="0"/>
+          <a:chExt cx="0" cy="0"/>
+        </a:xfrm>
+      </p:grpSpPr>
+      <p:sp>
+        <p:nvSpPr>
+          <p:cNvPr id="2" name="Title 1">
+            <a:extLst>
+              <a:ext uri="{FF2B5EF4-FFF2-40B4-BE49-F238E27FC236}">
+                <a16:creationId xmlns:a16="http://schemas.microsoft.com/office/drawing/2014/main" id="{4564A1DE-D695-76B5-4BD8-58C3913E08ED}"/>
+              </a:ext>
+            </a:extLst>
+          </p:cNvPr>
+          <p:cNvSpPr>
+            <a:spLocks noGrp="1"/>
+          </p:cNvSpPr>
+          <p:nvPr>
+            <p:ph type="title"/>
+          </p:nvPr>
+        </p:nvSpPr>
+        <p:spPr/>
+        <p:txBody>
+          <a:bodyPr/>
+          <a:lstStyle/>
+          <a:p>
+            <a:r>
+              <a:rPr lang="en-GB" dirty="0"/>
+              <a:t>Projected Income</a:t>
+            </a:r>
+            <a:endParaRPr lang="en-ID" dirty="0"/>
+          </a:p>
+        </p:txBody>
+      </p:sp>
+      <p:graphicFrame>
+        <p:nvGraphicFramePr>
+          <p:cNvPr id="4" name="Content Placeholder 3">
+            <a:extLst>
+              <a:ext uri="{FF2B5EF4-FFF2-40B4-BE49-F238E27FC236}">
+                <a16:creationId xmlns:a16="http://schemas.microsoft.com/office/drawing/2014/main" id="{FD3E0D79-A2B4-559A-26C6-FAF3C6C747AE}"/>
+              </a:ext>
+            </a:extLst>
+          </p:cNvPr>
+          <p:cNvGraphicFramePr>
+            <a:graphicFrameLocks noGrp="1"/>
+          </p:cNvGraphicFramePr>
+          <p:nvPr>
+            <p:ph idx="1"/>
+            <p:extLst>
+              <p:ext uri="{D42A27DB-BD31-4B8C-83A1-F6EECF244321}">
+                <p14:modId xmlns:p14="http://schemas.microsoft.com/office/powerpoint/2010/main" val="4069744776"/>
+              </p:ext>
+            </p:extLst>
+          </p:nvPr>
+        </p:nvGraphicFramePr>
+        <p:xfrm>
+          <a:off x="894215" y="2222695"/>
+          <a:ext cx="10261465" cy="2575269"/>
+        </p:xfrm>
+        <a:graphic>
+          <a:graphicData uri="http://schemas.openxmlformats.org/drawingml/2006/table">
+            <a:tbl>
+              <a:tblPr firstRow="1" firstCol="1" bandRow="1">
+                <a:tableStyleId>{073A0DAA-6AF3-43AB-8588-CEC1D06C72B9}</a:tableStyleId>
+              </a:tblPr>
+              <a:tblGrid>
+                <a:gridCol w="926148">
+                  <a:extLst>
+                    <a:ext uri="{9D8B030D-6E8A-4147-A177-3AD203B41FA5}">
+                      <a16:colId xmlns:a16="http://schemas.microsoft.com/office/drawing/2014/main" val="3738390374"/>
+                    </a:ext>
+                  </a:extLst>
+                </a:gridCol>
+                <a:gridCol w="5914397">
+                  <a:extLst>
+                    <a:ext uri="{9D8B030D-6E8A-4147-A177-3AD203B41FA5}">
+                      <a16:colId xmlns:a16="http://schemas.microsoft.com/office/drawing/2014/main" val="3602082365"/>
+                    </a:ext>
+                  </a:extLst>
+                </a:gridCol>
+                <a:gridCol w="3420920">
+                  <a:extLst>
+                    <a:ext uri="{9D8B030D-6E8A-4147-A177-3AD203B41FA5}">
+                      <a16:colId xmlns:a16="http://schemas.microsoft.com/office/drawing/2014/main" val="2103647547"/>
+                    </a:ext>
+                  </a:extLst>
+                </a:gridCol>
+              </a:tblGrid>
+              <a:tr h="1006500">
+                <a:tc>
+                  <a:txBody>
+                    <a:bodyPr/>
+                    <a:lstStyle/>
+                    <a:p>
+                      <a:pPr marR="64770" indent="457200" algn="ctr">
+                        <a:lnSpc>
+                          <a:spcPct val="150000"/>
+                        </a:lnSpc>
+                        <a:spcAft>
+                          <a:spcPts val="0"/>
+                        </a:spcAft>
+                      </a:pPr>
+                      <a:endParaRPr lang="en-ID" sz="2600" dirty="0">
+                        <a:effectLst/>
+                        <a:latin typeface="Times New Roman" panose="02020603050405020304" pitchFamily="18" charset="0"/>
+                        <a:ea typeface="Calibri" panose="020F0502020204030204" pitchFamily="34" charset="0"/>
+                      </a:endParaRPr>
+                    </a:p>
+                  </a:txBody>
+                  <a:tcPr marL="147102" marR="147102" marT="0" marB="0"/>
+                </a:tc>
+                <a:tc>
+                  <a:txBody>
+                    <a:bodyPr/>
+                    <a:lstStyle/>
+                    <a:p>
+                      <a:pPr marR="64770" indent="457200" algn="ctr">
+                        <a:lnSpc>
+                          <a:spcPct val="150000"/>
+                        </a:lnSpc>
+                        <a:spcAft>
+                          <a:spcPts val="0"/>
+                        </a:spcAft>
+                      </a:pPr>
+                      <a:r>
+                        <a:rPr lang="en-GB" sz="2600" dirty="0">
+                          <a:effectLst/>
+                          <a:latin typeface="Times New Roman" panose="02020603050405020304" pitchFamily="18" charset="0"/>
+                          <a:ea typeface="Calibri" panose="020F0502020204030204" pitchFamily="34" charset="0"/>
+                        </a:rPr>
+                        <a:t>F</a:t>
+                      </a:r>
+                      <a:r>
+                        <a:rPr lang="en-ID" sz="2600" dirty="0" err="1">
+                          <a:effectLst/>
+                          <a:latin typeface="Times New Roman" panose="02020603050405020304" pitchFamily="18" charset="0"/>
+                          <a:ea typeface="Calibri" panose="020F0502020204030204" pitchFamily="34" charset="0"/>
+                        </a:rPr>
+                        <a:t>ee</a:t>
+                      </a:r>
+                      <a:endParaRPr lang="en-ID" sz="2600" dirty="0">
+                        <a:effectLst/>
+                        <a:latin typeface="Times New Roman" panose="02020603050405020304" pitchFamily="18" charset="0"/>
+                        <a:ea typeface="Calibri" panose="020F0502020204030204" pitchFamily="34" charset="0"/>
+                      </a:endParaRPr>
+                    </a:p>
+                  </a:txBody>
+                  <a:tcPr marL="147102" marR="147102" marT="0" marB="0"/>
+                </a:tc>
+                <a:tc>
+                  <a:txBody>
+                    <a:bodyPr/>
+                    <a:lstStyle/>
+                    <a:p>
+                      <a:pPr marR="64770" indent="457200" algn="ctr">
+                        <a:lnSpc>
+                          <a:spcPct val="150000"/>
+                        </a:lnSpc>
+                        <a:spcAft>
+                          <a:spcPts val="0"/>
+                        </a:spcAft>
+                      </a:pPr>
+                      <a:r>
+                        <a:rPr lang="en-ID" sz="2600">
+                          <a:effectLst/>
+                        </a:rPr>
+                        <a:t>Subtotal</a:t>
+                      </a:r>
+                      <a:endParaRPr lang="en-ID" sz="2600">
+                        <a:effectLst/>
+                        <a:latin typeface="Times New Roman" panose="02020603050405020304" pitchFamily="18" charset="0"/>
+                        <a:ea typeface="Calibri" panose="020F0502020204030204" pitchFamily="34" charset="0"/>
+                      </a:endParaRPr>
+                    </a:p>
+                  </a:txBody>
+                  <a:tcPr marL="147102" marR="147102" marT="0" marB="0"/>
+                </a:tc>
+                <a:extLst>
+                  <a:ext uri="{0D108BD9-81ED-4DB2-BD59-A6C34878D82A}">
+                    <a16:rowId xmlns:a16="http://schemas.microsoft.com/office/drawing/2014/main" val="4143213183"/>
+                  </a:ext>
+                </a:extLst>
+              </a:tr>
+              <a:tr h="471048">
+                <a:tc>
+                  <a:txBody>
+                    <a:bodyPr/>
+                    <a:lstStyle/>
+                    <a:p>
+                      <a:pPr marR="64770" indent="457200" algn="ctr">
+                        <a:lnSpc>
+                          <a:spcPct val="150000"/>
+                        </a:lnSpc>
+                        <a:spcAft>
+                          <a:spcPts val="0"/>
+                        </a:spcAft>
+                      </a:pPr>
+                      <a:r>
+                        <a:rPr lang="en-ID" sz="2600">
+                          <a:effectLst/>
+                        </a:rPr>
+                        <a:t>1</a:t>
+                      </a:r>
+                      <a:endParaRPr lang="en-ID" sz="2600">
+                        <a:effectLst/>
+                        <a:latin typeface="Times New Roman" panose="02020603050405020304" pitchFamily="18" charset="0"/>
+                        <a:ea typeface="Calibri" panose="020F0502020204030204" pitchFamily="34" charset="0"/>
+                      </a:endParaRPr>
+                    </a:p>
+                  </a:txBody>
+                  <a:tcPr marL="147102" marR="147102" marT="0" marB="0"/>
+                </a:tc>
+                <a:tc>
+                  <a:txBody>
+                    <a:bodyPr/>
+                    <a:lstStyle/>
+                    <a:p>
+                      <a:pPr marR="64770" indent="457200" algn="l">
+                        <a:lnSpc>
+                          <a:spcPct val="150000"/>
+                        </a:lnSpc>
+                        <a:spcAft>
+                          <a:spcPts val="0"/>
+                        </a:spcAft>
+                      </a:pPr>
+                      <a:r>
+                        <a:rPr lang="en-ID" sz="2600" dirty="0">
+                          <a:effectLst/>
+                        </a:rPr>
+                        <a:t>Subscription fee per year</a:t>
+                      </a:r>
+                      <a:endParaRPr lang="en-ID" sz="2600" dirty="0">
+                        <a:effectLst/>
+                        <a:latin typeface="Times New Roman" panose="02020603050405020304" pitchFamily="18" charset="0"/>
+                        <a:ea typeface="Calibri" panose="020F0502020204030204" pitchFamily="34" charset="0"/>
+                      </a:endParaRPr>
+                    </a:p>
+                  </a:txBody>
+                  <a:tcPr marL="147102" marR="147102" marT="0" marB="0"/>
+                </a:tc>
+                <a:tc>
+                  <a:txBody>
+                    <a:bodyPr/>
+                    <a:lstStyle/>
+                    <a:p>
+                      <a:pPr marR="64770" indent="457200" algn="ctr">
+                        <a:lnSpc>
+                          <a:spcPct val="150000"/>
+                        </a:lnSpc>
+                        <a:spcAft>
+                          <a:spcPts val="0"/>
+                        </a:spcAft>
+                      </a:pPr>
+                      <a:r>
+                        <a:rPr lang="en-ID" sz="2600">
+                          <a:effectLst/>
+                        </a:rPr>
+                        <a:t>Rp 20.000.000</a:t>
+                      </a:r>
+                      <a:endParaRPr lang="en-ID" sz="2600">
+                        <a:effectLst/>
+                        <a:latin typeface="Times New Roman" panose="02020603050405020304" pitchFamily="18" charset="0"/>
+                        <a:ea typeface="Calibri" panose="020F0502020204030204" pitchFamily="34" charset="0"/>
+                      </a:endParaRPr>
+                    </a:p>
+                  </a:txBody>
+                  <a:tcPr marL="147102" marR="147102" marT="0" marB="0"/>
+                </a:tc>
+                <a:extLst>
+                  <a:ext uri="{0D108BD9-81ED-4DB2-BD59-A6C34878D82A}">
+                    <a16:rowId xmlns:a16="http://schemas.microsoft.com/office/drawing/2014/main" val="2787077745"/>
+                  </a:ext>
+                </a:extLst>
+              </a:tr>
+              <a:tr h="471048">
+                <a:tc>
+                  <a:txBody>
+                    <a:bodyPr/>
+                    <a:lstStyle/>
+                    <a:p>
+                      <a:pPr marR="64770" indent="457200" algn="ctr">
+                        <a:lnSpc>
+                          <a:spcPct val="150000"/>
+                        </a:lnSpc>
+                        <a:spcAft>
+                          <a:spcPts val="0"/>
+                        </a:spcAft>
+                      </a:pPr>
+                      <a:r>
+                        <a:rPr lang="en-ID" sz="2600">
+                          <a:effectLst/>
+                        </a:rPr>
+                        <a:t>2</a:t>
+                      </a:r>
+                      <a:endParaRPr lang="en-ID" sz="2600">
+                        <a:effectLst/>
+                        <a:latin typeface="Times New Roman" panose="02020603050405020304" pitchFamily="18" charset="0"/>
+                        <a:ea typeface="Calibri" panose="020F0502020204030204" pitchFamily="34" charset="0"/>
+                      </a:endParaRPr>
+                    </a:p>
+                  </a:txBody>
+                  <a:tcPr marL="147102" marR="147102" marT="0" marB="0"/>
+                </a:tc>
+                <a:tc>
+                  <a:txBody>
+                    <a:bodyPr/>
+                    <a:lstStyle/>
+                    <a:p>
+                      <a:pPr marR="64770" indent="457200" algn="l">
+                        <a:lnSpc>
+                          <a:spcPct val="150000"/>
+                        </a:lnSpc>
+                        <a:spcAft>
+                          <a:spcPts val="0"/>
+                        </a:spcAft>
+                        <a:tabLst>
+                          <a:tab pos="690880" algn="l"/>
+                        </a:tabLst>
+                      </a:pPr>
+                      <a:r>
+                        <a:rPr lang="en-ID" sz="2600" dirty="0" err="1">
+                          <a:effectLst/>
+                        </a:rPr>
+                        <a:t>Maintainance</a:t>
+                      </a:r>
+                      <a:r>
+                        <a:rPr lang="en-ID" sz="2600" dirty="0">
+                          <a:effectLst/>
+                        </a:rPr>
+                        <a:t> fee</a:t>
+                      </a:r>
+                      <a:endParaRPr lang="en-ID" sz="2600" dirty="0">
+                        <a:effectLst/>
+                        <a:latin typeface="Times New Roman" panose="02020603050405020304" pitchFamily="18" charset="0"/>
+                        <a:ea typeface="Calibri" panose="020F0502020204030204" pitchFamily="34" charset="0"/>
+                      </a:endParaRPr>
+                    </a:p>
+                  </a:txBody>
+                  <a:tcPr marL="147102" marR="147102" marT="0" marB="0"/>
+                </a:tc>
+                <a:tc>
+                  <a:txBody>
+                    <a:bodyPr/>
+                    <a:lstStyle/>
+                    <a:p>
+                      <a:pPr marR="64770" indent="457200" algn="ctr">
+                        <a:lnSpc>
+                          <a:spcPct val="150000"/>
+                        </a:lnSpc>
+                        <a:spcAft>
+                          <a:spcPts val="0"/>
+                        </a:spcAft>
+                      </a:pPr>
+                      <a:r>
+                        <a:rPr lang="en-ID" sz="2600">
+                          <a:effectLst/>
+                        </a:rPr>
+                        <a:t>Rp 1.000.000</a:t>
+                      </a:r>
+                      <a:endParaRPr lang="en-ID" sz="2600">
+                        <a:effectLst/>
+                        <a:latin typeface="Times New Roman" panose="02020603050405020304" pitchFamily="18" charset="0"/>
+                        <a:ea typeface="Calibri" panose="020F0502020204030204" pitchFamily="34" charset="0"/>
+                      </a:endParaRPr>
+                    </a:p>
+                  </a:txBody>
+                  <a:tcPr marL="147102" marR="147102" marT="0" marB="0"/>
+                </a:tc>
+                <a:extLst>
+                  <a:ext uri="{0D108BD9-81ED-4DB2-BD59-A6C34878D82A}">
+                    <a16:rowId xmlns:a16="http://schemas.microsoft.com/office/drawing/2014/main" val="2893907243"/>
+                  </a:ext>
+                </a:extLst>
+              </a:tr>
+              <a:tr h="471048">
+                <a:tc>
+                  <a:txBody>
+                    <a:bodyPr/>
+                    <a:lstStyle/>
+                    <a:p>
+                      <a:pPr marR="64770" indent="457200" algn="ctr">
+                        <a:lnSpc>
+                          <a:spcPct val="150000"/>
+                        </a:lnSpc>
+                        <a:spcAft>
+                          <a:spcPts val="0"/>
+                        </a:spcAft>
+                      </a:pPr>
+                      <a:r>
+                        <a:rPr lang="en-ID" sz="2600">
+                          <a:effectLst/>
+                        </a:rPr>
+                        <a:t> </a:t>
+                      </a:r>
+                      <a:endParaRPr lang="en-ID" sz="2600">
+                        <a:effectLst/>
+                        <a:latin typeface="Times New Roman" panose="02020603050405020304" pitchFamily="18" charset="0"/>
+                        <a:ea typeface="Calibri" panose="020F0502020204030204" pitchFamily="34" charset="0"/>
+                      </a:endParaRPr>
+                    </a:p>
+                  </a:txBody>
+                  <a:tcPr marL="147102" marR="147102" marT="0" marB="0"/>
+                </a:tc>
+                <a:tc>
+                  <a:txBody>
+                    <a:bodyPr/>
+                    <a:lstStyle/>
+                    <a:p>
+                      <a:pPr marR="64770" indent="457200" algn="just">
+                        <a:lnSpc>
+                          <a:spcPct val="150000"/>
+                        </a:lnSpc>
+                        <a:spcAft>
+                          <a:spcPts val="0"/>
+                        </a:spcAft>
+                        <a:tabLst>
+                          <a:tab pos="690880" algn="l"/>
+                        </a:tabLst>
+                      </a:pPr>
+                      <a:r>
+                        <a:rPr lang="en-ID" sz="2600">
+                          <a:effectLst/>
+                        </a:rPr>
+                        <a:t>        Total</a:t>
+                      </a:r>
+                      <a:endParaRPr lang="en-ID" sz="2600">
+                        <a:effectLst/>
+                        <a:latin typeface="Times New Roman" panose="02020603050405020304" pitchFamily="18" charset="0"/>
+                        <a:ea typeface="Calibri" panose="020F0502020204030204" pitchFamily="34" charset="0"/>
+                      </a:endParaRPr>
+                    </a:p>
+                  </a:txBody>
+                  <a:tcPr marL="147102" marR="147102" marT="0" marB="0"/>
+                </a:tc>
+                <a:tc>
+                  <a:txBody>
+                    <a:bodyPr/>
+                    <a:lstStyle/>
+                    <a:p>
+                      <a:pPr marR="64770" indent="457200" algn="ctr">
+                        <a:lnSpc>
+                          <a:spcPct val="150000"/>
+                        </a:lnSpc>
+                        <a:spcAft>
+                          <a:spcPts val="0"/>
+                        </a:spcAft>
+                      </a:pPr>
+                      <a:r>
+                        <a:rPr lang="en-ID" sz="2600" dirty="0">
+                          <a:effectLst/>
+                        </a:rPr>
+                        <a:t>Rp 21.709.000</a:t>
+                      </a:r>
+                      <a:endParaRPr lang="en-ID" sz="2600" dirty="0">
+                        <a:effectLst/>
+                        <a:latin typeface="Times New Roman" panose="02020603050405020304" pitchFamily="18" charset="0"/>
+                        <a:ea typeface="Calibri" panose="020F0502020204030204" pitchFamily="34" charset="0"/>
+                      </a:endParaRPr>
+                    </a:p>
+                  </a:txBody>
+                  <a:tcPr marL="147102" marR="147102" marT="0" marB="0"/>
+                </a:tc>
+                <a:extLst>
+                  <a:ext uri="{0D108BD9-81ED-4DB2-BD59-A6C34878D82A}">
+                    <a16:rowId xmlns:a16="http://schemas.microsoft.com/office/drawing/2014/main" val="823343756"/>
+                  </a:ext>
+                </a:extLst>
+              </a:tr>
+            </a:tbl>
+          </a:graphicData>
+        </a:graphic>
+      </p:graphicFrame>
+    </p:spTree>
+    <p:extLst>
+      <p:ext uri="{BB962C8B-B14F-4D97-AF65-F5344CB8AC3E}">
+        <p14:creationId xmlns:p14="http://schemas.microsoft.com/office/powerpoint/2010/main" val="4248447803"/>
+      </p:ext>
+    </p:extLst>
+  </p:cSld>
+  <p:clrMapOvr>
+    <a:masterClrMapping/>
+  </p:clrMapOvr>
+</p:sld>
+</file>
+
+<file path=ppt/slides/slide25.xml><?xml version="1.0" encoding="utf-8"?>
+<p:sld xmlns:a="http://schemas.openxmlformats.org/drawingml/2006/main" xmlns:r="http://schemas.openxmlformats.org/officeDocument/2006/relationships" xmlns:p="http://schemas.openxmlformats.org/presentationml/2006/main">
+  <p:cSld>
+    <p:spTree>
+      <p:nvGrpSpPr>
+        <p:cNvPr id="1" name=""/>
+        <p:cNvGrpSpPr/>
+        <p:nvPr/>
+      </p:nvGrpSpPr>
+      <p:grpSpPr>
+        <a:xfrm>
+          <a:off x="0" y="0"/>
+          <a:ext cx="0" cy="0"/>
+          <a:chOff x="0" y="0"/>
+          <a:chExt cx="0" cy="0"/>
+        </a:xfrm>
+      </p:grpSpPr>
+      <p:sp>
+        <p:nvSpPr>
+          <p:cNvPr id="2" name="Title 1">
+            <a:extLst>
+              <a:ext uri="{FF2B5EF4-FFF2-40B4-BE49-F238E27FC236}">
+                <a16:creationId xmlns:a16="http://schemas.microsoft.com/office/drawing/2014/main" id="{80CE827F-A569-E46B-A953-8A9DF1EF376D}"/>
+              </a:ext>
+            </a:extLst>
+          </p:cNvPr>
+          <p:cNvSpPr>
+            <a:spLocks noGrp="1"/>
+          </p:cNvSpPr>
+          <p:nvPr>
+            <p:ph type="title"/>
+          </p:nvPr>
+        </p:nvSpPr>
+        <p:spPr/>
+        <p:txBody>
+          <a:bodyPr/>
+          <a:lstStyle/>
+          <a:p>
+            <a:r>
+              <a:rPr lang="en-GB" dirty="0"/>
+              <a:t>comparison</a:t>
+            </a:r>
+            <a:endParaRPr lang="en-ID" dirty="0"/>
+          </a:p>
+        </p:txBody>
+      </p:sp>
+      <p:graphicFrame>
+        <p:nvGraphicFramePr>
+          <p:cNvPr id="5" name="Content Placeholder 4">
+            <a:extLst>
+              <a:ext uri="{FF2B5EF4-FFF2-40B4-BE49-F238E27FC236}">
+                <a16:creationId xmlns:a16="http://schemas.microsoft.com/office/drawing/2014/main" id="{139D70D8-4164-BF05-A8F2-DE04A6AD4EB6}"/>
+              </a:ext>
+            </a:extLst>
+          </p:cNvPr>
+          <p:cNvGraphicFramePr>
+            <a:graphicFrameLocks noGrp="1"/>
+          </p:cNvGraphicFramePr>
+          <p:nvPr>
+            <p:ph idx="1"/>
+            <p:extLst>
+              <p:ext uri="{D42A27DB-BD31-4B8C-83A1-F6EECF244321}">
+                <p14:modId xmlns:p14="http://schemas.microsoft.com/office/powerpoint/2010/main" val="3813815775"/>
+              </p:ext>
+            </p:extLst>
+          </p:nvPr>
+        </p:nvGraphicFramePr>
+        <p:xfrm>
+          <a:off x="1096963" y="2108200"/>
+          <a:ext cx="10058400" cy="3444240"/>
+        </p:xfrm>
+        <a:graphic>
+          <a:graphicData uri="http://schemas.openxmlformats.org/drawingml/2006/table">
+            <a:tbl>
+              <a:tblPr firstRow="1" bandRow="1">
+                <a:tableStyleId>{073A0DAA-6AF3-43AB-8588-CEC1D06C72B9}</a:tableStyleId>
+              </a:tblPr>
+              <a:tblGrid>
+                <a:gridCol w="2514600">
+                  <a:extLst>
+                    <a:ext uri="{9D8B030D-6E8A-4147-A177-3AD203B41FA5}">
+                      <a16:colId xmlns:a16="http://schemas.microsoft.com/office/drawing/2014/main" val="2285591873"/>
+                    </a:ext>
+                  </a:extLst>
+                </a:gridCol>
+                <a:gridCol w="2514600">
+                  <a:extLst>
+                    <a:ext uri="{9D8B030D-6E8A-4147-A177-3AD203B41FA5}">
+                      <a16:colId xmlns:a16="http://schemas.microsoft.com/office/drawing/2014/main" val="38844349"/>
+                    </a:ext>
+                  </a:extLst>
+                </a:gridCol>
+                <a:gridCol w="2514600">
+                  <a:extLst>
+                    <a:ext uri="{9D8B030D-6E8A-4147-A177-3AD203B41FA5}">
+                      <a16:colId xmlns:a16="http://schemas.microsoft.com/office/drawing/2014/main" val="71912271"/>
+                    </a:ext>
+                  </a:extLst>
+                </a:gridCol>
+                <a:gridCol w="2514600">
+                  <a:extLst>
+                    <a:ext uri="{9D8B030D-6E8A-4147-A177-3AD203B41FA5}">
+                      <a16:colId xmlns:a16="http://schemas.microsoft.com/office/drawing/2014/main" val="1491297725"/>
+                    </a:ext>
+                  </a:extLst>
+                </a:gridCol>
+              </a:tblGrid>
+              <a:tr h="370840">
+                <a:tc>
+                  <a:txBody>
+                    <a:bodyPr/>
+                    <a:lstStyle/>
+                    <a:p>
+                      <a:endParaRPr lang="en-ID" sz="2800" dirty="0"/>
+                    </a:p>
+                  </a:txBody>
+                  <a:tcPr/>
+                </a:tc>
+                <a:tc>
+                  <a:txBody>
+                    <a:bodyPr/>
+                    <a:lstStyle/>
+                    <a:p>
+                      <a:r>
+                        <a:rPr lang="en-GB" sz="2800" dirty="0"/>
+                        <a:t>My website</a:t>
+                      </a:r>
+                      <a:endParaRPr lang="en-ID" sz="2800" dirty="0"/>
+                    </a:p>
+                  </a:txBody>
+                  <a:tcPr/>
+                </a:tc>
+                <a:tc>
+                  <a:txBody>
+                    <a:bodyPr/>
+                    <a:lstStyle/>
+                    <a:p>
+                      <a:r>
+                        <a:rPr lang="en-GB" sz="2800" dirty="0"/>
+                        <a:t>Accurate 5</a:t>
+                      </a:r>
+                      <a:endParaRPr lang="en-ID" sz="2800" dirty="0"/>
+                    </a:p>
+                  </a:txBody>
+                  <a:tcPr/>
+                </a:tc>
+                <a:tc>
+                  <a:txBody>
+                    <a:bodyPr/>
+                    <a:lstStyle/>
+                    <a:p>
+                      <a:r>
+                        <a:rPr lang="en-GB" sz="2800" dirty="0"/>
+                        <a:t>Microsoft dynamics nav</a:t>
+                      </a:r>
+                      <a:endParaRPr lang="en-ID" sz="2800" dirty="0"/>
+                    </a:p>
+                  </a:txBody>
+                  <a:tcPr/>
+                </a:tc>
+                <a:extLst>
+                  <a:ext uri="{0D108BD9-81ED-4DB2-BD59-A6C34878D82A}">
+                    <a16:rowId xmlns:a16="http://schemas.microsoft.com/office/drawing/2014/main" val="1188331690"/>
+                  </a:ext>
+                </a:extLst>
+              </a:tr>
+              <a:tr h="370840">
+                <a:tc>
+                  <a:txBody>
+                    <a:bodyPr/>
+                    <a:lstStyle/>
+                    <a:p>
+                      <a:r>
+                        <a:rPr lang="en-GB" sz="2800" dirty="0"/>
+                        <a:t>scalability</a:t>
+                      </a:r>
+                      <a:endParaRPr lang="en-ID" sz="2800" dirty="0"/>
+                    </a:p>
+                  </a:txBody>
+                  <a:tcPr/>
+                </a:tc>
+                <a:tc>
+                  <a:txBody>
+                    <a:bodyPr/>
+                    <a:lstStyle/>
+                    <a:p>
+                      <a:r>
+                        <a:rPr lang="en-GB" sz="2800" dirty="0"/>
+                        <a:t>Yes</a:t>
+                      </a:r>
+                      <a:endParaRPr lang="en-ID" sz="2800" dirty="0"/>
+                    </a:p>
+                  </a:txBody>
+                  <a:tcPr/>
+                </a:tc>
+                <a:tc>
+                  <a:txBody>
+                    <a:bodyPr/>
+                    <a:lstStyle/>
+                    <a:p>
+                      <a:r>
+                        <a:rPr lang="en-GB" sz="2800" dirty="0"/>
+                        <a:t>No</a:t>
+                      </a:r>
+                      <a:endParaRPr lang="en-ID" sz="2800" dirty="0"/>
+                    </a:p>
+                  </a:txBody>
+                  <a:tcPr/>
+                </a:tc>
+                <a:tc>
+                  <a:txBody>
+                    <a:bodyPr/>
+                    <a:lstStyle/>
+                    <a:p>
+                      <a:r>
+                        <a:rPr lang="en-GB" sz="2800" dirty="0"/>
+                        <a:t>Yes</a:t>
+                      </a:r>
+                      <a:endParaRPr lang="en-ID" sz="2800" dirty="0"/>
+                    </a:p>
+                  </a:txBody>
+                  <a:tcPr/>
+                </a:tc>
+                <a:extLst>
+                  <a:ext uri="{0D108BD9-81ED-4DB2-BD59-A6C34878D82A}">
+                    <a16:rowId xmlns:a16="http://schemas.microsoft.com/office/drawing/2014/main" val="3353568226"/>
+                  </a:ext>
+                </a:extLst>
+              </a:tr>
+              <a:tr h="370840">
+                <a:tc>
+                  <a:txBody>
+                    <a:bodyPr/>
+                    <a:lstStyle/>
+                    <a:p>
+                      <a:r>
+                        <a:rPr lang="en-GB" sz="2800" dirty="0"/>
+                        <a:t>Cloud storage</a:t>
+                      </a:r>
+                      <a:endParaRPr lang="en-ID" sz="2800" dirty="0"/>
+                    </a:p>
+                  </a:txBody>
+                  <a:tcPr/>
+                </a:tc>
+                <a:tc>
+                  <a:txBody>
+                    <a:bodyPr/>
+                    <a:lstStyle/>
+                    <a:p>
+                      <a:r>
+                        <a:rPr lang="en-GB" sz="2800" dirty="0"/>
+                        <a:t>Yes</a:t>
+                      </a:r>
+                      <a:endParaRPr lang="en-ID" sz="2800" dirty="0"/>
+                    </a:p>
+                  </a:txBody>
+                  <a:tcPr/>
+                </a:tc>
+                <a:tc>
+                  <a:txBody>
+                    <a:bodyPr/>
+                    <a:lstStyle/>
+                    <a:p>
+                      <a:r>
+                        <a:rPr lang="en-GB" sz="2800" dirty="0"/>
+                        <a:t>No</a:t>
+                      </a:r>
+                      <a:endParaRPr lang="en-ID" sz="2800" dirty="0"/>
+                    </a:p>
+                  </a:txBody>
+                  <a:tcPr/>
+                </a:tc>
+                <a:tc>
+                  <a:txBody>
+                    <a:bodyPr/>
+                    <a:lstStyle/>
+                    <a:p>
+                      <a:r>
+                        <a:rPr lang="en-GB" sz="2800" dirty="0"/>
+                        <a:t>Yes</a:t>
+                      </a:r>
+                      <a:endParaRPr lang="en-ID" sz="2800" dirty="0"/>
+                    </a:p>
+                  </a:txBody>
+                  <a:tcPr/>
+                </a:tc>
+                <a:extLst>
+                  <a:ext uri="{0D108BD9-81ED-4DB2-BD59-A6C34878D82A}">
+                    <a16:rowId xmlns:a16="http://schemas.microsoft.com/office/drawing/2014/main" val="359798049"/>
+                  </a:ext>
+                </a:extLst>
+              </a:tr>
+              <a:tr h="370840">
+                <a:tc>
+                  <a:txBody>
+                    <a:bodyPr/>
+                    <a:lstStyle/>
+                    <a:p>
+                      <a:r>
+                        <a:rPr lang="en-GB" sz="2800" dirty="0"/>
+                        <a:t>Multi platform</a:t>
+                      </a:r>
+                      <a:endParaRPr lang="en-ID" sz="2800" dirty="0"/>
+                    </a:p>
+                  </a:txBody>
+                  <a:tcPr/>
+                </a:tc>
+                <a:tc>
+                  <a:txBody>
+                    <a:bodyPr/>
+                    <a:lstStyle/>
+                    <a:p>
+                      <a:r>
+                        <a:rPr lang="en-GB" sz="2800" dirty="0"/>
+                        <a:t>Yes </a:t>
+                      </a:r>
+                      <a:endParaRPr lang="en-ID" sz="2800" dirty="0"/>
+                    </a:p>
+                  </a:txBody>
+                  <a:tcPr/>
+                </a:tc>
+                <a:tc>
+                  <a:txBody>
+                    <a:bodyPr/>
+                    <a:lstStyle/>
+                    <a:p>
+                      <a:r>
+                        <a:rPr lang="en-GB" sz="2800" dirty="0"/>
+                        <a:t>No</a:t>
+                      </a:r>
+                      <a:endParaRPr lang="en-ID" sz="2800" dirty="0"/>
+                    </a:p>
+                  </a:txBody>
+                  <a:tcPr/>
+                </a:tc>
+                <a:tc>
+                  <a:txBody>
+                    <a:bodyPr/>
+                    <a:lstStyle/>
+                    <a:p>
+                      <a:r>
+                        <a:rPr lang="en-GB" sz="2800" dirty="0"/>
+                        <a:t>No</a:t>
+                      </a:r>
+                      <a:endParaRPr lang="en-ID" sz="2800" dirty="0"/>
+                    </a:p>
+                  </a:txBody>
+                  <a:tcPr/>
+                </a:tc>
+                <a:extLst>
+                  <a:ext uri="{0D108BD9-81ED-4DB2-BD59-A6C34878D82A}">
+                    <a16:rowId xmlns:a16="http://schemas.microsoft.com/office/drawing/2014/main" val="1224874894"/>
+                  </a:ext>
+                </a:extLst>
+              </a:tr>
+              <a:tr h="370840">
+                <a:tc>
+                  <a:txBody>
+                    <a:bodyPr/>
+                    <a:lstStyle/>
+                    <a:p>
+                      <a:r>
+                        <a:rPr lang="en-GB" sz="2800" dirty="0"/>
+                        <a:t>Price </a:t>
+                      </a:r>
+                      <a:endParaRPr lang="en-ID" sz="2800" dirty="0"/>
+                    </a:p>
+                  </a:txBody>
+                  <a:tcPr/>
+                </a:tc>
+                <a:tc>
+                  <a:txBody>
+                    <a:bodyPr/>
+                    <a:lstStyle/>
+                    <a:p>
+                      <a:r>
+                        <a:rPr lang="en-GB" sz="2800" dirty="0"/>
+                        <a:t>20 million per year</a:t>
+                      </a:r>
+                      <a:endParaRPr lang="en-ID" sz="2800" dirty="0"/>
+                    </a:p>
+                  </a:txBody>
+                  <a:tcPr/>
+                </a:tc>
+                <a:tc>
+                  <a:txBody>
+                    <a:bodyPr/>
+                    <a:lstStyle/>
+                    <a:p>
+                      <a:r>
+                        <a:rPr lang="en-GB" sz="2800" dirty="0"/>
+                        <a:t>35 million / 5 license</a:t>
+                      </a:r>
+                      <a:endParaRPr lang="en-ID" sz="2800" dirty="0"/>
+                    </a:p>
+                  </a:txBody>
+                  <a:tcPr/>
+                </a:tc>
+                <a:tc>
+                  <a:txBody>
+                    <a:bodyPr/>
+                    <a:lstStyle/>
+                    <a:p>
+                      <a:r>
+                        <a:rPr lang="en-GB" sz="2800" dirty="0"/>
+                        <a:t>31.2million / year</a:t>
+                      </a:r>
+                      <a:endParaRPr lang="en-ID" sz="2800" dirty="0"/>
+                    </a:p>
+                  </a:txBody>
+                  <a:tcPr/>
+                </a:tc>
+                <a:extLst>
+                  <a:ext uri="{0D108BD9-81ED-4DB2-BD59-A6C34878D82A}">
+                    <a16:rowId xmlns:a16="http://schemas.microsoft.com/office/drawing/2014/main" val="439071806"/>
+                  </a:ext>
+                </a:extLst>
+              </a:tr>
+            </a:tbl>
+          </a:graphicData>
+        </a:graphic>
+      </p:graphicFrame>
+    </p:spTree>
+    <p:extLst>
+      <p:ext uri="{BB962C8B-B14F-4D97-AF65-F5344CB8AC3E}">
+        <p14:creationId xmlns:p14="http://schemas.microsoft.com/office/powerpoint/2010/main" val="310589431"/>
+      </p:ext>
+    </p:extLst>
+  </p:cSld>
+  <p:clrMapOvr>
+    <a:masterClrMapping/>
+  </p:clrMapOvr>
+</p:sld>
+</file>
+
+<file path=ppt/slides/slide26.xml><?xml version="1.0" encoding="utf-8"?>
+<p:sld xmlns:a="http://schemas.openxmlformats.org/drawingml/2006/main" xmlns:r="http://schemas.openxmlformats.org/officeDocument/2006/relationships" xmlns:p="http://schemas.openxmlformats.org/presentationml/2006/main">
+  <p:cSld>
+    <p:spTree>
+      <p:nvGrpSpPr>
+        <p:cNvPr id="1" name=""/>
+        <p:cNvGrpSpPr/>
+        <p:nvPr/>
+      </p:nvGrpSpPr>
+      <p:grpSpPr>
+        <a:xfrm>
+          <a:off x="0" y="0"/>
+          <a:ext cx="0" cy="0"/>
+          <a:chOff x="0" y="0"/>
+          <a:chExt cx="0" cy="0"/>
+        </a:xfrm>
+      </p:grpSpPr>
+      <p:sp>
+        <p:nvSpPr>
+          <p:cNvPr id="2" name="Title 1">
+            <a:extLst>
+              <a:ext uri="{FF2B5EF4-FFF2-40B4-BE49-F238E27FC236}">
+                <a16:creationId xmlns:a16="http://schemas.microsoft.com/office/drawing/2014/main" id="{4010AF38-26DF-48B3-952C-4A9091D6863C}"/>
+              </a:ext>
+            </a:extLst>
+          </p:cNvPr>
+          <p:cNvSpPr>
+            <a:spLocks noGrp="1"/>
+          </p:cNvSpPr>
+          <p:nvPr>
+            <p:ph type="ctrTitle"/>
+          </p:nvPr>
+        </p:nvSpPr>
+        <p:spPr>
+          <a:xfrm>
+            <a:off x="648929" y="639097"/>
+            <a:ext cx="6253317" cy="3686015"/>
+          </a:xfrm>
+        </p:spPr>
+        <p:txBody>
+          <a:bodyPr>
+            <a:noAutofit/>
+          </a:bodyPr>
+          <a:lstStyle/>
+          <a:p>
+            <a:r>
+              <a:rPr lang="en-GB" sz="4400" dirty="0"/>
+              <a:t>Thank you</a:t>
+            </a:r>
+            <a:endParaRPr lang="en-US" sz="4400" dirty="0"/>
+          </a:p>
+        </p:txBody>
+      </p:sp>
+      <p:sp>
+        <p:nvSpPr>
+          <p:cNvPr id="3" name="Subtitle 2">
+            <a:extLst>
+              <a:ext uri="{FF2B5EF4-FFF2-40B4-BE49-F238E27FC236}">
+                <a16:creationId xmlns:a16="http://schemas.microsoft.com/office/drawing/2014/main" id="{37FC2D8F-56D2-4ADF-B439-0E09E7C37894}"/>
+              </a:ext>
+            </a:extLst>
+          </p:cNvPr>
+          <p:cNvSpPr>
+            <a:spLocks noGrp="1"/>
+          </p:cNvSpPr>
+          <p:nvPr>
+            <p:ph type="subTitle" idx="1"/>
+          </p:nvPr>
+        </p:nvSpPr>
+        <p:spPr>
+          <a:xfrm>
+            <a:off x="632899" y="4672738"/>
+            <a:ext cx="6269347" cy="1546155"/>
+          </a:xfrm>
+        </p:spPr>
+        <p:txBody>
+          <a:bodyPr>
+            <a:normAutofit fontScale="85000" lnSpcReduction="10000"/>
+          </a:bodyPr>
+          <a:lstStyle/>
+          <a:p>
+            <a:r>
+              <a:rPr lang="en-US" sz="2400" dirty="0" err="1">
+                <a:solidFill>
+                  <a:schemeClr val="tx1">
+                    <a:lumMod val="85000"/>
+                    <a:lumOff val="15000"/>
+                  </a:schemeClr>
+                </a:solidFill>
+              </a:rPr>
+              <a:t>Brevalda</a:t>
+            </a:r>
+            <a:r>
+              <a:rPr lang="en-US" sz="2400" dirty="0">
+                <a:solidFill>
+                  <a:schemeClr val="tx1">
+                    <a:lumMod val="85000"/>
+                    <a:lumOff val="15000"/>
+                  </a:schemeClr>
+                </a:solidFill>
+              </a:rPr>
+              <a:t> </a:t>
+            </a:r>
+            <a:r>
+              <a:rPr lang="en-US" sz="2400" dirty="0" err="1">
+                <a:solidFill>
+                  <a:schemeClr val="tx1">
+                    <a:lumMod val="85000"/>
+                    <a:lumOff val="15000"/>
+                  </a:schemeClr>
+                </a:solidFill>
+              </a:rPr>
+              <a:t>Resnu</a:t>
+            </a:r>
+            <a:r>
+              <a:rPr lang="en-US" sz="2400" dirty="0">
+                <a:solidFill>
+                  <a:schemeClr val="tx1">
+                    <a:lumMod val="85000"/>
+                    <a:lumOff val="15000"/>
+                  </a:schemeClr>
+                </a:solidFill>
+              </a:rPr>
+              <a:t> Putra </a:t>
+            </a:r>
+            <a:r>
+              <a:rPr lang="en-US" sz="2400" dirty="0" err="1">
+                <a:solidFill>
+                  <a:schemeClr val="tx1">
+                    <a:lumMod val="85000"/>
+                    <a:lumOff val="15000"/>
+                  </a:schemeClr>
+                </a:solidFill>
+              </a:rPr>
+              <a:t>Kaltanda</a:t>
+            </a:r>
+            <a:endParaRPr lang="en-US" sz="2400" dirty="0">
+              <a:solidFill>
+                <a:schemeClr val="tx1">
+                  <a:lumMod val="85000"/>
+                  <a:lumOff val="15000"/>
+                </a:schemeClr>
+              </a:solidFill>
+            </a:endParaRPr>
+          </a:p>
+          <a:p>
+            <a:r>
+              <a:rPr lang="en-US" dirty="0">
+                <a:solidFill>
+                  <a:schemeClr val="tx1">
+                    <a:lumMod val="85000"/>
+                    <a:lumOff val="15000"/>
+                  </a:schemeClr>
+                </a:solidFill>
+              </a:rPr>
+              <a:t>218180412</a:t>
+            </a:r>
+          </a:p>
+          <a:p>
+            <a:r>
+              <a:rPr lang="en-US" sz="2400" dirty="0">
+                <a:solidFill>
+                  <a:schemeClr val="tx1">
+                    <a:lumMod val="85000"/>
+                    <a:lumOff val="15000"/>
+                  </a:schemeClr>
+                </a:solidFill>
+              </a:rPr>
+              <a:t>S1 – system information and </a:t>
+            </a:r>
+            <a:r>
+              <a:rPr lang="en-US" sz="2400" dirty="0" err="1">
+                <a:solidFill>
+                  <a:schemeClr val="tx1">
+                    <a:lumMod val="85000"/>
+                    <a:lumOff val="15000"/>
+                  </a:schemeClr>
+                </a:solidFill>
+              </a:rPr>
+              <a:t>bussiness</a:t>
+            </a:r>
+            <a:endParaRPr lang="en-US" sz="2400" dirty="0">
+              <a:solidFill>
+                <a:schemeClr val="tx1">
+                  <a:lumMod val="85000"/>
+                  <a:lumOff val="15000"/>
+                </a:schemeClr>
+              </a:solidFill>
+            </a:endParaRPr>
+          </a:p>
+        </p:txBody>
+      </p:sp>
+      <p:pic>
+        <p:nvPicPr>
+          <p:cNvPr id="6" name="Picture 5">
+            <a:extLst>
+              <a:ext uri="{FF2B5EF4-FFF2-40B4-BE49-F238E27FC236}">
+                <a16:creationId xmlns:a16="http://schemas.microsoft.com/office/drawing/2014/main" id="{308AC96E-AA33-4309-B51D-072F59E6EC0B}"/>
+              </a:ext>
+              <a:ext uri="{C183D7F6-B498-43B3-948B-1728B52AA6E4}">
+                <adec:decorative xmlns:adec="http://schemas.microsoft.com/office/drawing/2017/decorative" val="1"/>
+              </a:ext>
+            </a:extLst>
+          </p:cNvPr>
+          <p:cNvPicPr>
+            <a:picLocks noChangeAspect="1"/>
+          </p:cNvPicPr>
+          <p:nvPr/>
+        </p:nvPicPr>
+        <p:blipFill rotWithShape="1">
+          <a:blip r:embed="rId2">
+            <a:extLst>
+              <a:ext uri="{28A0092B-C50C-407E-A947-70E740481C1C}">
+                <a14:useLocalDpi xmlns:a14="http://schemas.microsoft.com/office/drawing/2010/main" val="0"/>
+              </a:ext>
+            </a:extLst>
+          </a:blip>
+          <a:srcRect/>
+          <a:stretch/>
+        </p:blipFill>
+        <p:spPr>
+          <a:xfrm>
+            <a:off x="7556686" y="1"/>
+            <a:ext cx="4635315" cy="6857999"/>
+          </a:xfrm>
+          <a:prstGeom prst="rect">
+            <a:avLst/>
+          </a:prstGeom>
+        </p:spPr>
+      </p:pic>
+    </p:spTree>
+    <p:extLst>
+      <p:ext uri="{BB962C8B-B14F-4D97-AF65-F5344CB8AC3E}">
+        <p14:creationId xmlns:p14="http://schemas.microsoft.com/office/powerpoint/2010/main" val="2809882935"/>
       </p:ext>
     </p:extLst>
   </p:cSld>
@@ -9363,21 +8730,21 @@
 </file>
 
 <file path=customXml/item1.xml><?xml version="1.0" encoding="utf-8"?>
+<?mso-contentType ?>
+<FormTemplates xmlns="http://schemas.microsoft.com/sharepoint/v3/contenttype/forms">
+  <Display>DocumentLibraryForm</Display>
+  <Edit>DocumentLibraryForm</Edit>
+  <New>DocumentLibraryForm</New>
+</FormTemplates>
+</file>
+
+<file path=customXml/item2.xml><?xml version="1.0" encoding="utf-8"?>
 <p:properties xmlns:p="http://schemas.microsoft.com/office/2006/metadata/properties" xmlns:xsi="http://www.w3.org/2001/XMLSchema-instance" xmlns:pc="http://schemas.microsoft.com/office/infopath/2007/PartnerControls">
   <documentManagement>
     <Status xmlns="71af3243-3dd4-4a8d-8c0d-dd76da1f02a5">Not started</Status>
     <MediaServiceKeyPoints xmlns="71af3243-3dd4-4a8d-8c0d-dd76da1f02a5" xsi:nil="true"/>
   </documentManagement>
 </p:properties>
-</file>
-
-<file path=customXml/item2.xml><?xml version="1.0" encoding="utf-8"?>
-<?mso-contentType ?>
-<FormTemplates xmlns="http://schemas.microsoft.com/sharepoint/v3/contenttype/forms">
-  <Display>DocumentLibraryForm</Display>
-  <Edit>DocumentLibraryForm</Edit>
-  <New>DocumentLibraryForm</New>
-</FormTemplates>
 </file>
 
 <file path=customXml/item3.xml><?xml version="1.0" encoding="utf-8"?>
@@ -9602,19 +8969,19 @@
 </file>
 
 <file path=customXml/itemProps1.xml><?xml version="1.0" encoding="utf-8"?>
+<ds:datastoreItem xmlns:ds="http://schemas.openxmlformats.org/officeDocument/2006/customXml" ds:itemID="{638A3B04-B0F3-4C12-A722-52B5CF6D9723}">
+  <ds:schemaRefs>
+    <ds:schemaRef ds:uri="http://schemas.microsoft.com/sharepoint/v3/contenttype/forms"/>
+  </ds:schemaRefs>
+</ds:datastoreItem>
+</file>
+
+<file path=customXml/itemProps2.xml><?xml version="1.0" encoding="utf-8"?>
 <ds:datastoreItem xmlns:ds="http://schemas.openxmlformats.org/officeDocument/2006/customXml" ds:itemID="{4F5B1FD9-3BB6-4DA9-A089-3B68C2323D4F}">
   <ds:schemaRefs>
     <ds:schemaRef ds:uri="http://schemas.microsoft.com/office/2006/metadata/properties"/>
     <ds:schemaRef ds:uri="http://schemas.microsoft.com/office/infopath/2007/PartnerControls"/>
     <ds:schemaRef ds:uri="71af3243-3dd4-4a8d-8c0d-dd76da1f02a5"/>
-  </ds:schemaRefs>
-</ds:datastoreItem>
-</file>
-
-<file path=customXml/itemProps2.xml><?xml version="1.0" encoding="utf-8"?>
-<ds:datastoreItem xmlns:ds="http://schemas.openxmlformats.org/officeDocument/2006/customXml" ds:itemID="{638A3B04-B0F3-4C12-A722-52B5CF6D9723}">
-  <ds:schemaRefs>
-    <ds:schemaRef ds:uri="http://schemas.microsoft.com/sharepoint/v3/contenttype/forms"/>
   </ds:schemaRefs>
 </ds:datastoreItem>
 </file>

--- a/ONLINE COMPANY EXPENSE RECORDING WEBSITE BASED ON MULTI-COMPANY.pptx
+++ b/ONLINE COMPANY EXPENSE RECORDING WEBSITE BASED ON MULTI-COMPANY.pptx
@@ -381,7 +381,7 @@
           <a:p>
             <a:fld id="{9184DA70-C731-4C70-880D-CCD4705E623C}" type="datetime1">
               <a:rPr lang="en-US" smtClean="0"/>
-              <a:t>10/5/2024</a:t>
+              <a:t>10/7/2024</a:t>
             </a:fld>
             <a:endParaRPr lang="en-US" dirty="0"/>
           </a:p>
@@ -569,7 +569,7 @@
           <a:p>
             <a:fld id="{4BE1D723-8F53-4F53-90B0-1982A396982E}" type="datetime1">
               <a:rPr lang="en-US" smtClean="0"/>
-              <a:t>10/5/2024</a:t>
+              <a:t>10/7/2024</a:t>
             </a:fld>
             <a:endParaRPr lang="en-US" dirty="0"/>
           </a:p>
@@ -942,7 +942,7 @@
           <a:p>
             <a:fld id="{97669AF7-7BEB-44E4-9852-375E34362B5B}" type="datetime1">
               <a:rPr lang="en-US" smtClean="0"/>
-              <a:t>10/5/2024</a:t>
+              <a:t>10/7/2024</a:t>
             </a:fld>
             <a:endParaRPr lang="en-US" dirty="0"/>
           </a:p>
@@ -1197,7 +1197,7 @@
           <a:p>
             <a:fld id="{BAAAC38D-0552-4C82-B593-E6124DFADBE2}" type="datetime1">
               <a:rPr lang="en-US" smtClean="0"/>
-              <a:t>10/5/2024</a:t>
+              <a:t>10/7/2024</a:t>
             </a:fld>
             <a:endParaRPr lang="en-US" dirty="0"/>
           </a:p>
@@ -1594,7 +1594,7 @@
           <a:p>
             <a:fld id="{D9DF0F1C-5577-4ACB-BB62-DF8F3C494C7E}" type="datetime1">
               <a:rPr lang="en-US" smtClean="0"/>
-              <a:t>10/5/2024</a:t>
+              <a:t>10/7/2024</a:t>
             </a:fld>
             <a:endParaRPr lang="en-US" dirty="0"/>
           </a:p>
@@ -1730,7 +1730,7 @@
           <a:p>
             <a:fld id="{1775B394-D9F9-4F0C-B15D-605F45CB9E9F}" type="datetime1">
               <a:rPr lang="en-US" smtClean="0"/>
-              <a:t>10/5/2024</a:t>
+              <a:t>10/7/2024</a:t>
             </a:fld>
             <a:endParaRPr lang="en-US" dirty="0"/>
           </a:p>
@@ -1887,7 +1887,7 @@
           <a:p>
             <a:fld id="{39667345-2558-425A-8533-9BFDBCE15005}" type="datetime1">
               <a:rPr lang="en-US" smtClean="0"/>
-              <a:t>10/5/2024</a:t>
+              <a:t>10/7/2024</a:t>
             </a:fld>
             <a:endParaRPr lang="en-US" dirty="0"/>
           </a:p>
@@ -2216,7 +2216,7 @@
           <a:p>
             <a:fld id="{92BEA474-078D-4E9B-9B14-09A87B19DC46}" type="datetime1">
               <a:rPr lang="en-US" smtClean="0"/>
-              <a:t>10/5/2024</a:t>
+              <a:t>10/7/2024</a:t>
             </a:fld>
             <a:endParaRPr lang="en-US" dirty="0"/>
           </a:p>
@@ -2566,7 +2566,7 @@
           <a:p>
             <a:fld id="{4907D986-8816-4272-A432-0437A28A9828}" type="datetime1">
               <a:rPr lang="en-US" smtClean="0"/>
-              <a:t>10/5/2024</a:t>
+              <a:t>10/7/2024</a:t>
             </a:fld>
             <a:endParaRPr lang="en-US" dirty="0"/>
           </a:p>
@@ -2827,7 +2827,7 @@
           <a:p>
             <a:fld id="{62D6E202-B606-4609-B914-27C9371A1F6D}" type="datetime1">
               <a:rPr lang="en-US" smtClean="0"/>
-              <a:t>10/5/2024</a:t>
+              <a:t>10/7/2024</a:t>
             </a:fld>
             <a:endParaRPr lang="en-US" dirty="0"/>
           </a:p>
@@ -4817,7 +4817,12 @@
             <p:ph idx="1"/>
           </p:nvPr>
         </p:nvSpPr>
-        <p:spPr/>
+        <p:spPr>
+          <a:xfrm>
+            <a:off x="1223887" y="2108201"/>
+            <a:ext cx="10058400" cy="3760891"/>
+          </a:xfrm>
+        </p:spPr>
         <p:txBody>
           <a:bodyPr/>
           <a:lstStyle/>
@@ -8730,21 +8735,21 @@
 </file>
 
 <file path=customXml/item1.xml><?xml version="1.0" encoding="utf-8"?>
+<p:properties xmlns:p="http://schemas.microsoft.com/office/2006/metadata/properties" xmlns:xsi="http://www.w3.org/2001/XMLSchema-instance" xmlns:pc="http://schemas.microsoft.com/office/infopath/2007/PartnerControls">
+  <documentManagement>
+    <Status xmlns="71af3243-3dd4-4a8d-8c0d-dd76da1f02a5">Not started</Status>
+    <MediaServiceKeyPoints xmlns="71af3243-3dd4-4a8d-8c0d-dd76da1f02a5" xsi:nil="true"/>
+  </documentManagement>
+</p:properties>
+</file>
+
+<file path=customXml/item2.xml><?xml version="1.0" encoding="utf-8"?>
 <?mso-contentType ?>
 <FormTemplates xmlns="http://schemas.microsoft.com/sharepoint/v3/contenttype/forms">
   <Display>DocumentLibraryForm</Display>
   <Edit>DocumentLibraryForm</Edit>
   <New>DocumentLibraryForm</New>
 </FormTemplates>
-</file>
-
-<file path=customXml/item2.xml><?xml version="1.0" encoding="utf-8"?>
-<p:properties xmlns:p="http://schemas.microsoft.com/office/2006/metadata/properties" xmlns:xsi="http://www.w3.org/2001/XMLSchema-instance" xmlns:pc="http://schemas.microsoft.com/office/infopath/2007/PartnerControls">
-  <documentManagement>
-    <Status xmlns="71af3243-3dd4-4a8d-8c0d-dd76da1f02a5">Not started</Status>
-    <MediaServiceKeyPoints xmlns="71af3243-3dd4-4a8d-8c0d-dd76da1f02a5" xsi:nil="true"/>
-  </documentManagement>
-</p:properties>
 </file>
 
 <file path=customXml/item3.xml><?xml version="1.0" encoding="utf-8"?>
@@ -8969,19 +8974,19 @@
 </file>
 
 <file path=customXml/itemProps1.xml><?xml version="1.0" encoding="utf-8"?>
-<ds:datastoreItem xmlns:ds="http://schemas.openxmlformats.org/officeDocument/2006/customXml" ds:itemID="{638A3B04-B0F3-4C12-A722-52B5CF6D9723}">
+<ds:datastoreItem xmlns:ds="http://schemas.openxmlformats.org/officeDocument/2006/customXml" ds:itemID="{4F5B1FD9-3BB6-4DA9-A089-3B68C2323D4F}">
   <ds:schemaRefs>
-    <ds:schemaRef ds:uri="http://schemas.microsoft.com/sharepoint/v3/contenttype/forms"/>
+    <ds:schemaRef ds:uri="http://schemas.microsoft.com/office/2006/metadata/properties"/>
+    <ds:schemaRef ds:uri="http://schemas.microsoft.com/office/infopath/2007/PartnerControls"/>
+    <ds:schemaRef ds:uri="71af3243-3dd4-4a8d-8c0d-dd76da1f02a5"/>
   </ds:schemaRefs>
 </ds:datastoreItem>
 </file>
 
 <file path=customXml/itemProps2.xml><?xml version="1.0" encoding="utf-8"?>
-<ds:datastoreItem xmlns:ds="http://schemas.openxmlformats.org/officeDocument/2006/customXml" ds:itemID="{4F5B1FD9-3BB6-4DA9-A089-3B68C2323D4F}">
+<ds:datastoreItem xmlns:ds="http://schemas.openxmlformats.org/officeDocument/2006/customXml" ds:itemID="{638A3B04-B0F3-4C12-A722-52B5CF6D9723}">
   <ds:schemaRefs>
-    <ds:schemaRef ds:uri="http://schemas.microsoft.com/office/2006/metadata/properties"/>
-    <ds:schemaRef ds:uri="http://schemas.microsoft.com/office/infopath/2007/PartnerControls"/>
-    <ds:schemaRef ds:uri="71af3243-3dd4-4a8d-8c0d-dd76da1f02a5"/>
+    <ds:schemaRef ds:uri="http://schemas.microsoft.com/sharepoint/v3/contenttype/forms"/>
   </ds:schemaRefs>
 </ds:datastoreItem>
 </file>
